--- a/yandex_homework/presentation.pptx
+++ b/yandex_homework/presentation.pptx
@@ -9,6 +9,12 @@
     <p:sldId id="257" r:id="rId3"/>
     <p:sldId id="259" r:id="rId4"/>
     <p:sldId id="258" r:id="rId5"/>
+    <p:sldId id="260" r:id="rId6"/>
+    <p:sldId id="261" r:id="rId7"/>
+    <p:sldId id="262" r:id="rId8"/>
+    <p:sldId id="263" r:id="rId9"/>
+    <p:sldId id="264" r:id="rId10"/>
+    <p:sldId id="265" r:id="rId11"/>
   </p:sldIdLst>
   <p:sldSz cx="12192000" cy="6858000"/>
   <p:notesSz cx="6858000" cy="9144000"/>
@@ -3398,6 +3404,3850 @@
 </p:sld>
 </file>
 
+<file path=ppt/slides/slide10.xml><?xml version="1.0" encoding="utf-8"?>
+<p:sld xmlns:a="http://schemas.openxmlformats.org/drawingml/2006/main" xmlns:r="http://schemas.openxmlformats.org/officeDocument/2006/relationships" xmlns:p="http://schemas.openxmlformats.org/presentationml/2006/main">
+  <p:cSld>
+    <p:spTree>
+      <p:nvGrpSpPr>
+        <p:cNvPr id="1" name=""/>
+        <p:cNvGrpSpPr/>
+        <p:nvPr/>
+      </p:nvGrpSpPr>
+      <p:grpSpPr>
+        <a:xfrm>
+          <a:off x="0" y="0"/>
+          <a:ext cx="0" cy="0"/>
+          <a:chOff x="0" y="0"/>
+          <a:chExt cx="0" cy="0"/>
+        </a:xfrm>
+      </p:grpSpPr>
+      <p:sp>
+        <p:nvSpPr>
+          <p:cNvPr id="2" name="Заголовок 1">
+            <a:extLst>
+              <a:ext uri="{FF2B5EF4-FFF2-40B4-BE49-F238E27FC236}">
+                <a16:creationId xmlns:a16="http://schemas.microsoft.com/office/drawing/2014/main" id="{A5362A27-2EFA-614A-9101-E651F503482D}"/>
+              </a:ext>
+            </a:extLst>
+          </p:cNvPr>
+          <p:cNvSpPr>
+            <a:spLocks noGrp="1"/>
+          </p:cNvSpPr>
+          <p:nvPr>
+            <p:ph type="title"/>
+          </p:nvPr>
+        </p:nvSpPr>
+        <p:spPr>
+          <a:xfrm>
+            <a:off x="829559" y="103695"/>
+            <a:ext cx="10524241" cy="1027521"/>
+          </a:xfrm>
+        </p:spPr>
+        <p:txBody>
+          <a:bodyPr/>
+          <a:lstStyle/>
+          <a:p>
+            <a:r>
+              <a:rPr lang="ru-RU" dirty="0"/>
+              <a:t>Дисплей</a:t>
+            </a:r>
+          </a:p>
+        </p:txBody>
+      </p:sp>
+      <p:sp>
+        <p:nvSpPr>
+          <p:cNvPr id="3" name="Объект 2">
+            <a:extLst>
+              <a:ext uri="{FF2B5EF4-FFF2-40B4-BE49-F238E27FC236}">
+                <a16:creationId xmlns:a16="http://schemas.microsoft.com/office/drawing/2014/main" id="{4514E188-0FB9-AF43-8A45-C5D21E8272E2}"/>
+              </a:ext>
+            </a:extLst>
+          </p:cNvPr>
+          <p:cNvSpPr>
+            <a:spLocks noGrp="1"/>
+          </p:cNvSpPr>
+          <p:nvPr>
+            <p:ph idx="1"/>
+          </p:nvPr>
+        </p:nvSpPr>
+        <p:spPr>
+          <a:xfrm>
+            <a:off x="254523" y="1131216"/>
+            <a:ext cx="11500701" cy="1448315"/>
+          </a:xfrm>
+        </p:spPr>
+        <p:txBody>
+          <a:bodyPr>
+            <a:normAutofit fontScale="77500" lnSpcReduction="20000"/>
+          </a:bodyPr>
+          <a:lstStyle/>
+          <a:p>
+            <a:pPr marL="0" indent="0">
+              <a:buNone/>
+            </a:pPr>
+            <a:r>
+              <a:rPr lang="ru-RU" dirty="0"/>
+              <a:t>Видим, что конкуренты Омеги за данный период использовали Дисплей и получали дешевые клики, особенно по </a:t>
+            </a:r>
+            <a:r>
+              <a:rPr lang="ru-RU" dirty="0" err="1"/>
+              <a:t>видеорекламе</a:t>
+            </a:r>
+            <a:r>
+              <a:rPr lang="ru-RU" dirty="0"/>
+              <a:t> на </a:t>
+            </a:r>
+            <a:r>
+              <a:rPr lang="ru-RU" dirty="0" err="1"/>
+              <a:t>мобайле</a:t>
+            </a:r>
+            <a:r>
+              <a:rPr lang="ru-RU" dirty="0"/>
+              <a:t>. Мы не знаем конверсию из клика в целевое действие (или пустая колонка означает, что их нет?). </a:t>
+            </a:r>
+          </a:p>
+          <a:p>
+            <a:pPr marL="0" indent="0">
+              <a:buNone/>
+            </a:pPr>
+            <a:r>
+              <a:rPr lang="ru-RU" dirty="0"/>
+              <a:t>Так или иначе, Омега никогда не запускала кампании в Дисплее – есть смысл попробовать, учитывая, что это может повлиять на рост брендовых запросов в </a:t>
+            </a:r>
+            <a:r>
+              <a:rPr lang="ru-RU" dirty="0" err="1"/>
+              <a:t>Директе</a:t>
+            </a:r>
+            <a:r>
+              <a:rPr lang="ru-RU" dirty="0"/>
+              <a:t>.</a:t>
+            </a:r>
+          </a:p>
+        </p:txBody>
+      </p:sp>
+      <p:graphicFrame>
+        <p:nvGraphicFramePr>
+          <p:cNvPr id="4" name="Таблица 3">
+            <a:extLst>
+              <a:ext uri="{FF2B5EF4-FFF2-40B4-BE49-F238E27FC236}">
+                <a16:creationId xmlns:a16="http://schemas.microsoft.com/office/drawing/2014/main" id="{E600845D-8D0A-9341-A65B-BF8EE679F98B}"/>
+              </a:ext>
+            </a:extLst>
+          </p:cNvPr>
+          <p:cNvGraphicFramePr>
+            <a:graphicFrameLocks noGrp="1"/>
+          </p:cNvGraphicFramePr>
+          <p:nvPr>
+            <p:extLst>
+              <p:ext uri="{D42A27DB-BD31-4B8C-83A1-F6EECF244321}">
+                <p14:modId xmlns:p14="http://schemas.microsoft.com/office/powerpoint/2010/main" val="712177778"/>
+              </p:ext>
+            </p:extLst>
+          </p:nvPr>
+        </p:nvGraphicFramePr>
+        <p:xfrm>
+          <a:off x="1830271" y="2741367"/>
+          <a:ext cx="8573679" cy="2726178"/>
+        </p:xfrm>
+        <a:graphic>
+          <a:graphicData uri="http://schemas.openxmlformats.org/drawingml/2006/table">
+            <a:tbl>
+              <a:tblPr/>
+              <a:tblGrid>
+                <a:gridCol w="2644403">
+                  <a:extLst>
+                    <a:ext uri="{9D8B030D-6E8A-4147-A177-3AD203B41FA5}">
+                      <a16:colId xmlns:a16="http://schemas.microsoft.com/office/drawing/2014/main" val="1035042149"/>
+                    </a:ext>
+                  </a:extLst>
+                </a:gridCol>
+                <a:gridCol w="861660">
+                  <a:extLst>
+                    <a:ext uri="{9D8B030D-6E8A-4147-A177-3AD203B41FA5}">
+                      <a16:colId xmlns:a16="http://schemas.microsoft.com/office/drawing/2014/main" val="4088033046"/>
+                    </a:ext>
+                  </a:extLst>
+                </a:gridCol>
+                <a:gridCol w="861660">
+                  <a:extLst>
+                    <a:ext uri="{9D8B030D-6E8A-4147-A177-3AD203B41FA5}">
+                      <a16:colId xmlns:a16="http://schemas.microsoft.com/office/drawing/2014/main" val="2028447111"/>
+                    </a:ext>
+                  </a:extLst>
+                </a:gridCol>
+                <a:gridCol w="1241318">
+                  <a:extLst>
+                    <a:ext uri="{9D8B030D-6E8A-4147-A177-3AD203B41FA5}">
+                      <a16:colId xmlns:a16="http://schemas.microsoft.com/office/drawing/2014/main" val="3541980075"/>
+                    </a:ext>
+                  </a:extLst>
+                </a:gridCol>
+                <a:gridCol w="1241318">
+                  <a:extLst>
+                    <a:ext uri="{9D8B030D-6E8A-4147-A177-3AD203B41FA5}">
+                      <a16:colId xmlns:a16="http://schemas.microsoft.com/office/drawing/2014/main" val="29648823"/>
+                    </a:ext>
+                  </a:extLst>
+                </a:gridCol>
+                <a:gridCol w="861660">
+                  <a:extLst>
+                    <a:ext uri="{9D8B030D-6E8A-4147-A177-3AD203B41FA5}">
+                      <a16:colId xmlns:a16="http://schemas.microsoft.com/office/drawing/2014/main" val="143218552"/>
+                    </a:ext>
+                  </a:extLst>
+                </a:gridCol>
+                <a:gridCol w="861660">
+                  <a:extLst>
+                    <a:ext uri="{9D8B030D-6E8A-4147-A177-3AD203B41FA5}">
+                      <a16:colId xmlns:a16="http://schemas.microsoft.com/office/drawing/2014/main" val="3483322497"/>
+                    </a:ext>
+                  </a:extLst>
+                </a:gridCol>
+              </a:tblGrid>
+              <a:tr h="194727">
+                <a:tc>
+                  <a:txBody>
+                    <a:bodyPr/>
+                    <a:lstStyle/>
+                    <a:p>
+                      <a:pPr algn="l" fontAlgn="b"/>
+                      <a:endParaRPr lang="ru-RU" sz="1000" b="0" i="0" u="none" strike="noStrike">
+                        <a:solidFill>
+                          <a:srgbClr val="000000"/>
+                        </a:solidFill>
+                        <a:effectLst/>
+                        <a:latin typeface="Arial" panose="020B0604020202020204" pitchFamily="34" charset="0"/>
+                      </a:endParaRPr>
+                    </a:p>
+                  </a:txBody>
+                  <a:tcPr marL="9525" marR="9525" marT="9525" marB="0" anchor="b">
+                    <a:lnL>
+                      <a:noFill/>
+                    </a:lnL>
+                    <a:lnR>
+                      <a:noFill/>
+                    </a:lnR>
+                    <a:lnT>
+                      <a:noFill/>
+                    </a:lnT>
+                    <a:lnB>
+                      <a:noFill/>
+                    </a:lnB>
+                  </a:tcPr>
+                </a:tc>
+                <a:tc>
+                  <a:txBody>
+                    <a:bodyPr/>
+                    <a:lstStyle/>
+                    <a:p>
+                      <a:pPr algn="l" fontAlgn="b"/>
+                      <a:r>
+                        <a:rPr lang="en" sz="1000" b="1" i="0" u="none" strike="noStrike">
+                          <a:solidFill>
+                            <a:srgbClr val="000000"/>
+                          </a:solidFill>
+                          <a:effectLst/>
+                          <a:latin typeface="Arial" panose="020B0604020202020204" pitchFamily="34" charset="0"/>
+                        </a:rPr>
+                        <a:t>Shows</a:t>
+                      </a:r>
+                    </a:p>
+                  </a:txBody>
+                  <a:tcPr marL="9525" marR="9525" marT="9525" marB="0" anchor="b">
+                    <a:lnL>
+                      <a:noFill/>
+                    </a:lnL>
+                    <a:lnR>
+                      <a:noFill/>
+                    </a:lnR>
+                    <a:lnT>
+                      <a:noFill/>
+                    </a:lnT>
+                    <a:lnB>
+                      <a:noFill/>
+                    </a:lnB>
+                  </a:tcPr>
+                </a:tc>
+                <a:tc>
+                  <a:txBody>
+                    <a:bodyPr/>
+                    <a:lstStyle/>
+                    <a:p>
+                      <a:pPr algn="l" fontAlgn="b"/>
+                      <a:r>
+                        <a:rPr lang="en" sz="1000" b="1" i="0" u="none" strike="noStrike">
+                          <a:solidFill>
+                            <a:srgbClr val="000000"/>
+                          </a:solidFill>
+                          <a:effectLst/>
+                          <a:latin typeface="Arial" panose="020B0604020202020204" pitchFamily="34" charset="0"/>
+                        </a:rPr>
+                        <a:t>Clicks</a:t>
+                      </a:r>
+                    </a:p>
+                  </a:txBody>
+                  <a:tcPr marL="9525" marR="9525" marT="9525" marB="0" anchor="b">
+                    <a:lnL>
+                      <a:noFill/>
+                    </a:lnL>
+                    <a:lnR>
+                      <a:noFill/>
+                    </a:lnR>
+                    <a:lnT>
+                      <a:noFill/>
+                    </a:lnT>
+                    <a:lnB>
+                      <a:noFill/>
+                    </a:lnB>
+                  </a:tcPr>
+                </a:tc>
+                <a:tc>
+                  <a:txBody>
+                    <a:bodyPr/>
+                    <a:lstStyle/>
+                    <a:p>
+                      <a:pPr algn="l" fontAlgn="b"/>
+                      <a:r>
+                        <a:rPr lang="en" sz="1000" b="1" i="0" u="none" strike="noStrike">
+                          <a:solidFill>
+                            <a:srgbClr val="000000"/>
+                          </a:solidFill>
+                          <a:effectLst/>
+                          <a:latin typeface="Arial" panose="020B0604020202020204" pitchFamily="34" charset="0"/>
+                        </a:rPr>
+                        <a:t>Budget</a:t>
+                      </a:r>
+                    </a:p>
+                  </a:txBody>
+                  <a:tcPr marL="9525" marR="9525" marT="9525" marB="0" anchor="b">
+                    <a:lnL>
+                      <a:noFill/>
+                    </a:lnL>
+                    <a:lnR>
+                      <a:noFill/>
+                    </a:lnR>
+                    <a:lnT>
+                      <a:noFill/>
+                    </a:lnT>
+                    <a:lnB>
+                      <a:noFill/>
+                    </a:lnB>
+                  </a:tcPr>
+                </a:tc>
+                <a:tc>
+                  <a:txBody>
+                    <a:bodyPr/>
+                    <a:lstStyle/>
+                    <a:p>
+                      <a:pPr algn="l" fontAlgn="b"/>
+                      <a:r>
+                        <a:rPr lang="en" sz="1000" b="1" i="0" u="none" strike="noStrike">
+                          <a:solidFill>
+                            <a:srgbClr val="000000"/>
+                          </a:solidFill>
+                          <a:effectLst/>
+                          <a:latin typeface="Arial" panose="020B0604020202020204" pitchFamily="34" charset="0"/>
+                        </a:rPr>
+                        <a:t>Budget, %</a:t>
+                      </a:r>
+                    </a:p>
+                  </a:txBody>
+                  <a:tcPr marL="9525" marR="9525" marT="9525" marB="0" anchor="b">
+                    <a:lnL>
+                      <a:noFill/>
+                    </a:lnL>
+                    <a:lnR>
+                      <a:noFill/>
+                    </a:lnR>
+                    <a:lnT>
+                      <a:noFill/>
+                    </a:lnT>
+                    <a:lnB>
+                      <a:noFill/>
+                    </a:lnB>
+                  </a:tcPr>
+                </a:tc>
+                <a:tc>
+                  <a:txBody>
+                    <a:bodyPr/>
+                    <a:lstStyle/>
+                    <a:p>
+                      <a:pPr algn="l" fontAlgn="b"/>
+                      <a:r>
+                        <a:rPr lang="en" sz="1000" b="1" i="0" u="none" strike="noStrike">
+                          <a:solidFill>
+                            <a:srgbClr val="000000"/>
+                          </a:solidFill>
+                          <a:effectLst/>
+                          <a:latin typeface="Arial" panose="020B0604020202020204" pitchFamily="34" charset="0"/>
+                        </a:rPr>
+                        <a:t>CPV</a:t>
+                      </a:r>
+                    </a:p>
+                  </a:txBody>
+                  <a:tcPr marL="9525" marR="9525" marT="9525" marB="0" anchor="b">
+                    <a:lnL>
+                      <a:noFill/>
+                    </a:lnL>
+                    <a:lnR>
+                      <a:noFill/>
+                    </a:lnR>
+                    <a:lnT>
+                      <a:noFill/>
+                    </a:lnT>
+                    <a:lnB>
+                      <a:noFill/>
+                    </a:lnB>
+                  </a:tcPr>
+                </a:tc>
+                <a:tc>
+                  <a:txBody>
+                    <a:bodyPr/>
+                    <a:lstStyle/>
+                    <a:p>
+                      <a:pPr algn="l" fontAlgn="b"/>
+                      <a:r>
+                        <a:rPr lang="en" sz="1000" b="1" i="0" u="none" strike="noStrike">
+                          <a:solidFill>
+                            <a:srgbClr val="000000"/>
+                          </a:solidFill>
+                          <a:effectLst/>
+                          <a:latin typeface="Arial" panose="020B0604020202020204" pitchFamily="34" charset="0"/>
+                        </a:rPr>
+                        <a:t>CPC</a:t>
+                      </a:r>
+                    </a:p>
+                  </a:txBody>
+                  <a:tcPr marL="9525" marR="9525" marT="9525" marB="0" anchor="b">
+                    <a:lnL>
+                      <a:noFill/>
+                    </a:lnL>
+                    <a:lnR>
+                      <a:noFill/>
+                    </a:lnR>
+                    <a:lnT>
+                      <a:noFill/>
+                    </a:lnT>
+                    <a:lnB>
+                      <a:noFill/>
+                    </a:lnB>
+                  </a:tcPr>
+                </a:tc>
+                <a:extLst>
+                  <a:ext uri="{0D108BD9-81ED-4DB2-BD59-A6C34878D82A}">
+                    <a16:rowId xmlns:a16="http://schemas.microsoft.com/office/drawing/2014/main" val="3512997217"/>
+                  </a:ext>
+                </a:extLst>
+              </a:tr>
+              <a:tr h="194727">
+                <a:tc>
+                  <a:txBody>
+                    <a:bodyPr/>
+                    <a:lstStyle/>
+                    <a:p>
+                      <a:pPr algn="l" fontAlgn="b"/>
+                      <a:r>
+                        <a:rPr lang="ru-RU" sz="1000" b="1" i="0" u="none" strike="noStrike">
+                          <a:solidFill>
+                            <a:srgbClr val="000000"/>
+                          </a:solidFill>
+                          <a:effectLst/>
+                          <a:latin typeface="Arial" panose="020B0604020202020204" pitchFamily="34" charset="0"/>
+                        </a:rPr>
+                        <a:t>Бета</a:t>
+                      </a:r>
+                    </a:p>
+                  </a:txBody>
+                  <a:tcPr marL="85725" marR="9525" marT="9525" marB="0" anchor="b">
+                    <a:lnL>
+                      <a:noFill/>
+                    </a:lnL>
+                    <a:lnR>
+                      <a:noFill/>
+                    </a:lnR>
+                    <a:lnT>
+                      <a:noFill/>
+                    </a:lnT>
+                    <a:lnB>
+                      <a:noFill/>
+                    </a:lnB>
+                  </a:tcPr>
+                </a:tc>
+                <a:tc>
+                  <a:txBody>
+                    <a:bodyPr/>
+                    <a:lstStyle/>
+                    <a:p>
+                      <a:pPr algn="l" fontAlgn="b"/>
+                      <a:r>
+                        <a:rPr lang="ru-RU" sz="1000" b="1" i="0" u="none" strike="noStrike">
+                          <a:solidFill>
+                            <a:srgbClr val="000000"/>
+                          </a:solidFill>
+                          <a:effectLst/>
+                          <a:latin typeface="Arial" panose="020B0604020202020204" pitchFamily="34" charset="0"/>
+                        </a:rPr>
+                        <a:t> 83 142 011 </a:t>
+                      </a:r>
+                    </a:p>
+                  </a:txBody>
+                  <a:tcPr marL="9525" marR="9525" marT="9525" marB="0" anchor="b">
+                    <a:lnL>
+                      <a:noFill/>
+                    </a:lnL>
+                    <a:lnR>
+                      <a:noFill/>
+                    </a:lnR>
+                    <a:lnT>
+                      <a:noFill/>
+                    </a:lnT>
+                    <a:lnB>
+                      <a:noFill/>
+                    </a:lnB>
+                  </a:tcPr>
+                </a:tc>
+                <a:tc>
+                  <a:txBody>
+                    <a:bodyPr/>
+                    <a:lstStyle/>
+                    <a:p>
+                      <a:pPr algn="l" fontAlgn="b"/>
+                      <a:r>
+                        <a:rPr lang="ru-RU" sz="1000" b="1" i="0" u="none" strike="noStrike">
+                          <a:solidFill>
+                            <a:srgbClr val="000000"/>
+                          </a:solidFill>
+                          <a:effectLst/>
+                          <a:latin typeface="Arial" panose="020B0604020202020204" pitchFamily="34" charset="0"/>
+                        </a:rPr>
+                        <a:t>      693 024 </a:t>
+                      </a:r>
+                    </a:p>
+                  </a:txBody>
+                  <a:tcPr marL="9525" marR="9525" marT="9525" marB="0" anchor="b">
+                    <a:lnL>
+                      <a:noFill/>
+                    </a:lnL>
+                    <a:lnR>
+                      <a:noFill/>
+                    </a:lnR>
+                    <a:lnT>
+                      <a:noFill/>
+                    </a:lnT>
+                    <a:lnB>
+                      <a:noFill/>
+                    </a:lnB>
+                  </a:tcPr>
+                </a:tc>
+                <a:tc>
+                  <a:txBody>
+                    <a:bodyPr/>
+                    <a:lstStyle/>
+                    <a:p>
+                      <a:pPr algn="l" fontAlgn="b"/>
+                      <a:r>
+                        <a:rPr lang="ru-RU" sz="1000" b="1" i="0" u="none" strike="noStrike">
+                          <a:solidFill>
+                            <a:srgbClr val="000000"/>
+                          </a:solidFill>
+                          <a:effectLst/>
+                          <a:latin typeface="Arial" panose="020B0604020202020204" pitchFamily="34" charset="0"/>
+                        </a:rPr>
+                        <a:t>          10 731 117 </a:t>
+                      </a:r>
+                    </a:p>
+                  </a:txBody>
+                  <a:tcPr marL="9525" marR="9525" marT="9525" marB="0" anchor="b">
+                    <a:lnL>
+                      <a:noFill/>
+                    </a:lnL>
+                    <a:lnR>
+                      <a:noFill/>
+                    </a:lnR>
+                    <a:lnT>
+                      <a:noFill/>
+                    </a:lnT>
+                    <a:lnB>
+                      <a:noFill/>
+                    </a:lnB>
+                  </a:tcPr>
+                </a:tc>
+                <a:tc>
+                  <a:txBody>
+                    <a:bodyPr/>
+                    <a:lstStyle/>
+                    <a:p>
+                      <a:pPr algn="r" fontAlgn="b"/>
+                      <a:r>
+                        <a:rPr lang="ru-RU" sz="1000" b="1" i="0" u="none" strike="noStrike">
+                          <a:solidFill>
+                            <a:srgbClr val="000000"/>
+                          </a:solidFill>
+                          <a:effectLst/>
+                          <a:latin typeface="Arial" panose="020B0604020202020204" pitchFamily="34" charset="0"/>
+                        </a:rPr>
+                        <a:t>89,3%</a:t>
+                      </a:r>
+                    </a:p>
+                  </a:txBody>
+                  <a:tcPr marL="9525" marR="9525" marT="9525" marB="0" anchor="b">
+                    <a:lnL>
+                      <a:noFill/>
+                    </a:lnL>
+                    <a:lnR>
+                      <a:noFill/>
+                    </a:lnR>
+                    <a:lnT>
+                      <a:noFill/>
+                    </a:lnT>
+                    <a:lnB>
+                      <a:noFill/>
+                    </a:lnB>
+                  </a:tcPr>
+                </a:tc>
+                <a:tc>
+                  <a:txBody>
+                    <a:bodyPr/>
+                    <a:lstStyle/>
+                    <a:p>
+                      <a:pPr algn="l" fontAlgn="b"/>
+                      <a:r>
+                        <a:rPr lang="ru-RU" sz="1000" b="1" i="0" u="none" strike="noStrike">
+                          <a:solidFill>
+                            <a:srgbClr val="000000"/>
+                          </a:solidFill>
+                          <a:effectLst/>
+                          <a:latin typeface="Arial" panose="020B0604020202020204" pitchFamily="34" charset="0"/>
+                        </a:rPr>
+                        <a:t>         0,13 ₽ </a:t>
+                      </a:r>
+                    </a:p>
+                  </a:txBody>
+                  <a:tcPr marL="9525" marR="9525" marT="9525" marB="0" anchor="b">
+                    <a:lnL>
+                      <a:noFill/>
+                    </a:lnL>
+                    <a:lnR>
+                      <a:noFill/>
+                    </a:lnR>
+                    <a:lnT>
+                      <a:noFill/>
+                    </a:lnT>
+                    <a:lnB>
+                      <a:noFill/>
+                    </a:lnB>
+                  </a:tcPr>
+                </a:tc>
+                <a:tc>
+                  <a:txBody>
+                    <a:bodyPr/>
+                    <a:lstStyle/>
+                    <a:p>
+                      <a:pPr algn="l" fontAlgn="b"/>
+                      <a:r>
+                        <a:rPr lang="ru-RU" sz="1000" b="1" i="0" u="none" strike="noStrike">
+                          <a:solidFill>
+                            <a:srgbClr val="000000"/>
+                          </a:solidFill>
+                          <a:effectLst/>
+                          <a:latin typeface="Arial" panose="020B0604020202020204" pitchFamily="34" charset="0"/>
+                        </a:rPr>
+                        <a:t>       15,48 ₽ </a:t>
+                      </a:r>
+                    </a:p>
+                  </a:txBody>
+                  <a:tcPr marL="9525" marR="9525" marT="9525" marB="0" anchor="b">
+                    <a:lnL>
+                      <a:noFill/>
+                    </a:lnL>
+                    <a:lnR>
+                      <a:noFill/>
+                    </a:lnR>
+                    <a:lnT>
+                      <a:noFill/>
+                    </a:lnT>
+                    <a:lnB>
+                      <a:noFill/>
+                    </a:lnB>
+                  </a:tcPr>
+                </a:tc>
+                <a:extLst>
+                  <a:ext uri="{0D108BD9-81ED-4DB2-BD59-A6C34878D82A}">
+                    <a16:rowId xmlns:a16="http://schemas.microsoft.com/office/drawing/2014/main" val="2639349863"/>
+                  </a:ext>
+                </a:extLst>
+              </a:tr>
+              <a:tr h="194727">
+                <a:tc>
+                  <a:txBody>
+                    <a:bodyPr/>
+                    <a:lstStyle/>
+                    <a:p>
+                      <a:pPr algn="l" fontAlgn="b"/>
+                      <a:r>
+                        <a:rPr lang="en" sz="1000" b="0" i="0" u="none" strike="noStrike">
+                          <a:solidFill>
+                            <a:srgbClr val="000000"/>
+                          </a:solidFill>
+                          <a:effectLst/>
+                          <a:latin typeface="Arial" panose="020B0604020202020204" pitchFamily="34" charset="0"/>
+                        </a:rPr>
+                        <a:t>Desktop</a:t>
+                      </a:r>
+                    </a:p>
+                  </a:txBody>
+                  <a:tcPr marL="171450" marR="9525" marT="9525" marB="0" anchor="b">
+                    <a:lnL>
+                      <a:noFill/>
+                    </a:lnL>
+                    <a:lnR>
+                      <a:noFill/>
+                    </a:lnR>
+                    <a:lnT>
+                      <a:noFill/>
+                    </a:lnT>
+                    <a:lnB>
+                      <a:noFill/>
+                    </a:lnB>
+                  </a:tcPr>
+                </a:tc>
+                <a:tc>
+                  <a:txBody>
+                    <a:bodyPr/>
+                    <a:lstStyle/>
+                    <a:p>
+                      <a:pPr algn="l" fontAlgn="b"/>
+                      <a:r>
+                        <a:rPr lang="ru-RU" sz="1000" b="0" i="0" u="none" strike="noStrike">
+                          <a:solidFill>
+                            <a:srgbClr val="000000"/>
+                          </a:solidFill>
+                          <a:effectLst/>
+                          <a:latin typeface="Arial" panose="020B0604020202020204" pitchFamily="34" charset="0"/>
+                        </a:rPr>
+                        <a:t> 55 949 022 </a:t>
+                      </a:r>
+                    </a:p>
+                  </a:txBody>
+                  <a:tcPr marL="9525" marR="9525" marT="9525" marB="0" anchor="b">
+                    <a:lnL>
+                      <a:noFill/>
+                    </a:lnL>
+                    <a:lnR>
+                      <a:noFill/>
+                    </a:lnR>
+                    <a:lnT>
+                      <a:noFill/>
+                    </a:lnT>
+                    <a:lnB>
+                      <a:noFill/>
+                    </a:lnB>
+                  </a:tcPr>
+                </a:tc>
+                <a:tc>
+                  <a:txBody>
+                    <a:bodyPr/>
+                    <a:lstStyle/>
+                    <a:p>
+                      <a:pPr algn="l" fontAlgn="b"/>
+                      <a:r>
+                        <a:rPr lang="ru-RU" sz="1000" b="0" i="0" u="none" strike="noStrike">
+                          <a:solidFill>
+                            <a:srgbClr val="000000"/>
+                          </a:solidFill>
+                          <a:effectLst/>
+                          <a:latin typeface="Arial" panose="020B0604020202020204" pitchFamily="34" charset="0"/>
+                        </a:rPr>
+                        <a:t>      323 433 </a:t>
+                      </a:r>
+                    </a:p>
+                  </a:txBody>
+                  <a:tcPr marL="9525" marR="9525" marT="9525" marB="0" anchor="b">
+                    <a:lnL>
+                      <a:noFill/>
+                    </a:lnL>
+                    <a:lnR>
+                      <a:noFill/>
+                    </a:lnR>
+                    <a:lnT>
+                      <a:noFill/>
+                    </a:lnT>
+                    <a:lnB>
+                      <a:noFill/>
+                    </a:lnB>
+                  </a:tcPr>
+                </a:tc>
+                <a:tc>
+                  <a:txBody>
+                    <a:bodyPr/>
+                    <a:lstStyle/>
+                    <a:p>
+                      <a:pPr algn="l" fontAlgn="b"/>
+                      <a:r>
+                        <a:rPr lang="ru-RU" sz="1000" b="0" i="0" u="none" strike="noStrike">
+                          <a:solidFill>
+                            <a:srgbClr val="000000"/>
+                          </a:solidFill>
+                          <a:effectLst/>
+                          <a:latin typeface="Arial" panose="020B0604020202020204" pitchFamily="34" charset="0"/>
+                        </a:rPr>
+                        <a:t>            7 195 288 </a:t>
+                      </a:r>
+                    </a:p>
+                  </a:txBody>
+                  <a:tcPr marL="9525" marR="9525" marT="9525" marB="0" anchor="b">
+                    <a:lnL>
+                      <a:noFill/>
+                    </a:lnL>
+                    <a:lnR>
+                      <a:noFill/>
+                    </a:lnR>
+                    <a:lnT>
+                      <a:noFill/>
+                    </a:lnT>
+                    <a:lnB>
+                      <a:noFill/>
+                    </a:lnB>
+                  </a:tcPr>
+                </a:tc>
+                <a:tc>
+                  <a:txBody>
+                    <a:bodyPr/>
+                    <a:lstStyle/>
+                    <a:p>
+                      <a:pPr algn="r" fontAlgn="b"/>
+                      <a:r>
+                        <a:rPr lang="ru-RU" sz="1000" b="0" i="0" u="none" strike="noStrike">
+                          <a:solidFill>
+                            <a:srgbClr val="000000"/>
+                          </a:solidFill>
+                          <a:effectLst/>
+                          <a:latin typeface="Arial" panose="020B0604020202020204" pitchFamily="34" charset="0"/>
+                        </a:rPr>
+                        <a:t>59,9%</a:t>
+                      </a:r>
+                    </a:p>
+                  </a:txBody>
+                  <a:tcPr marL="9525" marR="9525" marT="9525" marB="0" anchor="b">
+                    <a:lnL>
+                      <a:noFill/>
+                    </a:lnL>
+                    <a:lnR>
+                      <a:noFill/>
+                    </a:lnR>
+                    <a:lnT>
+                      <a:noFill/>
+                    </a:lnT>
+                    <a:lnB>
+                      <a:noFill/>
+                    </a:lnB>
+                  </a:tcPr>
+                </a:tc>
+                <a:tc>
+                  <a:txBody>
+                    <a:bodyPr/>
+                    <a:lstStyle/>
+                    <a:p>
+                      <a:pPr algn="l" fontAlgn="b"/>
+                      <a:r>
+                        <a:rPr lang="ru-RU" sz="1000" b="0" i="0" u="none" strike="noStrike">
+                          <a:solidFill>
+                            <a:srgbClr val="000000"/>
+                          </a:solidFill>
+                          <a:effectLst/>
+                          <a:latin typeface="Arial" panose="020B0604020202020204" pitchFamily="34" charset="0"/>
+                        </a:rPr>
+                        <a:t>         0,13 ₽ </a:t>
+                      </a:r>
+                    </a:p>
+                  </a:txBody>
+                  <a:tcPr marL="9525" marR="9525" marT="9525" marB="0" anchor="b">
+                    <a:lnL>
+                      <a:noFill/>
+                    </a:lnL>
+                    <a:lnR>
+                      <a:noFill/>
+                    </a:lnR>
+                    <a:lnT>
+                      <a:noFill/>
+                    </a:lnT>
+                    <a:lnB>
+                      <a:noFill/>
+                    </a:lnB>
+                  </a:tcPr>
+                </a:tc>
+                <a:tc>
+                  <a:txBody>
+                    <a:bodyPr/>
+                    <a:lstStyle/>
+                    <a:p>
+                      <a:pPr algn="l" fontAlgn="b"/>
+                      <a:r>
+                        <a:rPr lang="ru-RU" sz="1000" b="0" i="0" u="none" strike="noStrike">
+                          <a:solidFill>
+                            <a:srgbClr val="000000"/>
+                          </a:solidFill>
+                          <a:effectLst/>
+                          <a:latin typeface="Arial" panose="020B0604020202020204" pitchFamily="34" charset="0"/>
+                        </a:rPr>
+                        <a:t>       22,25 ₽ </a:t>
+                      </a:r>
+                    </a:p>
+                  </a:txBody>
+                  <a:tcPr marL="9525" marR="9525" marT="9525" marB="0" anchor="b">
+                    <a:lnL>
+                      <a:noFill/>
+                    </a:lnL>
+                    <a:lnR>
+                      <a:noFill/>
+                    </a:lnR>
+                    <a:lnT>
+                      <a:noFill/>
+                    </a:lnT>
+                    <a:lnB>
+                      <a:noFill/>
+                    </a:lnB>
+                  </a:tcPr>
+                </a:tc>
+                <a:extLst>
+                  <a:ext uri="{0D108BD9-81ED-4DB2-BD59-A6C34878D82A}">
+                    <a16:rowId xmlns:a16="http://schemas.microsoft.com/office/drawing/2014/main" val="2455460485"/>
+                  </a:ext>
+                </a:extLst>
+              </a:tr>
+              <a:tr h="194727">
+                <a:tc>
+                  <a:txBody>
+                    <a:bodyPr/>
+                    <a:lstStyle/>
+                    <a:p>
+                      <a:pPr algn="l" fontAlgn="b"/>
+                      <a:r>
+                        <a:rPr lang="ru-RU" sz="1000" b="0" i="0" u="none" strike="noStrike">
+                          <a:solidFill>
+                            <a:srgbClr val="000000"/>
+                          </a:solidFill>
+                          <a:effectLst/>
+                          <a:latin typeface="Arial" panose="020B0604020202020204" pitchFamily="34" charset="0"/>
+                        </a:rPr>
+                        <a:t>Видеореклама</a:t>
+                      </a:r>
+                    </a:p>
+                  </a:txBody>
+                  <a:tcPr marL="257175" marR="9525" marT="9525" marB="0" anchor="b">
+                    <a:lnL>
+                      <a:noFill/>
+                    </a:lnL>
+                    <a:lnR>
+                      <a:noFill/>
+                    </a:lnR>
+                    <a:lnT>
+                      <a:noFill/>
+                    </a:lnT>
+                    <a:lnB>
+                      <a:noFill/>
+                    </a:lnB>
+                  </a:tcPr>
+                </a:tc>
+                <a:tc>
+                  <a:txBody>
+                    <a:bodyPr/>
+                    <a:lstStyle/>
+                    <a:p>
+                      <a:pPr algn="l" fontAlgn="b"/>
+                      <a:r>
+                        <a:rPr lang="ru-RU" sz="1000" b="0" i="0" u="none" strike="noStrike">
+                          <a:solidFill>
+                            <a:srgbClr val="000000"/>
+                          </a:solidFill>
+                          <a:effectLst/>
+                          <a:latin typeface="Arial" panose="020B0604020202020204" pitchFamily="34" charset="0"/>
+                        </a:rPr>
+                        <a:t> 15 894 732 </a:t>
+                      </a:r>
+                    </a:p>
+                  </a:txBody>
+                  <a:tcPr marL="9525" marR="9525" marT="9525" marB="0" anchor="b">
+                    <a:lnL>
+                      <a:noFill/>
+                    </a:lnL>
+                    <a:lnR>
+                      <a:noFill/>
+                    </a:lnR>
+                    <a:lnT>
+                      <a:noFill/>
+                    </a:lnT>
+                    <a:lnB>
+                      <a:noFill/>
+                    </a:lnB>
+                  </a:tcPr>
+                </a:tc>
+                <a:tc>
+                  <a:txBody>
+                    <a:bodyPr/>
+                    <a:lstStyle/>
+                    <a:p>
+                      <a:pPr algn="l" fontAlgn="b"/>
+                      <a:r>
+                        <a:rPr lang="ru-RU" sz="1000" b="0" i="0" u="none" strike="noStrike">
+                          <a:solidFill>
+                            <a:srgbClr val="000000"/>
+                          </a:solidFill>
+                          <a:effectLst/>
+                          <a:latin typeface="Arial" panose="020B0604020202020204" pitchFamily="34" charset="0"/>
+                        </a:rPr>
+                        <a:t>      266 154 </a:t>
+                      </a:r>
+                    </a:p>
+                  </a:txBody>
+                  <a:tcPr marL="9525" marR="9525" marT="9525" marB="0" anchor="b">
+                    <a:lnL>
+                      <a:noFill/>
+                    </a:lnL>
+                    <a:lnR>
+                      <a:noFill/>
+                    </a:lnR>
+                    <a:lnT>
+                      <a:noFill/>
+                    </a:lnT>
+                    <a:lnB>
+                      <a:noFill/>
+                    </a:lnB>
+                  </a:tcPr>
+                </a:tc>
+                <a:tc>
+                  <a:txBody>
+                    <a:bodyPr/>
+                    <a:lstStyle/>
+                    <a:p>
+                      <a:pPr algn="l" fontAlgn="b"/>
+                      <a:r>
+                        <a:rPr lang="ru-RU" sz="1000" b="0" i="0" u="none" strike="noStrike">
+                          <a:solidFill>
+                            <a:srgbClr val="000000"/>
+                          </a:solidFill>
+                          <a:effectLst/>
+                          <a:latin typeface="Arial" panose="020B0604020202020204" pitchFamily="34" charset="0"/>
+                        </a:rPr>
+                        <a:t>            2 789 316 </a:t>
+                      </a:r>
+                    </a:p>
+                  </a:txBody>
+                  <a:tcPr marL="9525" marR="9525" marT="9525" marB="0" anchor="b">
+                    <a:lnL>
+                      <a:noFill/>
+                    </a:lnL>
+                    <a:lnR>
+                      <a:noFill/>
+                    </a:lnR>
+                    <a:lnT>
+                      <a:noFill/>
+                    </a:lnT>
+                    <a:lnB>
+                      <a:noFill/>
+                    </a:lnB>
+                  </a:tcPr>
+                </a:tc>
+                <a:tc>
+                  <a:txBody>
+                    <a:bodyPr/>
+                    <a:lstStyle/>
+                    <a:p>
+                      <a:pPr algn="r" fontAlgn="b"/>
+                      <a:r>
+                        <a:rPr lang="ru-RU" sz="1000" b="0" i="0" u="none" strike="noStrike">
+                          <a:solidFill>
+                            <a:srgbClr val="000000"/>
+                          </a:solidFill>
+                          <a:effectLst/>
+                          <a:latin typeface="Arial" panose="020B0604020202020204" pitchFamily="34" charset="0"/>
+                        </a:rPr>
+                        <a:t>23,2%</a:t>
+                      </a:r>
+                    </a:p>
+                  </a:txBody>
+                  <a:tcPr marL="9525" marR="9525" marT="9525" marB="0" anchor="b">
+                    <a:lnL>
+                      <a:noFill/>
+                    </a:lnL>
+                    <a:lnR>
+                      <a:noFill/>
+                    </a:lnR>
+                    <a:lnT>
+                      <a:noFill/>
+                    </a:lnT>
+                    <a:lnB>
+                      <a:noFill/>
+                    </a:lnB>
+                  </a:tcPr>
+                </a:tc>
+                <a:tc>
+                  <a:txBody>
+                    <a:bodyPr/>
+                    <a:lstStyle/>
+                    <a:p>
+                      <a:pPr algn="l" fontAlgn="b"/>
+                      <a:r>
+                        <a:rPr lang="ru-RU" sz="1000" b="0" i="0" u="none" strike="noStrike">
+                          <a:solidFill>
+                            <a:srgbClr val="000000"/>
+                          </a:solidFill>
+                          <a:effectLst/>
+                          <a:latin typeface="Arial" panose="020B0604020202020204" pitchFamily="34" charset="0"/>
+                        </a:rPr>
+                        <a:t>         0,18 ₽ </a:t>
+                      </a:r>
+                    </a:p>
+                  </a:txBody>
+                  <a:tcPr marL="9525" marR="9525" marT="9525" marB="0" anchor="b">
+                    <a:lnL>
+                      <a:noFill/>
+                    </a:lnL>
+                    <a:lnR>
+                      <a:noFill/>
+                    </a:lnR>
+                    <a:lnT>
+                      <a:noFill/>
+                    </a:lnT>
+                    <a:lnB>
+                      <a:noFill/>
+                    </a:lnB>
+                  </a:tcPr>
+                </a:tc>
+                <a:tc>
+                  <a:txBody>
+                    <a:bodyPr/>
+                    <a:lstStyle/>
+                    <a:p>
+                      <a:pPr algn="l" fontAlgn="b"/>
+                      <a:r>
+                        <a:rPr lang="ru-RU" sz="1000" b="0" i="0" u="none" strike="noStrike">
+                          <a:solidFill>
+                            <a:srgbClr val="000000"/>
+                          </a:solidFill>
+                          <a:effectLst/>
+                          <a:latin typeface="Arial" panose="020B0604020202020204" pitchFamily="34" charset="0"/>
+                        </a:rPr>
+                        <a:t>       10,48 ₽ </a:t>
+                      </a:r>
+                    </a:p>
+                  </a:txBody>
+                  <a:tcPr marL="9525" marR="9525" marT="9525" marB="0" anchor="b">
+                    <a:lnL>
+                      <a:noFill/>
+                    </a:lnL>
+                    <a:lnR>
+                      <a:noFill/>
+                    </a:lnR>
+                    <a:lnT>
+                      <a:noFill/>
+                    </a:lnT>
+                    <a:lnB>
+                      <a:noFill/>
+                    </a:lnB>
+                  </a:tcPr>
+                </a:tc>
+                <a:extLst>
+                  <a:ext uri="{0D108BD9-81ED-4DB2-BD59-A6C34878D82A}">
+                    <a16:rowId xmlns:a16="http://schemas.microsoft.com/office/drawing/2014/main" val="394023067"/>
+                  </a:ext>
+                </a:extLst>
+              </a:tr>
+              <a:tr h="194727">
+                <a:tc>
+                  <a:txBody>
+                    <a:bodyPr/>
+                    <a:lstStyle/>
+                    <a:p>
+                      <a:pPr algn="l" fontAlgn="b"/>
+                      <a:r>
+                        <a:rPr lang="ru-RU" sz="1000" b="0" i="0" u="none" strike="noStrike">
+                          <a:solidFill>
+                            <a:srgbClr val="000000"/>
+                          </a:solidFill>
+                          <a:effectLst/>
+                          <a:latin typeface="Arial" panose="020B0604020202020204" pitchFamily="34" charset="0"/>
+                        </a:rPr>
+                        <a:t>Главная страница</a:t>
+                      </a:r>
+                    </a:p>
+                  </a:txBody>
+                  <a:tcPr marL="257175" marR="9525" marT="9525" marB="0" anchor="b">
+                    <a:lnL>
+                      <a:noFill/>
+                    </a:lnL>
+                    <a:lnR>
+                      <a:noFill/>
+                    </a:lnR>
+                    <a:lnT>
+                      <a:noFill/>
+                    </a:lnT>
+                    <a:lnB>
+                      <a:noFill/>
+                    </a:lnB>
+                  </a:tcPr>
+                </a:tc>
+                <a:tc>
+                  <a:txBody>
+                    <a:bodyPr/>
+                    <a:lstStyle/>
+                    <a:p>
+                      <a:pPr algn="l" fontAlgn="b"/>
+                      <a:r>
+                        <a:rPr lang="ru-RU" sz="1000" b="0" i="0" u="none" strike="noStrike">
+                          <a:solidFill>
+                            <a:srgbClr val="000000"/>
+                          </a:solidFill>
+                          <a:effectLst/>
+                          <a:latin typeface="Arial" panose="020B0604020202020204" pitchFamily="34" charset="0"/>
+                        </a:rPr>
+                        <a:t> 40 054 290 </a:t>
+                      </a:r>
+                    </a:p>
+                  </a:txBody>
+                  <a:tcPr marL="9525" marR="9525" marT="9525" marB="0" anchor="b">
+                    <a:lnL>
+                      <a:noFill/>
+                    </a:lnL>
+                    <a:lnR>
+                      <a:noFill/>
+                    </a:lnR>
+                    <a:lnT>
+                      <a:noFill/>
+                    </a:lnT>
+                    <a:lnB>
+                      <a:noFill/>
+                    </a:lnB>
+                  </a:tcPr>
+                </a:tc>
+                <a:tc>
+                  <a:txBody>
+                    <a:bodyPr/>
+                    <a:lstStyle/>
+                    <a:p>
+                      <a:pPr algn="l" fontAlgn="b"/>
+                      <a:r>
+                        <a:rPr lang="ru-RU" sz="1000" b="0" i="0" u="none" strike="noStrike">
+                          <a:solidFill>
+                            <a:srgbClr val="000000"/>
+                          </a:solidFill>
+                          <a:effectLst/>
+                          <a:latin typeface="Arial" panose="020B0604020202020204" pitchFamily="34" charset="0"/>
+                        </a:rPr>
+                        <a:t>        57 279 </a:t>
+                      </a:r>
+                    </a:p>
+                  </a:txBody>
+                  <a:tcPr marL="9525" marR="9525" marT="9525" marB="0" anchor="b">
+                    <a:lnL>
+                      <a:noFill/>
+                    </a:lnL>
+                    <a:lnR>
+                      <a:noFill/>
+                    </a:lnR>
+                    <a:lnT>
+                      <a:noFill/>
+                    </a:lnT>
+                    <a:lnB>
+                      <a:noFill/>
+                    </a:lnB>
+                  </a:tcPr>
+                </a:tc>
+                <a:tc>
+                  <a:txBody>
+                    <a:bodyPr/>
+                    <a:lstStyle/>
+                    <a:p>
+                      <a:pPr algn="l" fontAlgn="b"/>
+                      <a:r>
+                        <a:rPr lang="ru-RU" sz="1000" b="0" i="0" u="none" strike="noStrike">
+                          <a:solidFill>
+                            <a:srgbClr val="000000"/>
+                          </a:solidFill>
+                          <a:effectLst/>
+                          <a:latin typeface="Arial" panose="020B0604020202020204" pitchFamily="34" charset="0"/>
+                        </a:rPr>
+                        <a:t>            4 405 972 </a:t>
+                      </a:r>
+                    </a:p>
+                  </a:txBody>
+                  <a:tcPr marL="9525" marR="9525" marT="9525" marB="0" anchor="b">
+                    <a:lnL>
+                      <a:noFill/>
+                    </a:lnL>
+                    <a:lnR>
+                      <a:noFill/>
+                    </a:lnR>
+                    <a:lnT>
+                      <a:noFill/>
+                    </a:lnT>
+                    <a:lnB>
+                      <a:noFill/>
+                    </a:lnB>
+                  </a:tcPr>
+                </a:tc>
+                <a:tc>
+                  <a:txBody>
+                    <a:bodyPr/>
+                    <a:lstStyle/>
+                    <a:p>
+                      <a:pPr algn="r" fontAlgn="b"/>
+                      <a:r>
+                        <a:rPr lang="ru-RU" sz="1000" b="0" i="0" u="none" strike="noStrike">
+                          <a:solidFill>
+                            <a:srgbClr val="000000"/>
+                          </a:solidFill>
+                          <a:effectLst/>
+                          <a:latin typeface="Arial" panose="020B0604020202020204" pitchFamily="34" charset="0"/>
+                        </a:rPr>
+                        <a:t>36,7%</a:t>
+                      </a:r>
+                    </a:p>
+                  </a:txBody>
+                  <a:tcPr marL="9525" marR="9525" marT="9525" marB="0" anchor="b">
+                    <a:lnL>
+                      <a:noFill/>
+                    </a:lnL>
+                    <a:lnR>
+                      <a:noFill/>
+                    </a:lnR>
+                    <a:lnT>
+                      <a:noFill/>
+                    </a:lnT>
+                    <a:lnB>
+                      <a:noFill/>
+                    </a:lnB>
+                  </a:tcPr>
+                </a:tc>
+                <a:tc>
+                  <a:txBody>
+                    <a:bodyPr/>
+                    <a:lstStyle/>
+                    <a:p>
+                      <a:pPr algn="l" fontAlgn="b"/>
+                      <a:r>
+                        <a:rPr lang="ru-RU" sz="1000" b="0" i="0" u="none" strike="noStrike">
+                          <a:solidFill>
+                            <a:srgbClr val="000000"/>
+                          </a:solidFill>
+                          <a:effectLst/>
+                          <a:latin typeface="Arial" panose="020B0604020202020204" pitchFamily="34" charset="0"/>
+                        </a:rPr>
+                        <a:t>         0,11 ₽ </a:t>
+                      </a:r>
+                    </a:p>
+                  </a:txBody>
+                  <a:tcPr marL="9525" marR="9525" marT="9525" marB="0" anchor="b">
+                    <a:lnL>
+                      <a:noFill/>
+                    </a:lnL>
+                    <a:lnR>
+                      <a:noFill/>
+                    </a:lnR>
+                    <a:lnT>
+                      <a:noFill/>
+                    </a:lnT>
+                    <a:lnB>
+                      <a:noFill/>
+                    </a:lnB>
+                  </a:tcPr>
+                </a:tc>
+                <a:tc>
+                  <a:txBody>
+                    <a:bodyPr/>
+                    <a:lstStyle/>
+                    <a:p>
+                      <a:pPr algn="l" fontAlgn="b"/>
+                      <a:r>
+                        <a:rPr lang="ru-RU" sz="1000" b="0" i="0" u="none" strike="noStrike">
+                          <a:solidFill>
+                            <a:srgbClr val="000000"/>
+                          </a:solidFill>
+                          <a:effectLst/>
+                          <a:latin typeface="Arial" panose="020B0604020202020204" pitchFamily="34" charset="0"/>
+                        </a:rPr>
+                        <a:t>       76,92 ₽ </a:t>
+                      </a:r>
+                    </a:p>
+                  </a:txBody>
+                  <a:tcPr marL="9525" marR="9525" marT="9525" marB="0" anchor="b">
+                    <a:lnL>
+                      <a:noFill/>
+                    </a:lnL>
+                    <a:lnR>
+                      <a:noFill/>
+                    </a:lnR>
+                    <a:lnT>
+                      <a:noFill/>
+                    </a:lnT>
+                    <a:lnB>
+                      <a:noFill/>
+                    </a:lnB>
+                  </a:tcPr>
+                </a:tc>
+                <a:extLst>
+                  <a:ext uri="{0D108BD9-81ED-4DB2-BD59-A6C34878D82A}">
+                    <a16:rowId xmlns:a16="http://schemas.microsoft.com/office/drawing/2014/main" val="3886169157"/>
+                  </a:ext>
+                </a:extLst>
+              </a:tr>
+              <a:tr h="194727">
+                <a:tc>
+                  <a:txBody>
+                    <a:bodyPr/>
+                    <a:lstStyle/>
+                    <a:p>
+                      <a:pPr algn="l" fontAlgn="b"/>
+                      <a:r>
+                        <a:rPr lang="en" sz="1000" b="0" i="0" u="none" strike="noStrike">
+                          <a:solidFill>
+                            <a:srgbClr val="000000"/>
+                          </a:solidFill>
+                          <a:effectLst/>
+                          <a:latin typeface="Arial" panose="020B0604020202020204" pitchFamily="34" charset="0"/>
+                        </a:rPr>
+                        <a:t>Mobile</a:t>
+                      </a:r>
+                    </a:p>
+                  </a:txBody>
+                  <a:tcPr marL="171450" marR="9525" marT="9525" marB="0" anchor="b">
+                    <a:lnL>
+                      <a:noFill/>
+                    </a:lnL>
+                    <a:lnR>
+                      <a:noFill/>
+                    </a:lnR>
+                    <a:lnT>
+                      <a:noFill/>
+                    </a:lnT>
+                    <a:lnB>
+                      <a:noFill/>
+                    </a:lnB>
+                  </a:tcPr>
+                </a:tc>
+                <a:tc>
+                  <a:txBody>
+                    <a:bodyPr/>
+                    <a:lstStyle/>
+                    <a:p>
+                      <a:pPr algn="l" fontAlgn="b"/>
+                      <a:r>
+                        <a:rPr lang="ru-RU" sz="1000" b="0" i="0" u="none" strike="noStrike">
+                          <a:solidFill>
+                            <a:srgbClr val="000000"/>
+                          </a:solidFill>
+                          <a:effectLst/>
+                          <a:latin typeface="Arial" panose="020B0604020202020204" pitchFamily="34" charset="0"/>
+                        </a:rPr>
+                        <a:t> 27 192 989 </a:t>
+                      </a:r>
+                    </a:p>
+                  </a:txBody>
+                  <a:tcPr marL="9525" marR="9525" marT="9525" marB="0" anchor="b">
+                    <a:lnL>
+                      <a:noFill/>
+                    </a:lnL>
+                    <a:lnR>
+                      <a:noFill/>
+                    </a:lnR>
+                    <a:lnT>
+                      <a:noFill/>
+                    </a:lnT>
+                    <a:lnB>
+                      <a:noFill/>
+                    </a:lnB>
+                  </a:tcPr>
+                </a:tc>
+                <a:tc>
+                  <a:txBody>
+                    <a:bodyPr/>
+                    <a:lstStyle/>
+                    <a:p>
+                      <a:pPr algn="l" fontAlgn="b"/>
+                      <a:r>
+                        <a:rPr lang="ru-RU" sz="1000" b="0" i="0" u="none" strike="noStrike">
+                          <a:solidFill>
+                            <a:srgbClr val="000000"/>
+                          </a:solidFill>
+                          <a:effectLst/>
+                          <a:latin typeface="Arial" panose="020B0604020202020204" pitchFamily="34" charset="0"/>
+                        </a:rPr>
+                        <a:t>      369 591 </a:t>
+                      </a:r>
+                    </a:p>
+                  </a:txBody>
+                  <a:tcPr marL="9525" marR="9525" marT="9525" marB="0" anchor="b">
+                    <a:lnL>
+                      <a:noFill/>
+                    </a:lnL>
+                    <a:lnR>
+                      <a:noFill/>
+                    </a:lnR>
+                    <a:lnT>
+                      <a:noFill/>
+                    </a:lnT>
+                    <a:lnB>
+                      <a:noFill/>
+                    </a:lnB>
+                  </a:tcPr>
+                </a:tc>
+                <a:tc>
+                  <a:txBody>
+                    <a:bodyPr/>
+                    <a:lstStyle/>
+                    <a:p>
+                      <a:pPr algn="l" fontAlgn="b"/>
+                      <a:r>
+                        <a:rPr lang="ru-RU" sz="1000" b="0" i="0" u="none" strike="noStrike">
+                          <a:solidFill>
+                            <a:srgbClr val="000000"/>
+                          </a:solidFill>
+                          <a:effectLst/>
+                          <a:latin typeface="Arial" panose="020B0604020202020204" pitchFamily="34" charset="0"/>
+                        </a:rPr>
+                        <a:t>            3 535 829 </a:t>
+                      </a:r>
+                    </a:p>
+                  </a:txBody>
+                  <a:tcPr marL="9525" marR="9525" marT="9525" marB="0" anchor="b">
+                    <a:lnL>
+                      <a:noFill/>
+                    </a:lnL>
+                    <a:lnR>
+                      <a:noFill/>
+                    </a:lnR>
+                    <a:lnT>
+                      <a:noFill/>
+                    </a:lnT>
+                    <a:lnB>
+                      <a:noFill/>
+                    </a:lnB>
+                  </a:tcPr>
+                </a:tc>
+                <a:tc>
+                  <a:txBody>
+                    <a:bodyPr/>
+                    <a:lstStyle/>
+                    <a:p>
+                      <a:pPr algn="r" fontAlgn="b"/>
+                      <a:r>
+                        <a:rPr lang="ru-RU" sz="1000" b="0" i="0" u="none" strike="noStrike">
+                          <a:solidFill>
+                            <a:srgbClr val="000000"/>
+                          </a:solidFill>
+                          <a:effectLst/>
+                          <a:latin typeface="Arial" panose="020B0604020202020204" pitchFamily="34" charset="0"/>
+                        </a:rPr>
+                        <a:t>29,4%</a:t>
+                      </a:r>
+                    </a:p>
+                  </a:txBody>
+                  <a:tcPr marL="9525" marR="9525" marT="9525" marB="0" anchor="b">
+                    <a:lnL>
+                      <a:noFill/>
+                    </a:lnL>
+                    <a:lnR>
+                      <a:noFill/>
+                    </a:lnR>
+                    <a:lnT>
+                      <a:noFill/>
+                    </a:lnT>
+                    <a:lnB>
+                      <a:noFill/>
+                    </a:lnB>
+                  </a:tcPr>
+                </a:tc>
+                <a:tc>
+                  <a:txBody>
+                    <a:bodyPr/>
+                    <a:lstStyle/>
+                    <a:p>
+                      <a:pPr algn="l" fontAlgn="b"/>
+                      <a:r>
+                        <a:rPr lang="ru-RU" sz="1000" b="0" i="0" u="none" strike="noStrike">
+                          <a:solidFill>
+                            <a:srgbClr val="000000"/>
+                          </a:solidFill>
+                          <a:effectLst/>
+                          <a:latin typeface="Arial" panose="020B0604020202020204" pitchFamily="34" charset="0"/>
+                        </a:rPr>
+                        <a:t>         0,13 ₽ </a:t>
+                      </a:r>
+                    </a:p>
+                  </a:txBody>
+                  <a:tcPr marL="9525" marR="9525" marT="9525" marB="0" anchor="b">
+                    <a:lnL>
+                      <a:noFill/>
+                    </a:lnL>
+                    <a:lnR>
+                      <a:noFill/>
+                    </a:lnR>
+                    <a:lnT>
+                      <a:noFill/>
+                    </a:lnT>
+                    <a:lnB>
+                      <a:noFill/>
+                    </a:lnB>
+                  </a:tcPr>
+                </a:tc>
+                <a:tc>
+                  <a:txBody>
+                    <a:bodyPr/>
+                    <a:lstStyle/>
+                    <a:p>
+                      <a:pPr algn="l" fontAlgn="b"/>
+                      <a:r>
+                        <a:rPr lang="ru-RU" sz="1000" b="0" i="0" u="none" strike="noStrike">
+                          <a:solidFill>
+                            <a:srgbClr val="000000"/>
+                          </a:solidFill>
+                          <a:effectLst/>
+                          <a:latin typeface="Arial" panose="020B0604020202020204" pitchFamily="34" charset="0"/>
+                        </a:rPr>
+                        <a:t>         9,57 ₽ </a:t>
+                      </a:r>
+                    </a:p>
+                  </a:txBody>
+                  <a:tcPr marL="9525" marR="9525" marT="9525" marB="0" anchor="b">
+                    <a:lnL>
+                      <a:noFill/>
+                    </a:lnL>
+                    <a:lnR>
+                      <a:noFill/>
+                    </a:lnR>
+                    <a:lnT>
+                      <a:noFill/>
+                    </a:lnT>
+                    <a:lnB>
+                      <a:noFill/>
+                    </a:lnB>
+                  </a:tcPr>
+                </a:tc>
+                <a:extLst>
+                  <a:ext uri="{0D108BD9-81ED-4DB2-BD59-A6C34878D82A}">
+                    <a16:rowId xmlns:a16="http://schemas.microsoft.com/office/drawing/2014/main" val="385991468"/>
+                  </a:ext>
+                </a:extLst>
+              </a:tr>
+              <a:tr h="194727">
+                <a:tc>
+                  <a:txBody>
+                    <a:bodyPr/>
+                    <a:lstStyle/>
+                    <a:p>
+                      <a:pPr algn="l" fontAlgn="b"/>
+                      <a:r>
+                        <a:rPr lang="ru-RU" sz="1000" b="0" i="0" u="none" strike="noStrike">
+                          <a:solidFill>
+                            <a:srgbClr val="000000"/>
+                          </a:solidFill>
+                          <a:effectLst/>
+                          <a:latin typeface="Arial" panose="020B0604020202020204" pitchFamily="34" charset="0"/>
+                        </a:rPr>
+                        <a:t>Видеореклама</a:t>
+                      </a:r>
+                    </a:p>
+                  </a:txBody>
+                  <a:tcPr marL="257175" marR="9525" marT="9525" marB="0" anchor="b">
+                    <a:lnL>
+                      <a:noFill/>
+                    </a:lnL>
+                    <a:lnR>
+                      <a:noFill/>
+                    </a:lnR>
+                    <a:lnT>
+                      <a:noFill/>
+                    </a:lnT>
+                    <a:lnB>
+                      <a:noFill/>
+                    </a:lnB>
+                  </a:tcPr>
+                </a:tc>
+                <a:tc>
+                  <a:txBody>
+                    <a:bodyPr/>
+                    <a:lstStyle/>
+                    <a:p>
+                      <a:pPr algn="l" fontAlgn="b"/>
+                      <a:r>
+                        <a:rPr lang="ru-RU" sz="1000" b="0" i="0" u="none" strike="noStrike">
+                          <a:solidFill>
+                            <a:srgbClr val="000000"/>
+                          </a:solidFill>
+                          <a:effectLst/>
+                          <a:latin typeface="Arial" panose="020B0604020202020204" pitchFamily="34" charset="0"/>
+                        </a:rPr>
+                        <a:t>   8 031 966 </a:t>
+                      </a:r>
+                    </a:p>
+                  </a:txBody>
+                  <a:tcPr marL="9525" marR="9525" marT="9525" marB="0" anchor="b">
+                    <a:lnL>
+                      <a:noFill/>
+                    </a:lnL>
+                    <a:lnR>
+                      <a:noFill/>
+                    </a:lnR>
+                    <a:lnT>
+                      <a:noFill/>
+                    </a:lnT>
+                    <a:lnB>
+                      <a:noFill/>
+                    </a:lnB>
+                  </a:tcPr>
+                </a:tc>
+                <a:tc>
+                  <a:txBody>
+                    <a:bodyPr/>
+                    <a:lstStyle/>
+                    <a:p>
+                      <a:pPr algn="l" fontAlgn="b"/>
+                      <a:r>
+                        <a:rPr lang="ru-RU" sz="1000" b="0" i="0" u="none" strike="noStrike">
+                          <a:solidFill>
+                            <a:srgbClr val="000000"/>
+                          </a:solidFill>
+                          <a:effectLst/>
+                          <a:latin typeface="Arial" panose="020B0604020202020204" pitchFamily="34" charset="0"/>
+                        </a:rPr>
+                        <a:t>      301 784 </a:t>
+                      </a:r>
+                    </a:p>
+                  </a:txBody>
+                  <a:tcPr marL="9525" marR="9525" marT="9525" marB="0" anchor="b">
+                    <a:lnL>
+                      <a:noFill/>
+                    </a:lnL>
+                    <a:lnR>
+                      <a:noFill/>
+                    </a:lnR>
+                    <a:lnT>
+                      <a:noFill/>
+                    </a:lnT>
+                    <a:lnB>
+                      <a:noFill/>
+                    </a:lnB>
+                  </a:tcPr>
+                </a:tc>
+                <a:tc>
+                  <a:txBody>
+                    <a:bodyPr/>
+                    <a:lstStyle/>
+                    <a:p>
+                      <a:pPr algn="l" fontAlgn="b"/>
+                      <a:r>
+                        <a:rPr lang="ru-RU" sz="1000" b="0" i="0" u="none" strike="noStrike">
+                          <a:solidFill>
+                            <a:srgbClr val="000000"/>
+                          </a:solidFill>
+                          <a:effectLst/>
+                          <a:latin typeface="Arial" panose="020B0604020202020204" pitchFamily="34" charset="0"/>
+                        </a:rPr>
+                        <a:t>            1 428 116 </a:t>
+                      </a:r>
+                    </a:p>
+                  </a:txBody>
+                  <a:tcPr marL="9525" marR="9525" marT="9525" marB="0" anchor="b">
+                    <a:lnL>
+                      <a:noFill/>
+                    </a:lnL>
+                    <a:lnR>
+                      <a:noFill/>
+                    </a:lnR>
+                    <a:lnT>
+                      <a:noFill/>
+                    </a:lnT>
+                    <a:lnB>
+                      <a:noFill/>
+                    </a:lnB>
+                  </a:tcPr>
+                </a:tc>
+                <a:tc>
+                  <a:txBody>
+                    <a:bodyPr/>
+                    <a:lstStyle/>
+                    <a:p>
+                      <a:pPr algn="r" fontAlgn="b"/>
+                      <a:r>
+                        <a:rPr lang="ru-RU" sz="1000" b="0" i="0" u="none" strike="noStrike">
+                          <a:solidFill>
+                            <a:srgbClr val="000000"/>
+                          </a:solidFill>
+                          <a:effectLst/>
+                          <a:latin typeface="Arial" panose="020B0604020202020204" pitchFamily="34" charset="0"/>
+                        </a:rPr>
+                        <a:t>11,9%</a:t>
+                      </a:r>
+                    </a:p>
+                  </a:txBody>
+                  <a:tcPr marL="9525" marR="9525" marT="9525" marB="0" anchor="b">
+                    <a:lnL>
+                      <a:noFill/>
+                    </a:lnL>
+                    <a:lnR>
+                      <a:noFill/>
+                    </a:lnR>
+                    <a:lnT>
+                      <a:noFill/>
+                    </a:lnT>
+                    <a:lnB>
+                      <a:noFill/>
+                    </a:lnB>
+                  </a:tcPr>
+                </a:tc>
+                <a:tc>
+                  <a:txBody>
+                    <a:bodyPr/>
+                    <a:lstStyle/>
+                    <a:p>
+                      <a:pPr algn="l" fontAlgn="b"/>
+                      <a:r>
+                        <a:rPr lang="ru-RU" sz="1000" b="0" i="0" u="none" strike="noStrike">
+                          <a:solidFill>
+                            <a:srgbClr val="000000"/>
+                          </a:solidFill>
+                          <a:effectLst/>
+                          <a:latin typeface="Arial" panose="020B0604020202020204" pitchFamily="34" charset="0"/>
+                        </a:rPr>
+                        <a:t>         0,18 ₽ </a:t>
+                      </a:r>
+                    </a:p>
+                  </a:txBody>
+                  <a:tcPr marL="9525" marR="9525" marT="9525" marB="0" anchor="b">
+                    <a:lnL>
+                      <a:noFill/>
+                    </a:lnL>
+                    <a:lnR>
+                      <a:noFill/>
+                    </a:lnR>
+                    <a:lnT>
+                      <a:noFill/>
+                    </a:lnT>
+                    <a:lnB>
+                      <a:noFill/>
+                    </a:lnB>
+                  </a:tcPr>
+                </a:tc>
+                <a:tc>
+                  <a:txBody>
+                    <a:bodyPr/>
+                    <a:lstStyle/>
+                    <a:p>
+                      <a:pPr algn="l" fontAlgn="b"/>
+                      <a:r>
+                        <a:rPr lang="ru-RU" sz="1000" b="0" i="0" u="none" strike="noStrike">
+                          <a:solidFill>
+                            <a:srgbClr val="000000"/>
+                          </a:solidFill>
+                          <a:effectLst/>
+                          <a:latin typeface="Arial" panose="020B0604020202020204" pitchFamily="34" charset="0"/>
+                        </a:rPr>
+                        <a:t>         4,73 ₽ </a:t>
+                      </a:r>
+                    </a:p>
+                  </a:txBody>
+                  <a:tcPr marL="9525" marR="9525" marT="9525" marB="0" anchor="b">
+                    <a:lnL>
+                      <a:noFill/>
+                    </a:lnL>
+                    <a:lnR>
+                      <a:noFill/>
+                    </a:lnR>
+                    <a:lnT>
+                      <a:noFill/>
+                    </a:lnT>
+                    <a:lnB>
+                      <a:noFill/>
+                    </a:lnB>
+                  </a:tcPr>
+                </a:tc>
+                <a:extLst>
+                  <a:ext uri="{0D108BD9-81ED-4DB2-BD59-A6C34878D82A}">
+                    <a16:rowId xmlns:a16="http://schemas.microsoft.com/office/drawing/2014/main" val="2185877611"/>
+                  </a:ext>
+                </a:extLst>
+              </a:tr>
+              <a:tr h="194727">
+                <a:tc>
+                  <a:txBody>
+                    <a:bodyPr/>
+                    <a:lstStyle/>
+                    <a:p>
+                      <a:pPr algn="l" fontAlgn="b"/>
+                      <a:r>
+                        <a:rPr lang="ru-RU" sz="1000" b="0" i="0" u="none" strike="noStrike">
+                          <a:solidFill>
+                            <a:srgbClr val="000000"/>
+                          </a:solidFill>
+                          <a:effectLst/>
+                          <a:latin typeface="Arial" panose="020B0604020202020204" pitchFamily="34" charset="0"/>
+                        </a:rPr>
+                        <a:t>Главная страница</a:t>
+                      </a:r>
+                    </a:p>
+                  </a:txBody>
+                  <a:tcPr marL="257175" marR="9525" marT="9525" marB="0" anchor="b">
+                    <a:lnL>
+                      <a:noFill/>
+                    </a:lnL>
+                    <a:lnR>
+                      <a:noFill/>
+                    </a:lnR>
+                    <a:lnT>
+                      <a:noFill/>
+                    </a:lnT>
+                    <a:lnB>
+                      <a:noFill/>
+                    </a:lnB>
+                  </a:tcPr>
+                </a:tc>
+                <a:tc>
+                  <a:txBody>
+                    <a:bodyPr/>
+                    <a:lstStyle/>
+                    <a:p>
+                      <a:pPr algn="l" fontAlgn="b"/>
+                      <a:r>
+                        <a:rPr lang="ru-RU" sz="1000" b="0" i="0" u="none" strike="noStrike">
+                          <a:solidFill>
+                            <a:srgbClr val="000000"/>
+                          </a:solidFill>
+                          <a:effectLst/>
+                          <a:latin typeface="Arial" panose="020B0604020202020204" pitchFamily="34" charset="0"/>
+                        </a:rPr>
+                        <a:t> 19 161 023 </a:t>
+                      </a:r>
+                    </a:p>
+                  </a:txBody>
+                  <a:tcPr marL="9525" marR="9525" marT="9525" marB="0" anchor="b">
+                    <a:lnL>
+                      <a:noFill/>
+                    </a:lnL>
+                    <a:lnR>
+                      <a:noFill/>
+                    </a:lnR>
+                    <a:lnT>
+                      <a:noFill/>
+                    </a:lnT>
+                    <a:lnB>
+                      <a:noFill/>
+                    </a:lnB>
+                  </a:tcPr>
+                </a:tc>
+                <a:tc>
+                  <a:txBody>
+                    <a:bodyPr/>
+                    <a:lstStyle/>
+                    <a:p>
+                      <a:pPr algn="l" fontAlgn="b"/>
+                      <a:r>
+                        <a:rPr lang="ru-RU" sz="1000" b="0" i="0" u="none" strike="noStrike">
+                          <a:solidFill>
+                            <a:srgbClr val="000000"/>
+                          </a:solidFill>
+                          <a:effectLst/>
+                          <a:latin typeface="Arial" panose="020B0604020202020204" pitchFamily="34" charset="0"/>
+                        </a:rPr>
+                        <a:t>        67 807 </a:t>
+                      </a:r>
+                    </a:p>
+                  </a:txBody>
+                  <a:tcPr marL="9525" marR="9525" marT="9525" marB="0" anchor="b">
+                    <a:lnL>
+                      <a:noFill/>
+                    </a:lnL>
+                    <a:lnR>
+                      <a:noFill/>
+                    </a:lnR>
+                    <a:lnT>
+                      <a:noFill/>
+                    </a:lnT>
+                    <a:lnB>
+                      <a:noFill/>
+                    </a:lnB>
+                  </a:tcPr>
+                </a:tc>
+                <a:tc>
+                  <a:txBody>
+                    <a:bodyPr/>
+                    <a:lstStyle/>
+                    <a:p>
+                      <a:pPr algn="l" fontAlgn="b"/>
+                      <a:r>
+                        <a:rPr lang="ru-RU" sz="1000" b="0" i="0" u="none" strike="noStrike">
+                          <a:solidFill>
+                            <a:srgbClr val="000000"/>
+                          </a:solidFill>
+                          <a:effectLst/>
+                          <a:latin typeface="Arial" panose="020B0604020202020204" pitchFamily="34" charset="0"/>
+                        </a:rPr>
+                        <a:t>            2 107 713 </a:t>
+                      </a:r>
+                    </a:p>
+                  </a:txBody>
+                  <a:tcPr marL="9525" marR="9525" marT="9525" marB="0" anchor="b">
+                    <a:lnL>
+                      <a:noFill/>
+                    </a:lnL>
+                    <a:lnR>
+                      <a:noFill/>
+                    </a:lnR>
+                    <a:lnT>
+                      <a:noFill/>
+                    </a:lnT>
+                    <a:lnB>
+                      <a:noFill/>
+                    </a:lnB>
+                  </a:tcPr>
+                </a:tc>
+                <a:tc>
+                  <a:txBody>
+                    <a:bodyPr/>
+                    <a:lstStyle/>
+                    <a:p>
+                      <a:pPr algn="r" fontAlgn="b"/>
+                      <a:r>
+                        <a:rPr lang="ru-RU" sz="1000" b="0" i="0" u="none" strike="noStrike">
+                          <a:solidFill>
+                            <a:srgbClr val="000000"/>
+                          </a:solidFill>
+                          <a:effectLst/>
+                          <a:latin typeface="Arial" panose="020B0604020202020204" pitchFamily="34" charset="0"/>
+                        </a:rPr>
+                        <a:t>17,5%</a:t>
+                      </a:r>
+                    </a:p>
+                  </a:txBody>
+                  <a:tcPr marL="9525" marR="9525" marT="9525" marB="0" anchor="b">
+                    <a:lnL>
+                      <a:noFill/>
+                    </a:lnL>
+                    <a:lnR>
+                      <a:noFill/>
+                    </a:lnR>
+                    <a:lnT>
+                      <a:noFill/>
+                    </a:lnT>
+                    <a:lnB>
+                      <a:noFill/>
+                    </a:lnB>
+                  </a:tcPr>
+                </a:tc>
+                <a:tc>
+                  <a:txBody>
+                    <a:bodyPr/>
+                    <a:lstStyle/>
+                    <a:p>
+                      <a:pPr algn="l" fontAlgn="b"/>
+                      <a:r>
+                        <a:rPr lang="ru-RU" sz="1000" b="0" i="0" u="none" strike="noStrike">
+                          <a:solidFill>
+                            <a:srgbClr val="000000"/>
+                          </a:solidFill>
+                          <a:effectLst/>
+                          <a:latin typeface="Arial" panose="020B0604020202020204" pitchFamily="34" charset="0"/>
+                        </a:rPr>
+                        <a:t>         0,11 ₽ </a:t>
+                      </a:r>
+                    </a:p>
+                  </a:txBody>
+                  <a:tcPr marL="9525" marR="9525" marT="9525" marB="0" anchor="b">
+                    <a:lnL>
+                      <a:noFill/>
+                    </a:lnL>
+                    <a:lnR>
+                      <a:noFill/>
+                    </a:lnR>
+                    <a:lnT>
+                      <a:noFill/>
+                    </a:lnT>
+                    <a:lnB>
+                      <a:noFill/>
+                    </a:lnB>
+                  </a:tcPr>
+                </a:tc>
+                <a:tc>
+                  <a:txBody>
+                    <a:bodyPr/>
+                    <a:lstStyle/>
+                    <a:p>
+                      <a:pPr algn="l" fontAlgn="b"/>
+                      <a:r>
+                        <a:rPr lang="ru-RU" sz="1000" b="0" i="0" u="none" strike="noStrike">
+                          <a:solidFill>
+                            <a:srgbClr val="000000"/>
+                          </a:solidFill>
+                          <a:effectLst/>
+                          <a:latin typeface="Arial" panose="020B0604020202020204" pitchFamily="34" charset="0"/>
+                        </a:rPr>
+                        <a:t>       31,08 ₽ </a:t>
+                      </a:r>
+                    </a:p>
+                  </a:txBody>
+                  <a:tcPr marL="9525" marR="9525" marT="9525" marB="0" anchor="b">
+                    <a:lnL>
+                      <a:noFill/>
+                    </a:lnL>
+                    <a:lnR>
+                      <a:noFill/>
+                    </a:lnR>
+                    <a:lnT>
+                      <a:noFill/>
+                    </a:lnT>
+                    <a:lnB>
+                      <a:noFill/>
+                    </a:lnB>
+                  </a:tcPr>
+                </a:tc>
+                <a:extLst>
+                  <a:ext uri="{0D108BD9-81ED-4DB2-BD59-A6C34878D82A}">
+                    <a16:rowId xmlns:a16="http://schemas.microsoft.com/office/drawing/2014/main" val="415629048"/>
+                  </a:ext>
+                </a:extLst>
+              </a:tr>
+              <a:tr h="194727">
+                <a:tc>
+                  <a:txBody>
+                    <a:bodyPr/>
+                    <a:lstStyle/>
+                    <a:p>
+                      <a:pPr algn="l" fontAlgn="b"/>
+                      <a:r>
+                        <a:rPr lang="ru-RU" sz="1000" b="1" i="0" u="none" strike="noStrike">
+                          <a:solidFill>
+                            <a:srgbClr val="000000"/>
+                          </a:solidFill>
+                          <a:effectLst/>
+                          <a:latin typeface="Arial" panose="020B0604020202020204" pitchFamily="34" charset="0"/>
+                        </a:rPr>
+                        <a:t>Зета</a:t>
+                      </a:r>
+                    </a:p>
+                  </a:txBody>
+                  <a:tcPr marL="85725" marR="9525" marT="9525" marB="0" anchor="b">
+                    <a:lnL>
+                      <a:noFill/>
+                    </a:lnL>
+                    <a:lnR>
+                      <a:noFill/>
+                    </a:lnR>
+                    <a:lnT>
+                      <a:noFill/>
+                    </a:lnT>
+                    <a:lnB>
+                      <a:noFill/>
+                    </a:lnB>
+                  </a:tcPr>
+                </a:tc>
+                <a:tc>
+                  <a:txBody>
+                    <a:bodyPr/>
+                    <a:lstStyle/>
+                    <a:p>
+                      <a:pPr algn="l" fontAlgn="b"/>
+                      <a:r>
+                        <a:rPr lang="ru-RU" sz="1000" b="1" i="0" u="none" strike="noStrike">
+                          <a:solidFill>
+                            <a:srgbClr val="000000"/>
+                          </a:solidFill>
+                          <a:effectLst/>
+                          <a:latin typeface="Arial" panose="020B0604020202020204" pitchFamily="34" charset="0"/>
+                        </a:rPr>
+                        <a:t>   6 447 605 </a:t>
+                      </a:r>
+                    </a:p>
+                  </a:txBody>
+                  <a:tcPr marL="9525" marR="9525" marT="9525" marB="0" anchor="b">
+                    <a:lnL>
+                      <a:noFill/>
+                    </a:lnL>
+                    <a:lnR>
+                      <a:noFill/>
+                    </a:lnR>
+                    <a:lnT>
+                      <a:noFill/>
+                    </a:lnT>
+                    <a:lnB>
+                      <a:noFill/>
+                    </a:lnB>
+                  </a:tcPr>
+                </a:tc>
+                <a:tc>
+                  <a:txBody>
+                    <a:bodyPr/>
+                    <a:lstStyle/>
+                    <a:p>
+                      <a:pPr algn="l" fontAlgn="b"/>
+                      <a:r>
+                        <a:rPr lang="ru-RU" sz="1000" b="1" i="0" u="none" strike="noStrike">
+                          <a:solidFill>
+                            <a:srgbClr val="000000"/>
+                          </a:solidFill>
+                          <a:effectLst/>
+                          <a:latin typeface="Arial" panose="020B0604020202020204" pitchFamily="34" charset="0"/>
+                        </a:rPr>
+                        <a:t>      316 182 </a:t>
+                      </a:r>
+                    </a:p>
+                  </a:txBody>
+                  <a:tcPr marL="9525" marR="9525" marT="9525" marB="0" anchor="b">
+                    <a:lnL>
+                      <a:noFill/>
+                    </a:lnL>
+                    <a:lnR>
+                      <a:noFill/>
+                    </a:lnR>
+                    <a:lnT>
+                      <a:noFill/>
+                    </a:lnT>
+                    <a:lnB>
+                      <a:noFill/>
+                    </a:lnB>
+                  </a:tcPr>
+                </a:tc>
+                <a:tc>
+                  <a:txBody>
+                    <a:bodyPr/>
+                    <a:lstStyle/>
+                    <a:p>
+                      <a:pPr algn="l" fontAlgn="b"/>
+                      <a:r>
+                        <a:rPr lang="ru-RU" sz="1000" b="1" i="0" u="none" strike="noStrike">
+                          <a:solidFill>
+                            <a:srgbClr val="000000"/>
+                          </a:solidFill>
+                          <a:effectLst/>
+                          <a:latin typeface="Arial" panose="020B0604020202020204" pitchFamily="34" charset="0"/>
+                        </a:rPr>
+                        <a:t>            1 289 521 </a:t>
+                      </a:r>
+                    </a:p>
+                  </a:txBody>
+                  <a:tcPr marL="9525" marR="9525" marT="9525" marB="0" anchor="b">
+                    <a:lnL>
+                      <a:noFill/>
+                    </a:lnL>
+                    <a:lnR>
+                      <a:noFill/>
+                    </a:lnR>
+                    <a:lnT>
+                      <a:noFill/>
+                    </a:lnT>
+                    <a:lnB>
+                      <a:noFill/>
+                    </a:lnB>
+                  </a:tcPr>
+                </a:tc>
+                <a:tc>
+                  <a:txBody>
+                    <a:bodyPr/>
+                    <a:lstStyle/>
+                    <a:p>
+                      <a:pPr algn="r" fontAlgn="b"/>
+                      <a:r>
+                        <a:rPr lang="ru-RU" sz="1000" b="1" i="0" u="none" strike="noStrike">
+                          <a:solidFill>
+                            <a:srgbClr val="000000"/>
+                          </a:solidFill>
+                          <a:effectLst/>
+                          <a:latin typeface="Arial" panose="020B0604020202020204" pitchFamily="34" charset="0"/>
+                        </a:rPr>
+                        <a:t>10,7%</a:t>
+                      </a:r>
+                    </a:p>
+                  </a:txBody>
+                  <a:tcPr marL="9525" marR="9525" marT="9525" marB="0" anchor="b">
+                    <a:lnL>
+                      <a:noFill/>
+                    </a:lnL>
+                    <a:lnR>
+                      <a:noFill/>
+                    </a:lnR>
+                    <a:lnT>
+                      <a:noFill/>
+                    </a:lnT>
+                    <a:lnB>
+                      <a:noFill/>
+                    </a:lnB>
+                  </a:tcPr>
+                </a:tc>
+                <a:tc>
+                  <a:txBody>
+                    <a:bodyPr/>
+                    <a:lstStyle/>
+                    <a:p>
+                      <a:pPr algn="l" fontAlgn="b"/>
+                      <a:r>
+                        <a:rPr lang="ru-RU" sz="1000" b="1" i="0" u="none" strike="noStrike">
+                          <a:solidFill>
+                            <a:srgbClr val="000000"/>
+                          </a:solidFill>
+                          <a:effectLst/>
+                          <a:latin typeface="Arial" panose="020B0604020202020204" pitchFamily="34" charset="0"/>
+                        </a:rPr>
+                        <a:t>         0,20 ₽ </a:t>
+                      </a:r>
+                    </a:p>
+                  </a:txBody>
+                  <a:tcPr marL="9525" marR="9525" marT="9525" marB="0" anchor="b">
+                    <a:lnL>
+                      <a:noFill/>
+                    </a:lnL>
+                    <a:lnR>
+                      <a:noFill/>
+                    </a:lnR>
+                    <a:lnT>
+                      <a:noFill/>
+                    </a:lnT>
+                    <a:lnB>
+                      <a:noFill/>
+                    </a:lnB>
+                  </a:tcPr>
+                </a:tc>
+                <a:tc>
+                  <a:txBody>
+                    <a:bodyPr/>
+                    <a:lstStyle/>
+                    <a:p>
+                      <a:pPr algn="l" fontAlgn="b"/>
+                      <a:r>
+                        <a:rPr lang="ru-RU" sz="1000" b="1" i="0" u="none" strike="noStrike">
+                          <a:solidFill>
+                            <a:srgbClr val="000000"/>
+                          </a:solidFill>
+                          <a:effectLst/>
+                          <a:latin typeface="Arial" panose="020B0604020202020204" pitchFamily="34" charset="0"/>
+                        </a:rPr>
+                        <a:t>         4,08 ₽ </a:t>
+                      </a:r>
+                    </a:p>
+                  </a:txBody>
+                  <a:tcPr marL="9525" marR="9525" marT="9525" marB="0" anchor="b">
+                    <a:lnL>
+                      <a:noFill/>
+                    </a:lnL>
+                    <a:lnR>
+                      <a:noFill/>
+                    </a:lnR>
+                    <a:lnT>
+                      <a:noFill/>
+                    </a:lnT>
+                    <a:lnB>
+                      <a:noFill/>
+                    </a:lnB>
+                  </a:tcPr>
+                </a:tc>
+                <a:extLst>
+                  <a:ext uri="{0D108BD9-81ED-4DB2-BD59-A6C34878D82A}">
+                    <a16:rowId xmlns:a16="http://schemas.microsoft.com/office/drawing/2014/main" val="1636571027"/>
+                  </a:ext>
+                </a:extLst>
+              </a:tr>
+              <a:tr h="194727">
+                <a:tc>
+                  <a:txBody>
+                    <a:bodyPr/>
+                    <a:lstStyle/>
+                    <a:p>
+                      <a:pPr algn="l" fontAlgn="b"/>
+                      <a:r>
+                        <a:rPr lang="en" sz="1000" b="0" i="0" u="none" strike="noStrike">
+                          <a:solidFill>
+                            <a:srgbClr val="000000"/>
+                          </a:solidFill>
+                          <a:effectLst/>
+                          <a:latin typeface="Arial" panose="020B0604020202020204" pitchFamily="34" charset="0"/>
+                        </a:rPr>
+                        <a:t>Desktop</a:t>
+                      </a:r>
+                    </a:p>
+                  </a:txBody>
+                  <a:tcPr marL="171450" marR="9525" marT="9525" marB="0" anchor="b">
+                    <a:lnL>
+                      <a:noFill/>
+                    </a:lnL>
+                    <a:lnR>
+                      <a:noFill/>
+                    </a:lnR>
+                    <a:lnT>
+                      <a:noFill/>
+                    </a:lnT>
+                    <a:lnB>
+                      <a:noFill/>
+                    </a:lnB>
+                  </a:tcPr>
+                </a:tc>
+                <a:tc>
+                  <a:txBody>
+                    <a:bodyPr/>
+                    <a:lstStyle/>
+                    <a:p>
+                      <a:pPr algn="l" fontAlgn="b"/>
+                      <a:r>
+                        <a:rPr lang="ru-RU" sz="1000" b="0" i="0" u="none" strike="noStrike">
+                          <a:solidFill>
+                            <a:srgbClr val="000000"/>
+                          </a:solidFill>
+                          <a:effectLst/>
+                          <a:latin typeface="Arial" panose="020B0604020202020204" pitchFamily="34" charset="0"/>
+                        </a:rPr>
+                        <a:t>   3 434 412 </a:t>
+                      </a:r>
+                    </a:p>
+                  </a:txBody>
+                  <a:tcPr marL="9525" marR="9525" marT="9525" marB="0" anchor="b">
+                    <a:lnL>
+                      <a:noFill/>
+                    </a:lnL>
+                    <a:lnR>
+                      <a:noFill/>
+                    </a:lnR>
+                    <a:lnT>
+                      <a:noFill/>
+                    </a:lnT>
+                    <a:lnB>
+                      <a:noFill/>
+                    </a:lnB>
+                  </a:tcPr>
+                </a:tc>
+                <a:tc>
+                  <a:txBody>
+                    <a:bodyPr/>
+                    <a:lstStyle/>
+                    <a:p>
+                      <a:pPr algn="l" fontAlgn="b"/>
+                      <a:r>
+                        <a:rPr lang="ru-RU" sz="1000" b="0" i="0" u="none" strike="noStrike">
+                          <a:solidFill>
+                            <a:srgbClr val="000000"/>
+                          </a:solidFill>
+                          <a:effectLst/>
+                          <a:latin typeface="Arial" panose="020B0604020202020204" pitchFamily="34" charset="0"/>
+                        </a:rPr>
+                        <a:t>        77 505 </a:t>
+                      </a:r>
+                    </a:p>
+                  </a:txBody>
+                  <a:tcPr marL="9525" marR="9525" marT="9525" marB="0" anchor="b">
+                    <a:lnL>
+                      <a:noFill/>
+                    </a:lnL>
+                    <a:lnR>
+                      <a:noFill/>
+                    </a:lnR>
+                    <a:lnT>
+                      <a:noFill/>
+                    </a:lnT>
+                    <a:lnB>
+                      <a:noFill/>
+                    </a:lnB>
+                  </a:tcPr>
+                </a:tc>
+                <a:tc>
+                  <a:txBody>
+                    <a:bodyPr/>
+                    <a:lstStyle/>
+                    <a:p>
+                      <a:pPr algn="l" fontAlgn="b"/>
+                      <a:r>
+                        <a:rPr lang="ru-RU" sz="1000" b="0" i="0" u="none" strike="noStrike">
+                          <a:solidFill>
+                            <a:srgbClr val="000000"/>
+                          </a:solidFill>
+                          <a:effectLst/>
+                          <a:latin typeface="Arial" panose="020B0604020202020204" pitchFamily="34" charset="0"/>
+                        </a:rPr>
+                        <a:t>               686 882 </a:t>
+                      </a:r>
+                    </a:p>
+                  </a:txBody>
+                  <a:tcPr marL="9525" marR="9525" marT="9525" marB="0" anchor="b">
+                    <a:lnL>
+                      <a:noFill/>
+                    </a:lnL>
+                    <a:lnR>
+                      <a:noFill/>
+                    </a:lnR>
+                    <a:lnT>
+                      <a:noFill/>
+                    </a:lnT>
+                    <a:lnB>
+                      <a:noFill/>
+                    </a:lnB>
+                  </a:tcPr>
+                </a:tc>
+                <a:tc>
+                  <a:txBody>
+                    <a:bodyPr/>
+                    <a:lstStyle/>
+                    <a:p>
+                      <a:pPr algn="r" fontAlgn="b"/>
+                      <a:r>
+                        <a:rPr lang="ru-RU" sz="1000" b="0" i="0" u="none" strike="noStrike">
+                          <a:solidFill>
+                            <a:srgbClr val="000000"/>
+                          </a:solidFill>
+                          <a:effectLst/>
+                          <a:latin typeface="Arial" panose="020B0604020202020204" pitchFamily="34" charset="0"/>
+                        </a:rPr>
+                        <a:t>5,7%</a:t>
+                      </a:r>
+                    </a:p>
+                  </a:txBody>
+                  <a:tcPr marL="9525" marR="9525" marT="9525" marB="0" anchor="b">
+                    <a:lnL>
+                      <a:noFill/>
+                    </a:lnL>
+                    <a:lnR>
+                      <a:noFill/>
+                    </a:lnR>
+                    <a:lnT>
+                      <a:noFill/>
+                    </a:lnT>
+                    <a:lnB>
+                      <a:noFill/>
+                    </a:lnB>
+                  </a:tcPr>
+                </a:tc>
+                <a:tc>
+                  <a:txBody>
+                    <a:bodyPr/>
+                    <a:lstStyle/>
+                    <a:p>
+                      <a:pPr algn="l" fontAlgn="b"/>
+                      <a:r>
+                        <a:rPr lang="ru-RU" sz="1000" b="0" i="0" u="none" strike="noStrike">
+                          <a:solidFill>
+                            <a:srgbClr val="000000"/>
+                          </a:solidFill>
+                          <a:effectLst/>
+                          <a:latin typeface="Arial" panose="020B0604020202020204" pitchFamily="34" charset="0"/>
+                        </a:rPr>
+                        <a:t>         0,20 ₽ </a:t>
+                      </a:r>
+                    </a:p>
+                  </a:txBody>
+                  <a:tcPr marL="9525" marR="9525" marT="9525" marB="0" anchor="b">
+                    <a:lnL>
+                      <a:noFill/>
+                    </a:lnL>
+                    <a:lnR>
+                      <a:noFill/>
+                    </a:lnR>
+                    <a:lnT>
+                      <a:noFill/>
+                    </a:lnT>
+                    <a:lnB>
+                      <a:noFill/>
+                    </a:lnB>
+                  </a:tcPr>
+                </a:tc>
+                <a:tc>
+                  <a:txBody>
+                    <a:bodyPr/>
+                    <a:lstStyle/>
+                    <a:p>
+                      <a:pPr algn="l" fontAlgn="b"/>
+                      <a:r>
+                        <a:rPr lang="ru-RU" sz="1000" b="0" i="0" u="none" strike="noStrike">
+                          <a:solidFill>
+                            <a:srgbClr val="000000"/>
+                          </a:solidFill>
+                          <a:effectLst/>
+                          <a:latin typeface="Arial" panose="020B0604020202020204" pitchFamily="34" charset="0"/>
+                        </a:rPr>
+                        <a:t>         8,86 ₽ </a:t>
+                      </a:r>
+                    </a:p>
+                  </a:txBody>
+                  <a:tcPr marL="9525" marR="9525" marT="9525" marB="0" anchor="b">
+                    <a:lnL>
+                      <a:noFill/>
+                    </a:lnL>
+                    <a:lnR>
+                      <a:noFill/>
+                    </a:lnR>
+                    <a:lnT>
+                      <a:noFill/>
+                    </a:lnT>
+                    <a:lnB>
+                      <a:noFill/>
+                    </a:lnB>
+                  </a:tcPr>
+                </a:tc>
+                <a:extLst>
+                  <a:ext uri="{0D108BD9-81ED-4DB2-BD59-A6C34878D82A}">
+                    <a16:rowId xmlns:a16="http://schemas.microsoft.com/office/drawing/2014/main" val="1374151134"/>
+                  </a:ext>
+                </a:extLst>
+              </a:tr>
+              <a:tr h="194727">
+                <a:tc>
+                  <a:txBody>
+                    <a:bodyPr/>
+                    <a:lstStyle/>
+                    <a:p>
+                      <a:pPr algn="l" fontAlgn="b"/>
+                      <a:r>
+                        <a:rPr lang="ru-RU" sz="1000" b="0" i="0" u="none" strike="noStrike">
+                          <a:solidFill>
+                            <a:srgbClr val="000000"/>
+                          </a:solidFill>
+                          <a:effectLst/>
+                          <a:latin typeface="Arial" panose="020B0604020202020204" pitchFamily="34" charset="0"/>
+                        </a:rPr>
+                        <a:t>Видеореклама</a:t>
+                      </a:r>
+                    </a:p>
+                  </a:txBody>
+                  <a:tcPr marL="257175" marR="9525" marT="9525" marB="0" anchor="b">
+                    <a:lnL>
+                      <a:noFill/>
+                    </a:lnL>
+                    <a:lnR>
+                      <a:noFill/>
+                    </a:lnR>
+                    <a:lnT>
+                      <a:noFill/>
+                    </a:lnT>
+                    <a:lnB>
+                      <a:noFill/>
+                    </a:lnB>
+                  </a:tcPr>
+                </a:tc>
+                <a:tc>
+                  <a:txBody>
+                    <a:bodyPr/>
+                    <a:lstStyle/>
+                    <a:p>
+                      <a:pPr algn="l" fontAlgn="b"/>
+                      <a:r>
+                        <a:rPr lang="ru-RU" sz="1000" b="0" i="0" u="none" strike="noStrike" dirty="0">
+                          <a:solidFill>
+                            <a:srgbClr val="000000"/>
+                          </a:solidFill>
+                          <a:effectLst/>
+                          <a:latin typeface="Arial" panose="020B0604020202020204" pitchFamily="34" charset="0"/>
+                        </a:rPr>
+                        <a:t>   3 434 412 </a:t>
+                      </a:r>
+                    </a:p>
+                  </a:txBody>
+                  <a:tcPr marL="9525" marR="9525" marT="9525" marB="0" anchor="b">
+                    <a:lnL>
+                      <a:noFill/>
+                    </a:lnL>
+                    <a:lnR>
+                      <a:noFill/>
+                    </a:lnR>
+                    <a:lnT>
+                      <a:noFill/>
+                    </a:lnT>
+                    <a:lnB>
+                      <a:noFill/>
+                    </a:lnB>
+                  </a:tcPr>
+                </a:tc>
+                <a:tc>
+                  <a:txBody>
+                    <a:bodyPr/>
+                    <a:lstStyle/>
+                    <a:p>
+                      <a:pPr algn="l" fontAlgn="b"/>
+                      <a:r>
+                        <a:rPr lang="ru-RU" sz="1000" b="0" i="0" u="none" strike="noStrike">
+                          <a:solidFill>
+                            <a:srgbClr val="000000"/>
+                          </a:solidFill>
+                          <a:effectLst/>
+                          <a:latin typeface="Arial" panose="020B0604020202020204" pitchFamily="34" charset="0"/>
+                        </a:rPr>
+                        <a:t>        77 505 </a:t>
+                      </a:r>
+                    </a:p>
+                  </a:txBody>
+                  <a:tcPr marL="9525" marR="9525" marT="9525" marB="0" anchor="b">
+                    <a:lnL>
+                      <a:noFill/>
+                    </a:lnL>
+                    <a:lnR>
+                      <a:noFill/>
+                    </a:lnR>
+                    <a:lnT>
+                      <a:noFill/>
+                    </a:lnT>
+                    <a:lnB>
+                      <a:noFill/>
+                    </a:lnB>
+                  </a:tcPr>
+                </a:tc>
+                <a:tc>
+                  <a:txBody>
+                    <a:bodyPr/>
+                    <a:lstStyle/>
+                    <a:p>
+                      <a:pPr algn="l" fontAlgn="b"/>
+                      <a:r>
+                        <a:rPr lang="ru-RU" sz="1000" b="0" i="0" u="none" strike="noStrike">
+                          <a:solidFill>
+                            <a:srgbClr val="000000"/>
+                          </a:solidFill>
+                          <a:effectLst/>
+                          <a:latin typeface="Arial" panose="020B0604020202020204" pitchFamily="34" charset="0"/>
+                        </a:rPr>
+                        <a:t>               686 882 </a:t>
+                      </a:r>
+                    </a:p>
+                  </a:txBody>
+                  <a:tcPr marL="9525" marR="9525" marT="9525" marB="0" anchor="b">
+                    <a:lnL>
+                      <a:noFill/>
+                    </a:lnL>
+                    <a:lnR>
+                      <a:noFill/>
+                    </a:lnR>
+                    <a:lnT>
+                      <a:noFill/>
+                    </a:lnT>
+                    <a:lnB>
+                      <a:noFill/>
+                    </a:lnB>
+                  </a:tcPr>
+                </a:tc>
+                <a:tc>
+                  <a:txBody>
+                    <a:bodyPr/>
+                    <a:lstStyle/>
+                    <a:p>
+                      <a:pPr algn="r" fontAlgn="b"/>
+                      <a:r>
+                        <a:rPr lang="ru-RU" sz="1000" b="0" i="0" u="none" strike="noStrike">
+                          <a:solidFill>
+                            <a:srgbClr val="000000"/>
+                          </a:solidFill>
+                          <a:effectLst/>
+                          <a:latin typeface="Arial" panose="020B0604020202020204" pitchFamily="34" charset="0"/>
+                        </a:rPr>
+                        <a:t>5,7%</a:t>
+                      </a:r>
+                    </a:p>
+                  </a:txBody>
+                  <a:tcPr marL="9525" marR="9525" marT="9525" marB="0" anchor="b">
+                    <a:lnL>
+                      <a:noFill/>
+                    </a:lnL>
+                    <a:lnR>
+                      <a:noFill/>
+                    </a:lnR>
+                    <a:lnT>
+                      <a:noFill/>
+                    </a:lnT>
+                    <a:lnB>
+                      <a:noFill/>
+                    </a:lnB>
+                  </a:tcPr>
+                </a:tc>
+                <a:tc>
+                  <a:txBody>
+                    <a:bodyPr/>
+                    <a:lstStyle/>
+                    <a:p>
+                      <a:pPr algn="l" fontAlgn="b"/>
+                      <a:r>
+                        <a:rPr lang="ru-RU" sz="1000" b="0" i="0" u="none" strike="noStrike">
+                          <a:solidFill>
+                            <a:srgbClr val="000000"/>
+                          </a:solidFill>
+                          <a:effectLst/>
+                          <a:latin typeface="Arial" panose="020B0604020202020204" pitchFamily="34" charset="0"/>
+                        </a:rPr>
+                        <a:t>         0,20 ₽ </a:t>
+                      </a:r>
+                    </a:p>
+                  </a:txBody>
+                  <a:tcPr marL="9525" marR="9525" marT="9525" marB="0" anchor="b">
+                    <a:lnL>
+                      <a:noFill/>
+                    </a:lnL>
+                    <a:lnR>
+                      <a:noFill/>
+                    </a:lnR>
+                    <a:lnT>
+                      <a:noFill/>
+                    </a:lnT>
+                    <a:lnB>
+                      <a:noFill/>
+                    </a:lnB>
+                  </a:tcPr>
+                </a:tc>
+                <a:tc>
+                  <a:txBody>
+                    <a:bodyPr/>
+                    <a:lstStyle/>
+                    <a:p>
+                      <a:pPr algn="l" fontAlgn="b"/>
+                      <a:r>
+                        <a:rPr lang="ru-RU" sz="1000" b="0" i="0" u="none" strike="noStrike">
+                          <a:solidFill>
+                            <a:srgbClr val="000000"/>
+                          </a:solidFill>
+                          <a:effectLst/>
+                          <a:latin typeface="Arial" panose="020B0604020202020204" pitchFamily="34" charset="0"/>
+                        </a:rPr>
+                        <a:t>         8,86 ₽ </a:t>
+                      </a:r>
+                    </a:p>
+                  </a:txBody>
+                  <a:tcPr marL="9525" marR="9525" marT="9525" marB="0" anchor="b">
+                    <a:lnL>
+                      <a:noFill/>
+                    </a:lnL>
+                    <a:lnR>
+                      <a:noFill/>
+                    </a:lnR>
+                    <a:lnT>
+                      <a:noFill/>
+                    </a:lnT>
+                    <a:lnB>
+                      <a:noFill/>
+                    </a:lnB>
+                  </a:tcPr>
+                </a:tc>
+                <a:extLst>
+                  <a:ext uri="{0D108BD9-81ED-4DB2-BD59-A6C34878D82A}">
+                    <a16:rowId xmlns:a16="http://schemas.microsoft.com/office/drawing/2014/main" val="196126864"/>
+                  </a:ext>
+                </a:extLst>
+              </a:tr>
+              <a:tr h="194727">
+                <a:tc>
+                  <a:txBody>
+                    <a:bodyPr/>
+                    <a:lstStyle/>
+                    <a:p>
+                      <a:pPr algn="l" fontAlgn="b"/>
+                      <a:r>
+                        <a:rPr lang="en" sz="1000" b="0" i="0" u="none" strike="noStrike">
+                          <a:solidFill>
+                            <a:srgbClr val="000000"/>
+                          </a:solidFill>
+                          <a:effectLst/>
+                          <a:latin typeface="Arial" panose="020B0604020202020204" pitchFamily="34" charset="0"/>
+                        </a:rPr>
+                        <a:t>Mobile</a:t>
+                      </a:r>
+                    </a:p>
+                  </a:txBody>
+                  <a:tcPr marL="171450" marR="9525" marT="9525" marB="0" anchor="b">
+                    <a:lnL>
+                      <a:noFill/>
+                    </a:lnL>
+                    <a:lnR>
+                      <a:noFill/>
+                    </a:lnR>
+                    <a:lnT>
+                      <a:noFill/>
+                    </a:lnT>
+                    <a:lnB>
+                      <a:noFill/>
+                    </a:lnB>
+                  </a:tcPr>
+                </a:tc>
+                <a:tc>
+                  <a:txBody>
+                    <a:bodyPr/>
+                    <a:lstStyle/>
+                    <a:p>
+                      <a:pPr algn="l" fontAlgn="b"/>
+                      <a:r>
+                        <a:rPr lang="ru-RU" sz="1000" b="0" i="0" u="none" strike="noStrike">
+                          <a:solidFill>
+                            <a:srgbClr val="000000"/>
+                          </a:solidFill>
+                          <a:effectLst/>
+                          <a:latin typeface="Arial" panose="020B0604020202020204" pitchFamily="34" charset="0"/>
+                        </a:rPr>
+                        <a:t>   3 013 193 </a:t>
+                      </a:r>
+                    </a:p>
+                  </a:txBody>
+                  <a:tcPr marL="9525" marR="9525" marT="9525" marB="0" anchor="b">
+                    <a:lnL>
+                      <a:noFill/>
+                    </a:lnL>
+                    <a:lnR>
+                      <a:noFill/>
+                    </a:lnR>
+                    <a:lnT>
+                      <a:noFill/>
+                    </a:lnT>
+                    <a:lnB>
+                      <a:noFill/>
+                    </a:lnB>
+                  </a:tcPr>
+                </a:tc>
+                <a:tc>
+                  <a:txBody>
+                    <a:bodyPr/>
+                    <a:lstStyle/>
+                    <a:p>
+                      <a:pPr algn="l" fontAlgn="b"/>
+                      <a:r>
+                        <a:rPr lang="ru-RU" sz="1000" b="0" i="0" u="none" strike="noStrike">
+                          <a:solidFill>
+                            <a:srgbClr val="000000"/>
+                          </a:solidFill>
+                          <a:effectLst/>
+                          <a:latin typeface="Arial" panose="020B0604020202020204" pitchFamily="34" charset="0"/>
+                        </a:rPr>
+                        <a:t>      238 677 </a:t>
+                      </a:r>
+                    </a:p>
+                  </a:txBody>
+                  <a:tcPr marL="9525" marR="9525" marT="9525" marB="0" anchor="b">
+                    <a:lnL>
+                      <a:noFill/>
+                    </a:lnL>
+                    <a:lnR>
+                      <a:noFill/>
+                    </a:lnR>
+                    <a:lnT>
+                      <a:noFill/>
+                    </a:lnT>
+                    <a:lnB>
+                      <a:noFill/>
+                    </a:lnB>
+                  </a:tcPr>
+                </a:tc>
+                <a:tc>
+                  <a:txBody>
+                    <a:bodyPr/>
+                    <a:lstStyle/>
+                    <a:p>
+                      <a:pPr algn="l" fontAlgn="b"/>
+                      <a:r>
+                        <a:rPr lang="ru-RU" sz="1000" b="0" i="0" u="none" strike="noStrike">
+                          <a:solidFill>
+                            <a:srgbClr val="000000"/>
+                          </a:solidFill>
+                          <a:effectLst/>
+                          <a:latin typeface="Arial" panose="020B0604020202020204" pitchFamily="34" charset="0"/>
+                        </a:rPr>
+                        <a:t>               602 639 </a:t>
+                      </a:r>
+                    </a:p>
+                  </a:txBody>
+                  <a:tcPr marL="9525" marR="9525" marT="9525" marB="0" anchor="b">
+                    <a:lnL>
+                      <a:noFill/>
+                    </a:lnL>
+                    <a:lnR>
+                      <a:noFill/>
+                    </a:lnR>
+                    <a:lnT>
+                      <a:noFill/>
+                    </a:lnT>
+                    <a:lnB>
+                      <a:noFill/>
+                    </a:lnB>
+                  </a:tcPr>
+                </a:tc>
+                <a:tc>
+                  <a:txBody>
+                    <a:bodyPr/>
+                    <a:lstStyle/>
+                    <a:p>
+                      <a:pPr algn="r" fontAlgn="b"/>
+                      <a:r>
+                        <a:rPr lang="ru-RU" sz="1000" b="0" i="0" u="none" strike="noStrike">
+                          <a:solidFill>
+                            <a:srgbClr val="000000"/>
+                          </a:solidFill>
+                          <a:effectLst/>
+                          <a:latin typeface="Arial" panose="020B0604020202020204" pitchFamily="34" charset="0"/>
+                        </a:rPr>
+                        <a:t>5,0%</a:t>
+                      </a:r>
+                    </a:p>
+                  </a:txBody>
+                  <a:tcPr marL="9525" marR="9525" marT="9525" marB="0" anchor="b">
+                    <a:lnL>
+                      <a:noFill/>
+                    </a:lnL>
+                    <a:lnR>
+                      <a:noFill/>
+                    </a:lnR>
+                    <a:lnT>
+                      <a:noFill/>
+                    </a:lnT>
+                    <a:lnB>
+                      <a:noFill/>
+                    </a:lnB>
+                  </a:tcPr>
+                </a:tc>
+                <a:tc>
+                  <a:txBody>
+                    <a:bodyPr/>
+                    <a:lstStyle/>
+                    <a:p>
+                      <a:pPr algn="l" fontAlgn="b"/>
+                      <a:r>
+                        <a:rPr lang="ru-RU" sz="1000" b="0" i="0" u="none" strike="noStrike">
+                          <a:solidFill>
+                            <a:srgbClr val="000000"/>
+                          </a:solidFill>
+                          <a:effectLst/>
+                          <a:latin typeface="Arial" panose="020B0604020202020204" pitchFamily="34" charset="0"/>
+                        </a:rPr>
+                        <a:t>         0,20 ₽ </a:t>
+                      </a:r>
+                    </a:p>
+                  </a:txBody>
+                  <a:tcPr marL="9525" marR="9525" marT="9525" marB="0" anchor="b">
+                    <a:lnL>
+                      <a:noFill/>
+                    </a:lnL>
+                    <a:lnR>
+                      <a:noFill/>
+                    </a:lnR>
+                    <a:lnT>
+                      <a:noFill/>
+                    </a:lnT>
+                    <a:lnB>
+                      <a:noFill/>
+                    </a:lnB>
+                  </a:tcPr>
+                </a:tc>
+                <a:tc>
+                  <a:txBody>
+                    <a:bodyPr/>
+                    <a:lstStyle/>
+                    <a:p>
+                      <a:pPr algn="l" fontAlgn="b"/>
+                      <a:r>
+                        <a:rPr lang="ru-RU" sz="1000" b="0" i="0" u="none" strike="noStrike">
+                          <a:solidFill>
+                            <a:srgbClr val="000000"/>
+                          </a:solidFill>
+                          <a:effectLst/>
+                          <a:latin typeface="Arial" panose="020B0604020202020204" pitchFamily="34" charset="0"/>
+                        </a:rPr>
+                        <a:t>         2,52 ₽ </a:t>
+                      </a:r>
+                    </a:p>
+                  </a:txBody>
+                  <a:tcPr marL="9525" marR="9525" marT="9525" marB="0" anchor="b">
+                    <a:lnL>
+                      <a:noFill/>
+                    </a:lnL>
+                    <a:lnR>
+                      <a:noFill/>
+                    </a:lnR>
+                    <a:lnT>
+                      <a:noFill/>
+                    </a:lnT>
+                    <a:lnB>
+                      <a:noFill/>
+                    </a:lnB>
+                  </a:tcPr>
+                </a:tc>
+                <a:extLst>
+                  <a:ext uri="{0D108BD9-81ED-4DB2-BD59-A6C34878D82A}">
+                    <a16:rowId xmlns:a16="http://schemas.microsoft.com/office/drawing/2014/main" val="1068568283"/>
+                  </a:ext>
+                </a:extLst>
+              </a:tr>
+              <a:tr h="194727">
+                <a:tc>
+                  <a:txBody>
+                    <a:bodyPr/>
+                    <a:lstStyle/>
+                    <a:p>
+                      <a:pPr algn="l" fontAlgn="b"/>
+                      <a:r>
+                        <a:rPr lang="ru-RU" sz="1000" b="0" i="0" u="none" strike="noStrike">
+                          <a:solidFill>
+                            <a:srgbClr val="000000"/>
+                          </a:solidFill>
+                          <a:effectLst/>
+                          <a:latin typeface="Arial" panose="020B0604020202020204" pitchFamily="34" charset="0"/>
+                        </a:rPr>
+                        <a:t>Видеореклама</a:t>
+                      </a:r>
+                    </a:p>
+                  </a:txBody>
+                  <a:tcPr marL="257175" marR="9525" marT="9525" marB="0" anchor="b">
+                    <a:lnL>
+                      <a:noFill/>
+                    </a:lnL>
+                    <a:lnR>
+                      <a:noFill/>
+                    </a:lnR>
+                    <a:lnT>
+                      <a:noFill/>
+                    </a:lnT>
+                    <a:lnB>
+                      <a:noFill/>
+                    </a:lnB>
+                  </a:tcPr>
+                </a:tc>
+                <a:tc>
+                  <a:txBody>
+                    <a:bodyPr/>
+                    <a:lstStyle/>
+                    <a:p>
+                      <a:pPr algn="l" fontAlgn="b"/>
+                      <a:r>
+                        <a:rPr lang="ru-RU" sz="1000" b="0" i="0" u="none" strike="noStrike">
+                          <a:solidFill>
+                            <a:srgbClr val="000000"/>
+                          </a:solidFill>
+                          <a:effectLst/>
+                          <a:latin typeface="Arial" panose="020B0604020202020204" pitchFamily="34" charset="0"/>
+                        </a:rPr>
+                        <a:t>   3 013 193 </a:t>
+                      </a:r>
+                    </a:p>
+                  </a:txBody>
+                  <a:tcPr marL="9525" marR="9525" marT="9525" marB="0" anchor="b">
+                    <a:lnL>
+                      <a:noFill/>
+                    </a:lnL>
+                    <a:lnR>
+                      <a:noFill/>
+                    </a:lnR>
+                    <a:lnT>
+                      <a:noFill/>
+                    </a:lnT>
+                    <a:lnB>
+                      <a:noFill/>
+                    </a:lnB>
+                  </a:tcPr>
+                </a:tc>
+                <a:tc>
+                  <a:txBody>
+                    <a:bodyPr/>
+                    <a:lstStyle/>
+                    <a:p>
+                      <a:pPr algn="l" fontAlgn="b"/>
+                      <a:r>
+                        <a:rPr lang="ru-RU" sz="1000" b="0" i="0" u="none" strike="noStrike">
+                          <a:solidFill>
+                            <a:srgbClr val="000000"/>
+                          </a:solidFill>
+                          <a:effectLst/>
+                          <a:latin typeface="Arial" panose="020B0604020202020204" pitchFamily="34" charset="0"/>
+                        </a:rPr>
+                        <a:t>      238 677 </a:t>
+                      </a:r>
+                    </a:p>
+                  </a:txBody>
+                  <a:tcPr marL="9525" marR="9525" marT="9525" marB="0" anchor="b">
+                    <a:lnL>
+                      <a:noFill/>
+                    </a:lnL>
+                    <a:lnR>
+                      <a:noFill/>
+                    </a:lnR>
+                    <a:lnT>
+                      <a:noFill/>
+                    </a:lnT>
+                    <a:lnB>
+                      <a:noFill/>
+                    </a:lnB>
+                  </a:tcPr>
+                </a:tc>
+                <a:tc>
+                  <a:txBody>
+                    <a:bodyPr/>
+                    <a:lstStyle/>
+                    <a:p>
+                      <a:pPr algn="l" fontAlgn="b"/>
+                      <a:r>
+                        <a:rPr lang="ru-RU" sz="1000" b="0" i="0" u="none" strike="noStrike">
+                          <a:solidFill>
+                            <a:srgbClr val="000000"/>
+                          </a:solidFill>
+                          <a:effectLst/>
+                          <a:latin typeface="Arial" panose="020B0604020202020204" pitchFamily="34" charset="0"/>
+                        </a:rPr>
+                        <a:t>               602 639 </a:t>
+                      </a:r>
+                    </a:p>
+                  </a:txBody>
+                  <a:tcPr marL="9525" marR="9525" marT="9525" marB="0" anchor="b">
+                    <a:lnL>
+                      <a:noFill/>
+                    </a:lnL>
+                    <a:lnR>
+                      <a:noFill/>
+                    </a:lnR>
+                    <a:lnT>
+                      <a:noFill/>
+                    </a:lnT>
+                    <a:lnB>
+                      <a:noFill/>
+                    </a:lnB>
+                  </a:tcPr>
+                </a:tc>
+                <a:tc>
+                  <a:txBody>
+                    <a:bodyPr/>
+                    <a:lstStyle/>
+                    <a:p>
+                      <a:pPr algn="r" fontAlgn="b"/>
+                      <a:r>
+                        <a:rPr lang="ru-RU" sz="1000" b="0" i="0" u="none" strike="noStrike">
+                          <a:solidFill>
+                            <a:srgbClr val="000000"/>
+                          </a:solidFill>
+                          <a:effectLst/>
+                          <a:latin typeface="Arial" panose="020B0604020202020204" pitchFamily="34" charset="0"/>
+                        </a:rPr>
+                        <a:t>5,0%</a:t>
+                      </a:r>
+                    </a:p>
+                  </a:txBody>
+                  <a:tcPr marL="9525" marR="9525" marT="9525" marB="0" anchor="b">
+                    <a:lnL>
+                      <a:noFill/>
+                    </a:lnL>
+                    <a:lnR>
+                      <a:noFill/>
+                    </a:lnR>
+                    <a:lnT>
+                      <a:noFill/>
+                    </a:lnT>
+                    <a:lnB>
+                      <a:noFill/>
+                    </a:lnB>
+                  </a:tcPr>
+                </a:tc>
+                <a:tc>
+                  <a:txBody>
+                    <a:bodyPr/>
+                    <a:lstStyle/>
+                    <a:p>
+                      <a:pPr algn="l" fontAlgn="b"/>
+                      <a:r>
+                        <a:rPr lang="ru-RU" sz="1000" b="0" i="0" u="none" strike="noStrike">
+                          <a:solidFill>
+                            <a:srgbClr val="000000"/>
+                          </a:solidFill>
+                          <a:effectLst/>
+                          <a:latin typeface="Arial" panose="020B0604020202020204" pitchFamily="34" charset="0"/>
+                        </a:rPr>
+                        <a:t>         0,20 ₽ </a:t>
+                      </a:r>
+                    </a:p>
+                  </a:txBody>
+                  <a:tcPr marL="9525" marR="9525" marT="9525" marB="0" anchor="b">
+                    <a:lnL>
+                      <a:noFill/>
+                    </a:lnL>
+                    <a:lnR>
+                      <a:noFill/>
+                    </a:lnR>
+                    <a:lnT>
+                      <a:noFill/>
+                    </a:lnT>
+                    <a:lnB>
+                      <a:noFill/>
+                    </a:lnB>
+                  </a:tcPr>
+                </a:tc>
+                <a:tc>
+                  <a:txBody>
+                    <a:bodyPr/>
+                    <a:lstStyle/>
+                    <a:p>
+                      <a:pPr algn="l" fontAlgn="b"/>
+                      <a:r>
+                        <a:rPr lang="ru-RU" sz="1000" b="0" i="0" u="none" strike="noStrike">
+                          <a:solidFill>
+                            <a:srgbClr val="000000"/>
+                          </a:solidFill>
+                          <a:effectLst/>
+                          <a:latin typeface="Arial" panose="020B0604020202020204" pitchFamily="34" charset="0"/>
+                        </a:rPr>
+                        <a:t>         2,52 ₽ </a:t>
+                      </a:r>
+                    </a:p>
+                  </a:txBody>
+                  <a:tcPr marL="9525" marR="9525" marT="9525" marB="0" anchor="b">
+                    <a:lnL>
+                      <a:noFill/>
+                    </a:lnL>
+                    <a:lnR>
+                      <a:noFill/>
+                    </a:lnR>
+                    <a:lnT>
+                      <a:noFill/>
+                    </a:lnT>
+                    <a:lnB>
+                      <a:noFill/>
+                    </a:lnB>
+                  </a:tcPr>
+                </a:tc>
+                <a:extLst>
+                  <a:ext uri="{0D108BD9-81ED-4DB2-BD59-A6C34878D82A}">
+                    <a16:rowId xmlns:a16="http://schemas.microsoft.com/office/drawing/2014/main" val="3656867391"/>
+                  </a:ext>
+                </a:extLst>
+              </a:tr>
+              <a:tr h="194727">
+                <a:tc>
+                  <a:txBody>
+                    <a:bodyPr/>
+                    <a:lstStyle/>
+                    <a:p>
+                      <a:pPr algn="l" fontAlgn="b"/>
+                      <a:r>
+                        <a:rPr lang="ru-RU" sz="1000" b="1" i="0" u="none" strike="noStrike">
+                          <a:solidFill>
+                            <a:srgbClr val="000000"/>
+                          </a:solidFill>
+                          <a:effectLst/>
+                          <a:latin typeface="Arial" panose="020B0604020202020204" pitchFamily="34" charset="0"/>
+                        </a:rPr>
+                        <a:t>ПОТРЕБИТЕЛЬСКОЕ КРЕДИТОВАНИЕ</a:t>
+                      </a:r>
+                    </a:p>
+                  </a:txBody>
+                  <a:tcPr marL="9525" marR="9525" marT="9525" marB="0" anchor="b">
+                    <a:lnL>
+                      <a:noFill/>
+                    </a:lnL>
+                    <a:lnR>
+                      <a:noFill/>
+                    </a:lnR>
+                    <a:lnT>
+                      <a:noFill/>
+                    </a:lnT>
+                    <a:lnB w="6350" cap="flat" cmpd="sng" algn="ctr">
+                      <a:solidFill>
+                        <a:srgbClr val="8EA9DB"/>
+                      </a:solidFill>
+                      <a:prstDash val="solid"/>
+                      <a:round/>
+                      <a:headEnd type="none" w="med" len="med"/>
+                      <a:tailEnd type="none" w="med" len="med"/>
+                    </a:lnB>
+                  </a:tcPr>
+                </a:tc>
+                <a:tc>
+                  <a:txBody>
+                    <a:bodyPr/>
+                    <a:lstStyle/>
+                    <a:p>
+                      <a:pPr algn="l" fontAlgn="b"/>
+                      <a:r>
+                        <a:rPr lang="ru-RU" sz="1000" b="1" i="0" u="none" strike="noStrike">
+                          <a:solidFill>
+                            <a:srgbClr val="000000"/>
+                          </a:solidFill>
+                          <a:effectLst/>
+                          <a:latin typeface="Arial" panose="020B0604020202020204" pitchFamily="34" charset="0"/>
+                        </a:rPr>
+                        <a:t> 89 589 616 </a:t>
+                      </a:r>
+                    </a:p>
+                  </a:txBody>
+                  <a:tcPr marL="9525" marR="9525" marT="9525" marB="0" anchor="b">
+                    <a:lnL>
+                      <a:noFill/>
+                    </a:lnL>
+                    <a:lnR>
+                      <a:noFill/>
+                    </a:lnR>
+                    <a:lnT>
+                      <a:noFill/>
+                    </a:lnT>
+                    <a:lnB w="6350" cap="flat" cmpd="sng" algn="ctr">
+                      <a:solidFill>
+                        <a:srgbClr val="8EA9DB"/>
+                      </a:solidFill>
+                      <a:prstDash val="solid"/>
+                      <a:round/>
+                      <a:headEnd type="none" w="med" len="med"/>
+                      <a:tailEnd type="none" w="med" len="med"/>
+                    </a:lnB>
+                  </a:tcPr>
+                </a:tc>
+                <a:tc>
+                  <a:txBody>
+                    <a:bodyPr/>
+                    <a:lstStyle/>
+                    <a:p>
+                      <a:pPr algn="l" fontAlgn="b"/>
+                      <a:r>
+                        <a:rPr lang="ru-RU" sz="1000" b="1" i="0" u="none" strike="noStrike">
+                          <a:solidFill>
+                            <a:srgbClr val="000000"/>
+                          </a:solidFill>
+                          <a:effectLst/>
+                          <a:latin typeface="Arial" panose="020B0604020202020204" pitchFamily="34" charset="0"/>
+                        </a:rPr>
+                        <a:t>   1 009 206 </a:t>
+                      </a:r>
+                    </a:p>
+                  </a:txBody>
+                  <a:tcPr marL="9525" marR="9525" marT="9525" marB="0" anchor="b">
+                    <a:lnL>
+                      <a:noFill/>
+                    </a:lnL>
+                    <a:lnR>
+                      <a:noFill/>
+                    </a:lnR>
+                    <a:lnT>
+                      <a:noFill/>
+                    </a:lnT>
+                    <a:lnB w="6350" cap="flat" cmpd="sng" algn="ctr">
+                      <a:solidFill>
+                        <a:srgbClr val="8EA9DB"/>
+                      </a:solidFill>
+                      <a:prstDash val="solid"/>
+                      <a:round/>
+                      <a:headEnd type="none" w="med" len="med"/>
+                      <a:tailEnd type="none" w="med" len="med"/>
+                    </a:lnB>
+                  </a:tcPr>
+                </a:tc>
+                <a:tc>
+                  <a:txBody>
+                    <a:bodyPr/>
+                    <a:lstStyle/>
+                    <a:p>
+                      <a:pPr algn="l" fontAlgn="b"/>
+                      <a:r>
+                        <a:rPr lang="ru-RU" sz="1000" b="1" i="0" u="none" strike="noStrike">
+                          <a:solidFill>
+                            <a:srgbClr val="000000"/>
+                          </a:solidFill>
+                          <a:effectLst/>
+                          <a:latin typeface="Arial" panose="020B0604020202020204" pitchFamily="34" charset="0"/>
+                        </a:rPr>
+                        <a:t>          12 020 638 </a:t>
+                      </a:r>
+                    </a:p>
+                  </a:txBody>
+                  <a:tcPr marL="9525" marR="9525" marT="9525" marB="0" anchor="b">
+                    <a:lnL>
+                      <a:noFill/>
+                    </a:lnL>
+                    <a:lnR>
+                      <a:noFill/>
+                    </a:lnR>
+                    <a:lnT>
+                      <a:noFill/>
+                    </a:lnT>
+                    <a:lnB w="6350" cap="flat" cmpd="sng" algn="ctr">
+                      <a:solidFill>
+                        <a:srgbClr val="8EA9DB"/>
+                      </a:solidFill>
+                      <a:prstDash val="solid"/>
+                      <a:round/>
+                      <a:headEnd type="none" w="med" len="med"/>
+                      <a:tailEnd type="none" w="med" len="med"/>
+                    </a:lnB>
+                  </a:tcPr>
+                </a:tc>
+                <a:tc>
+                  <a:txBody>
+                    <a:bodyPr/>
+                    <a:lstStyle/>
+                    <a:p>
+                      <a:pPr algn="r" fontAlgn="b"/>
+                      <a:r>
+                        <a:rPr lang="ru-RU" sz="1000" b="1" i="0" u="none" strike="noStrike">
+                          <a:solidFill>
+                            <a:srgbClr val="000000"/>
+                          </a:solidFill>
+                          <a:effectLst/>
+                          <a:latin typeface="Arial" panose="020B0604020202020204" pitchFamily="34" charset="0"/>
+                        </a:rPr>
+                        <a:t>100,0%</a:t>
+                      </a:r>
+                    </a:p>
+                  </a:txBody>
+                  <a:tcPr marL="9525" marR="9525" marT="9525" marB="0" anchor="b">
+                    <a:lnL>
+                      <a:noFill/>
+                    </a:lnL>
+                    <a:lnR>
+                      <a:noFill/>
+                    </a:lnR>
+                    <a:lnT>
+                      <a:noFill/>
+                    </a:lnT>
+                    <a:lnB w="6350" cap="flat" cmpd="sng" algn="ctr">
+                      <a:solidFill>
+                        <a:srgbClr val="8EA9DB"/>
+                      </a:solidFill>
+                      <a:prstDash val="solid"/>
+                      <a:round/>
+                      <a:headEnd type="none" w="med" len="med"/>
+                      <a:tailEnd type="none" w="med" len="med"/>
+                    </a:lnB>
+                  </a:tcPr>
+                </a:tc>
+                <a:tc>
+                  <a:txBody>
+                    <a:bodyPr/>
+                    <a:lstStyle/>
+                    <a:p>
+                      <a:pPr algn="l" fontAlgn="b"/>
+                      <a:r>
+                        <a:rPr lang="ru-RU" sz="1000" b="1" i="0" u="none" strike="noStrike">
+                          <a:solidFill>
+                            <a:srgbClr val="000000"/>
+                          </a:solidFill>
+                          <a:effectLst/>
+                          <a:latin typeface="Arial" panose="020B0604020202020204" pitchFamily="34" charset="0"/>
+                        </a:rPr>
+                        <a:t>         0,13 ₽ </a:t>
+                      </a:r>
+                    </a:p>
+                  </a:txBody>
+                  <a:tcPr marL="9525" marR="9525" marT="9525" marB="0" anchor="b">
+                    <a:lnL>
+                      <a:noFill/>
+                    </a:lnL>
+                    <a:lnR>
+                      <a:noFill/>
+                    </a:lnR>
+                    <a:lnT>
+                      <a:noFill/>
+                    </a:lnT>
+                    <a:lnB w="6350" cap="flat" cmpd="sng" algn="ctr">
+                      <a:solidFill>
+                        <a:srgbClr val="8EA9DB"/>
+                      </a:solidFill>
+                      <a:prstDash val="solid"/>
+                      <a:round/>
+                      <a:headEnd type="none" w="med" len="med"/>
+                      <a:tailEnd type="none" w="med" len="med"/>
+                    </a:lnB>
+                  </a:tcPr>
+                </a:tc>
+                <a:tc>
+                  <a:txBody>
+                    <a:bodyPr/>
+                    <a:lstStyle/>
+                    <a:p>
+                      <a:pPr algn="l" fontAlgn="b"/>
+                      <a:r>
+                        <a:rPr lang="ru-RU" sz="1000" b="1" i="0" u="none" strike="noStrike" dirty="0">
+                          <a:solidFill>
+                            <a:srgbClr val="000000"/>
+                          </a:solidFill>
+                          <a:effectLst/>
+                          <a:latin typeface="Arial" panose="020B0604020202020204" pitchFamily="34" charset="0"/>
+                        </a:rPr>
+                        <a:t>       11,91 ₽ </a:t>
+                      </a:r>
+                    </a:p>
+                  </a:txBody>
+                  <a:tcPr marL="9525" marR="9525" marT="9525" marB="0" anchor="b">
+                    <a:lnL>
+                      <a:noFill/>
+                    </a:lnL>
+                    <a:lnR>
+                      <a:noFill/>
+                    </a:lnR>
+                    <a:lnT>
+                      <a:noFill/>
+                    </a:lnT>
+                    <a:lnB w="6350" cap="flat" cmpd="sng" algn="ctr">
+                      <a:solidFill>
+                        <a:srgbClr val="8EA9DB"/>
+                      </a:solidFill>
+                      <a:prstDash val="solid"/>
+                      <a:round/>
+                      <a:headEnd type="none" w="med" len="med"/>
+                      <a:tailEnd type="none" w="med" len="med"/>
+                    </a:lnB>
+                  </a:tcPr>
+                </a:tc>
+                <a:extLst>
+                  <a:ext uri="{0D108BD9-81ED-4DB2-BD59-A6C34878D82A}">
+                    <a16:rowId xmlns:a16="http://schemas.microsoft.com/office/drawing/2014/main" val="2565951590"/>
+                  </a:ext>
+                </a:extLst>
+              </a:tr>
+            </a:tbl>
+          </a:graphicData>
+        </a:graphic>
+      </p:graphicFrame>
+      <p:sp>
+        <p:nvSpPr>
+          <p:cNvPr id="5" name="Объект 2">
+            <a:extLst>
+              <a:ext uri="{FF2B5EF4-FFF2-40B4-BE49-F238E27FC236}">
+                <a16:creationId xmlns:a16="http://schemas.microsoft.com/office/drawing/2014/main" id="{7A94ACF3-FB70-BC40-A71F-1837C5B8681F}"/>
+              </a:ext>
+            </a:extLst>
+          </p:cNvPr>
+          <p:cNvSpPr txBox="1">
+            <a:spLocks/>
+          </p:cNvSpPr>
+          <p:nvPr/>
+        </p:nvSpPr>
+        <p:spPr>
+          <a:xfrm>
+            <a:off x="254523" y="5467545"/>
+            <a:ext cx="11725176" cy="1167583"/>
+          </a:xfrm>
+          <a:prstGeom prst="rect">
+            <a:avLst/>
+          </a:prstGeom>
+        </p:spPr>
+        <p:txBody>
+          <a:bodyPr vert="horz" lIns="91440" tIns="45720" rIns="91440" bIns="45720" rtlCol="0">
+            <a:normAutofit fontScale="62500" lnSpcReduction="20000"/>
+          </a:bodyPr>
+          <a:lstStyle>
+            <a:lvl1pPr marL="228600" indent="-228600" algn="l" defTabSz="914400" rtl="0" eaLnBrk="1" latinLnBrk="0" hangingPunct="1">
+              <a:lnSpc>
+                <a:spcPct val="90000"/>
+              </a:lnSpc>
+              <a:spcBef>
+                <a:spcPts val="1000"/>
+              </a:spcBef>
+              <a:buFont typeface="Arial" panose="020B0604020202020204" pitchFamily="34" charset="0"/>
+              <a:buChar char="•"/>
+              <a:defRPr sz="2800" kern="1200">
+                <a:solidFill>
+                  <a:schemeClr val="tx1"/>
+                </a:solidFill>
+                <a:latin typeface="+mn-lt"/>
+                <a:ea typeface="+mn-ea"/>
+                <a:cs typeface="+mn-cs"/>
+              </a:defRPr>
+            </a:lvl1pPr>
+            <a:lvl2pPr marL="685800" indent="-228600" algn="l" defTabSz="914400" rtl="0" eaLnBrk="1" latinLnBrk="0" hangingPunct="1">
+              <a:lnSpc>
+                <a:spcPct val="90000"/>
+              </a:lnSpc>
+              <a:spcBef>
+                <a:spcPts val="500"/>
+              </a:spcBef>
+              <a:buFont typeface="Arial" panose="020B0604020202020204" pitchFamily="34" charset="0"/>
+              <a:buChar char="•"/>
+              <a:defRPr sz="2400" kern="1200">
+                <a:solidFill>
+                  <a:schemeClr val="tx1"/>
+                </a:solidFill>
+                <a:latin typeface="+mn-lt"/>
+                <a:ea typeface="+mn-ea"/>
+                <a:cs typeface="+mn-cs"/>
+              </a:defRPr>
+            </a:lvl2pPr>
+            <a:lvl3pPr marL="1143000" indent="-228600" algn="l" defTabSz="914400" rtl="0" eaLnBrk="1" latinLnBrk="0" hangingPunct="1">
+              <a:lnSpc>
+                <a:spcPct val="90000"/>
+              </a:lnSpc>
+              <a:spcBef>
+                <a:spcPts val="500"/>
+              </a:spcBef>
+              <a:buFont typeface="Arial" panose="020B0604020202020204" pitchFamily="34" charset="0"/>
+              <a:buChar char="•"/>
+              <a:defRPr sz="2000" kern="1200">
+                <a:solidFill>
+                  <a:schemeClr val="tx1"/>
+                </a:solidFill>
+                <a:latin typeface="+mn-lt"/>
+                <a:ea typeface="+mn-ea"/>
+                <a:cs typeface="+mn-cs"/>
+              </a:defRPr>
+            </a:lvl3pPr>
+            <a:lvl4pPr marL="1600200" indent="-228600" algn="l" defTabSz="914400" rtl="0" eaLnBrk="1" latinLnBrk="0" hangingPunct="1">
+              <a:lnSpc>
+                <a:spcPct val="90000"/>
+              </a:lnSpc>
+              <a:spcBef>
+                <a:spcPts val="500"/>
+              </a:spcBef>
+              <a:buFont typeface="Arial" panose="020B0604020202020204" pitchFamily="34" charset="0"/>
+              <a:buChar char="•"/>
+              <a:defRPr sz="1800" kern="1200">
+                <a:solidFill>
+                  <a:schemeClr val="tx1"/>
+                </a:solidFill>
+                <a:latin typeface="+mn-lt"/>
+                <a:ea typeface="+mn-ea"/>
+                <a:cs typeface="+mn-cs"/>
+              </a:defRPr>
+            </a:lvl4pPr>
+            <a:lvl5pPr marL="2057400" indent="-228600" algn="l" defTabSz="914400" rtl="0" eaLnBrk="1" latinLnBrk="0" hangingPunct="1">
+              <a:lnSpc>
+                <a:spcPct val="90000"/>
+              </a:lnSpc>
+              <a:spcBef>
+                <a:spcPts val="500"/>
+              </a:spcBef>
+              <a:buFont typeface="Arial" panose="020B0604020202020204" pitchFamily="34" charset="0"/>
+              <a:buChar char="•"/>
+              <a:defRPr sz="1800" kern="1200">
+                <a:solidFill>
+                  <a:schemeClr val="tx1"/>
+                </a:solidFill>
+                <a:latin typeface="+mn-lt"/>
+                <a:ea typeface="+mn-ea"/>
+                <a:cs typeface="+mn-cs"/>
+              </a:defRPr>
+            </a:lvl5pPr>
+            <a:lvl6pPr marL="2514600" indent="-228600" algn="l" defTabSz="914400" rtl="0" eaLnBrk="1" latinLnBrk="0" hangingPunct="1">
+              <a:lnSpc>
+                <a:spcPct val="90000"/>
+              </a:lnSpc>
+              <a:spcBef>
+                <a:spcPts val="500"/>
+              </a:spcBef>
+              <a:buFont typeface="Arial" panose="020B0604020202020204" pitchFamily="34" charset="0"/>
+              <a:buChar char="•"/>
+              <a:defRPr sz="1800" kern="1200">
+                <a:solidFill>
+                  <a:schemeClr val="tx1"/>
+                </a:solidFill>
+                <a:latin typeface="+mn-lt"/>
+                <a:ea typeface="+mn-ea"/>
+                <a:cs typeface="+mn-cs"/>
+              </a:defRPr>
+            </a:lvl6pPr>
+            <a:lvl7pPr marL="2971800" indent="-228600" algn="l" defTabSz="914400" rtl="0" eaLnBrk="1" latinLnBrk="0" hangingPunct="1">
+              <a:lnSpc>
+                <a:spcPct val="90000"/>
+              </a:lnSpc>
+              <a:spcBef>
+                <a:spcPts val="500"/>
+              </a:spcBef>
+              <a:buFont typeface="Arial" panose="020B0604020202020204" pitchFamily="34" charset="0"/>
+              <a:buChar char="•"/>
+              <a:defRPr sz="1800" kern="1200">
+                <a:solidFill>
+                  <a:schemeClr val="tx1"/>
+                </a:solidFill>
+                <a:latin typeface="+mn-lt"/>
+                <a:ea typeface="+mn-ea"/>
+                <a:cs typeface="+mn-cs"/>
+              </a:defRPr>
+            </a:lvl7pPr>
+            <a:lvl8pPr marL="3429000" indent="-228600" algn="l" defTabSz="914400" rtl="0" eaLnBrk="1" latinLnBrk="0" hangingPunct="1">
+              <a:lnSpc>
+                <a:spcPct val="90000"/>
+              </a:lnSpc>
+              <a:spcBef>
+                <a:spcPts val="500"/>
+              </a:spcBef>
+              <a:buFont typeface="Arial" panose="020B0604020202020204" pitchFamily="34" charset="0"/>
+              <a:buChar char="•"/>
+              <a:defRPr sz="1800" kern="1200">
+                <a:solidFill>
+                  <a:schemeClr val="tx1"/>
+                </a:solidFill>
+                <a:latin typeface="+mn-lt"/>
+                <a:ea typeface="+mn-ea"/>
+                <a:cs typeface="+mn-cs"/>
+              </a:defRPr>
+            </a:lvl8pPr>
+            <a:lvl9pPr marL="3886200" indent="-228600" algn="l" defTabSz="914400" rtl="0" eaLnBrk="1" latinLnBrk="0" hangingPunct="1">
+              <a:lnSpc>
+                <a:spcPct val="90000"/>
+              </a:lnSpc>
+              <a:spcBef>
+                <a:spcPts val="500"/>
+              </a:spcBef>
+              <a:buFont typeface="Arial" panose="020B0604020202020204" pitchFamily="34" charset="0"/>
+              <a:buChar char="•"/>
+              <a:defRPr sz="1800" kern="1200">
+                <a:solidFill>
+                  <a:schemeClr val="tx1"/>
+                </a:solidFill>
+                <a:latin typeface="+mn-lt"/>
+                <a:ea typeface="+mn-ea"/>
+                <a:cs typeface="+mn-cs"/>
+              </a:defRPr>
+            </a:lvl9pPr>
+          </a:lstStyle>
+          <a:p>
+            <a:pPr marL="0" indent="0">
+              <a:buFont typeface="Arial" panose="020B0604020202020204" pitchFamily="34" charset="0"/>
+              <a:buNone/>
+            </a:pPr>
+            <a:r>
+              <a:rPr lang="en-US" dirty="0"/>
+              <a:t>____________________________________________</a:t>
+            </a:r>
+            <a:endParaRPr lang="ru-RU" dirty="0"/>
+          </a:p>
+          <a:p>
+            <a:pPr marL="0" indent="0">
+              <a:buFont typeface="Arial" panose="020B0604020202020204" pitchFamily="34" charset="0"/>
+              <a:buNone/>
+            </a:pPr>
+            <a:r>
+              <a:rPr lang="en-US" dirty="0"/>
+              <a:t>*</a:t>
+            </a:r>
+            <a:r>
+              <a:rPr lang="ru-RU" dirty="0"/>
+              <a:t>для анализа использовал данные, полученные </a:t>
+            </a:r>
+            <a:r>
+              <a:rPr lang="en-US" dirty="0" err="1"/>
+              <a:t>sql</a:t>
+            </a:r>
+            <a:r>
+              <a:rPr lang="en-US" dirty="0"/>
+              <a:t>-</a:t>
+            </a:r>
+            <a:r>
+              <a:rPr lang="ru-RU" dirty="0"/>
+              <a:t>запросом для </a:t>
+            </a:r>
+            <a:r>
+              <a:rPr lang="ru-RU" dirty="0" err="1"/>
+              <a:t>директа</a:t>
+            </a:r>
+            <a:r>
+              <a:rPr lang="ru-RU" dirty="0"/>
+              <a:t> и делал сводные в файле </a:t>
+            </a:r>
+            <a:r>
+              <a:rPr lang="en-US" dirty="0" err="1"/>
+              <a:t>display_data</a:t>
+            </a:r>
+            <a:endParaRPr lang="en-US" dirty="0"/>
+          </a:p>
+          <a:p>
+            <a:pPr marL="0" indent="0">
+              <a:buFont typeface="Arial" panose="020B0604020202020204" pitchFamily="34" charset="0"/>
+              <a:buNone/>
+            </a:pPr>
+            <a:r>
+              <a:rPr lang="en" dirty="0">
+                <a:hlinkClick r:id="rId2"/>
+              </a:rPr>
+              <a:t>https://github.com/Srg-K/netology_pyda/raw/master/yandex_homework/display_data.xlsx</a:t>
+            </a:r>
+            <a:endParaRPr lang="ru-RU" dirty="0"/>
+          </a:p>
+        </p:txBody>
+      </p:sp>
+    </p:spTree>
+    <p:extLst>
+      <p:ext uri="{BB962C8B-B14F-4D97-AF65-F5344CB8AC3E}">
+        <p14:creationId xmlns:p14="http://schemas.microsoft.com/office/powerpoint/2010/main" val="3197846142"/>
+      </p:ext>
+    </p:extLst>
+  </p:cSld>
+  <p:clrMapOvr>
+    <a:masterClrMapping/>
+  </p:clrMapOvr>
+</p:sld>
+</file>
+
 <file path=ppt/slides/slide2.xml><?xml version="1.0" encoding="utf-8"?>
 <p:sld xmlns:a="http://schemas.openxmlformats.org/drawingml/2006/main" xmlns:r="http://schemas.openxmlformats.org/officeDocument/2006/relationships" xmlns:p="http://schemas.openxmlformats.org/presentationml/2006/main">
   <p:cSld>
@@ -9290,6 +13140,5066 @@
     <p:extLst>
       <p:ext uri="{BB962C8B-B14F-4D97-AF65-F5344CB8AC3E}">
         <p14:creationId xmlns:p14="http://schemas.microsoft.com/office/powerpoint/2010/main" val="3088171446"/>
+      </p:ext>
+    </p:extLst>
+  </p:cSld>
+  <p:clrMapOvr>
+    <a:masterClrMapping/>
+  </p:clrMapOvr>
+</p:sld>
+</file>
+
+<file path=ppt/slides/slide5.xml><?xml version="1.0" encoding="utf-8"?>
+<p:sld xmlns:a="http://schemas.openxmlformats.org/drawingml/2006/main" xmlns:r="http://schemas.openxmlformats.org/officeDocument/2006/relationships" xmlns:p="http://schemas.openxmlformats.org/presentationml/2006/main">
+  <p:cSld>
+    <p:spTree>
+      <p:nvGrpSpPr>
+        <p:cNvPr id="1" name=""/>
+        <p:cNvGrpSpPr/>
+        <p:nvPr/>
+      </p:nvGrpSpPr>
+      <p:grpSpPr>
+        <a:xfrm>
+          <a:off x="0" y="0"/>
+          <a:ext cx="0" cy="0"/>
+          <a:chOff x="0" y="0"/>
+          <a:chExt cx="0" cy="0"/>
+        </a:xfrm>
+      </p:grpSpPr>
+      <p:sp>
+        <p:nvSpPr>
+          <p:cNvPr id="2" name="Заголовок 1">
+            <a:extLst>
+              <a:ext uri="{FF2B5EF4-FFF2-40B4-BE49-F238E27FC236}">
+                <a16:creationId xmlns:a16="http://schemas.microsoft.com/office/drawing/2014/main" id="{99AD7E5F-01C6-694A-A0AE-881C1AD5BE85}"/>
+              </a:ext>
+            </a:extLst>
+          </p:cNvPr>
+          <p:cNvSpPr>
+            <a:spLocks noGrp="1"/>
+          </p:cNvSpPr>
+          <p:nvPr>
+            <p:ph type="title"/>
+          </p:nvPr>
+        </p:nvSpPr>
+        <p:spPr>
+          <a:xfrm>
+            <a:off x="838200" y="18255"/>
+            <a:ext cx="10515600" cy="1325563"/>
+          </a:xfrm>
+        </p:spPr>
+        <p:txBody>
+          <a:bodyPr/>
+          <a:lstStyle/>
+          <a:p>
+            <a:r>
+              <a:rPr lang="ru-RU" dirty="0" err="1"/>
+              <a:t>Хайлайты</a:t>
+            </a:r>
+            <a:r>
+              <a:rPr lang="ru-RU" dirty="0"/>
+              <a:t> и предложения</a:t>
+            </a:r>
+          </a:p>
+        </p:txBody>
+      </p:sp>
+      <p:sp>
+        <p:nvSpPr>
+          <p:cNvPr id="3" name="Объект 2">
+            <a:extLst>
+              <a:ext uri="{FF2B5EF4-FFF2-40B4-BE49-F238E27FC236}">
+                <a16:creationId xmlns:a16="http://schemas.microsoft.com/office/drawing/2014/main" id="{D7035435-1CDF-9C45-A2FE-4B034A517B41}"/>
+              </a:ext>
+            </a:extLst>
+          </p:cNvPr>
+          <p:cNvSpPr>
+            <a:spLocks noGrp="1"/>
+          </p:cNvSpPr>
+          <p:nvPr>
+            <p:ph idx="1"/>
+          </p:nvPr>
+        </p:nvSpPr>
+        <p:spPr>
+          <a:xfrm>
+            <a:off x="263950" y="1178351"/>
+            <a:ext cx="11792931" cy="5401558"/>
+          </a:xfrm>
+        </p:spPr>
+        <p:txBody>
+          <a:bodyPr>
+            <a:normAutofit fontScale="55000" lnSpcReduction="20000"/>
+          </a:bodyPr>
+          <a:lstStyle/>
+          <a:p>
+            <a:r>
+              <a:rPr lang="ru-RU" dirty="0"/>
+              <a:t>На </a:t>
+            </a:r>
+            <a:r>
+              <a:rPr lang="ru-RU" dirty="0" err="1"/>
+              <a:t>мобайле</a:t>
+            </a:r>
+            <a:r>
+              <a:rPr lang="ru-RU" dirty="0"/>
+              <a:t> лучше конверсии и дешевле </a:t>
+            </a:r>
+            <a:r>
+              <a:rPr lang="en" dirty="0"/>
+              <a:t>CPA, </a:t>
+            </a:r>
+            <a:r>
+              <a:rPr lang="ru-RU" dirty="0"/>
+              <a:t>при этом </a:t>
+            </a:r>
+            <a:r>
+              <a:rPr lang="ru-RU" dirty="0" err="1"/>
+              <a:t>бОльшая</a:t>
+            </a:r>
+            <a:r>
+              <a:rPr lang="ru-RU" dirty="0"/>
+              <a:t> часть бюджета расходуется на десктоп – надо перераспределить.</a:t>
+            </a:r>
+          </a:p>
+          <a:p>
+            <a:pPr marL="0" indent="0">
+              <a:buNone/>
+            </a:pPr>
+            <a:endParaRPr lang="ru-RU" dirty="0"/>
+          </a:p>
+          <a:p>
+            <a:r>
+              <a:rPr lang="ru-RU" dirty="0"/>
+              <a:t>Доля бюджета по этому сегменту рынка у Омеги вдвое ниже средней (6,3% </a:t>
+            </a:r>
+            <a:r>
+              <a:rPr lang="en" dirty="0"/>
+              <a:t>vs. 11%), </a:t>
+            </a:r>
+            <a:r>
+              <a:rPr lang="ru-RU" dirty="0"/>
+              <a:t>можно попробовать увеличить бюджет, учитывая, что конверсии в целом неплохие.</a:t>
+            </a:r>
+          </a:p>
+          <a:p>
+            <a:endParaRPr lang="ru-RU" dirty="0"/>
+          </a:p>
+          <a:p>
+            <a:r>
+              <a:rPr lang="ru-RU" dirty="0"/>
+              <a:t>Омега использует поиск и совсем не умеет использовать сети – на примере Гамма, Мета, Сигма видим, что использовать сети можно эффективно (надо посмотреть настройки РК и дать рекомендации). Особенно обратить внимание на формат </a:t>
+            </a:r>
+            <a:r>
+              <a:rPr lang="en" dirty="0"/>
+              <a:t>text.</a:t>
+            </a:r>
+          </a:p>
+          <a:p>
+            <a:endParaRPr lang="en" dirty="0"/>
+          </a:p>
+          <a:p>
+            <a:r>
+              <a:rPr lang="ru-RU" dirty="0"/>
+              <a:t>У Омеги что-то не так с настройками </a:t>
+            </a:r>
+            <a:r>
+              <a:rPr lang="ru-RU" dirty="0" err="1"/>
+              <a:t>ретаргетинга</a:t>
+            </a:r>
+            <a:r>
+              <a:rPr lang="ru-RU" dirty="0"/>
+              <a:t> – у большинства конкурентов он дает дешевый </a:t>
+            </a:r>
+            <a:r>
+              <a:rPr lang="en" dirty="0"/>
+              <a:t>CPA (</a:t>
+            </a:r>
+            <a:r>
+              <a:rPr lang="ru-RU" dirty="0"/>
+              <a:t>относительно других </a:t>
+            </a:r>
+            <a:r>
+              <a:rPr lang="en" dirty="0"/>
+              <a:t>targeting type). </a:t>
+            </a:r>
+            <a:r>
+              <a:rPr lang="ru-RU" dirty="0"/>
+              <a:t>Так же можно </a:t>
+            </a:r>
+            <a:r>
+              <a:rPr lang="ru-RU" dirty="0" err="1"/>
+              <a:t>потестить</a:t>
+            </a:r>
+            <a:r>
+              <a:rPr lang="ru-RU" dirty="0"/>
+              <a:t> </a:t>
+            </a:r>
+            <a:r>
+              <a:rPr lang="en" dirty="0"/>
+              <a:t>autotargeting – </a:t>
+            </a:r>
+            <a:r>
+              <a:rPr lang="ru-RU" dirty="0"/>
+              <a:t>у некоторых он дает нормальный </a:t>
+            </a:r>
+            <a:r>
+              <a:rPr lang="en" dirty="0"/>
+              <a:t>CPA.</a:t>
+            </a:r>
+          </a:p>
+          <a:p>
+            <a:endParaRPr lang="en" dirty="0"/>
+          </a:p>
+          <a:p>
+            <a:r>
+              <a:rPr lang="ru-RU" dirty="0"/>
+              <a:t>У Гаммы и Лямбды хорошие кол-ва показов при хороших </a:t>
+            </a:r>
+            <a:r>
+              <a:rPr lang="en" dirty="0"/>
+              <a:t>CPA – </a:t>
+            </a:r>
+            <a:r>
+              <a:rPr lang="ru-RU" dirty="0"/>
+              <a:t>надо найти причины хороших показов и применить к Омеге.</a:t>
+            </a:r>
+          </a:p>
+          <a:p>
+            <a:endParaRPr lang="ru-RU" dirty="0"/>
+          </a:p>
+          <a:p>
+            <a:r>
+              <a:rPr lang="ru-RU" dirty="0"/>
+              <a:t>У Зеты в 3 раза выше </a:t>
+            </a:r>
+            <a:r>
+              <a:rPr lang="en" dirty="0"/>
+              <a:t>CR </a:t>
+            </a:r>
+            <a:r>
+              <a:rPr lang="ru-RU" dirty="0"/>
+              <a:t>из показа в клик. Надо проанализировать креативы и настройки РК и дать рекомендации для Омеги.</a:t>
+            </a:r>
+          </a:p>
+          <a:p>
+            <a:endParaRPr lang="ru-RU" dirty="0"/>
+          </a:p>
+          <a:p>
+            <a:r>
+              <a:rPr lang="ru-RU" dirty="0"/>
+              <a:t>В поиске лучше всего работает брендовые запросы – лучше перераспределить на них бюджет из </a:t>
+            </a:r>
+            <a:r>
+              <a:rPr lang="en" dirty="0"/>
+              <a:t>other, </a:t>
+            </a:r>
+            <a:r>
+              <a:rPr lang="ru-RU" dirty="0"/>
+              <a:t>если возможно. Гамма, Лямбда, Сигма более эффективно работаю по запросу конкурентов – надо понять причины и применить для Омеги.</a:t>
+            </a:r>
+          </a:p>
+          <a:p>
+            <a:pPr marL="0" indent="0">
+              <a:buNone/>
+            </a:pPr>
+            <a:r>
+              <a:rPr lang="en-US" dirty="0"/>
+              <a:t>____________________________________________</a:t>
+            </a:r>
+            <a:endParaRPr lang="ru-RU" dirty="0"/>
+          </a:p>
+          <a:p>
+            <a:pPr marL="0" indent="0">
+              <a:buNone/>
+            </a:pPr>
+            <a:r>
+              <a:rPr lang="en-US" dirty="0"/>
+              <a:t>*</a:t>
+            </a:r>
+            <a:r>
+              <a:rPr lang="ru-RU" dirty="0"/>
+              <a:t>для анализа использовал данные, полученные </a:t>
+            </a:r>
+            <a:r>
+              <a:rPr lang="en-US" dirty="0" err="1"/>
+              <a:t>sql</a:t>
+            </a:r>
+            <a:r>
+              <a:rPr lang="en-US" dirty="0"/>
+              <a:t>-</a:t>
+            </a:r>
+            <a:r>
+              <a:rPr lang="ru-RU" dirty="0"/>
+              <a:t>запросом для </a:t>
+            </a:r>
+            <a:r>
+              <a:rPr lang="ru-RU" dirty="0" err="1"/>
+              <a:t>директа</a:t>
+            </a:r>
+            <a:r>
+              <a:rPr lang="ru-RU" dirty="0"/>
+              <a:t> и делал сводные в файле </a:t>
+            </a:r>
+            <a:r>
+              <a:rPr lang="en-US" dirty="0" err="1"/>
+              <a:t>direct_data</a:t>
+            </a:r>
+            <a:endParaRPr lang="en-US" dirty="0"/>
+          </a:p>
+          <a:p>
+            <a:pPr marL="0" indent="0">
+              <a:buNone/>
+            </a:pPr>
+            <a:r>
+              <a:rPr lang="en" dirty="0">
+                <a:hlinkClick r:id="rId2"/>
+              </a:rPr>
+              <a:t>https://github.com/Srg-K/netology_pyda/raw/master/yandex_homework/direct_data.xlsx</a:t>
+            </a:r>
+            <a:endParaRPr lang="en" dirty="0"/>
+          </a:p>
+        </p:txBody>
+      </p:sp>
+    </p:spTree>
+    <p:extLst>
+      <p:ext uri="{BB962C8B-B14F-4D97-AF65-F5344CB8AC3E}">
+        <p14:creationId xmlns:p14="http://schemas.microsoft.com/office/powerpoint/2010/main" val="1802948333"/>
+      </p:ext>
+    </p:extLst>
+  </p:cSld>
+  <p:clrMapOvr>
+    <a:masterClrMapping/>
+  </p:clrMapOvr>
+</p:sld>
+</file>
+
+<file path=ppt/slides/slide6.xml><?xml version="1.0" encoding="utf-8"?>
+<p:sld xmlns:a="http://schemas.openxmlformats.org/drawingml/2006/main" xmlns:r="http://schemas.openxmlformats.org/officeDocument/2006/relationships" xmlns:p="http://schemas.openxmlformats.org/presentationml/2006/main">
+  <p:cSld>
+    <p:spTree>
+      <p:nvGrpSpPr>
+        <p:cNvPr id="1" name=""/>
+        <p:cNvGrpSpPr/>
+        <p:nvPr/>
+      </p:nvGrpSpPr>
+      <p:grpSpPr>
+        <a:xfrm>
+          <a:off x="0" y="0"/>
+          <a:ext cx="0" cy="0"/>
+          <a:chOff x="0" y="0"/>
+          <a:chExt cx="0" cy="0"/>
+        </a:xfrm>
+      </p:grpSpPr>
+      <p:sp>
+        <p:nvSpPr>
+          <p:cNvPr id="2" name="Заголовок 1">
+            <a:extLst>
+              <a:ext uri="{FF2B5EF4-FFF2-40B4-BE49-F238E27FC236}">
+                <a16:creationId xmlns:a16="http://schemas.microsoft.com/office/drawing/2014/main" id="{B49334F7-4126-7F41-904D-0B2C2E8CEC52}"/>
+              </a:ext>
+            </a:extLst>
+          </p:cNvPr>
+          <p:cNvSpPr>
+            <a:spLocks noGrp="1"/>
+          </p:cNvSpPr>
+          <p:nvPr>
+            <p:ph type="ctrTitle"/>
+          </p:nvPr>
+        </p:nvSpPr>
+        <p:spPr/>
+        <p:txBody>
+          <a:bodyPr/>
+          <a:lstStyle/>
+          <a:p>
+            <a:r>
+              <a:rPr lang="ru-RU" dirty="0"/>
+              <a:t>РАСЧЕТНО-КАССОВОЕ ОБСЛУЖИВАНИЕ</a:t>
+            </a:r>
+          </a:p>
+        </p:txBody>
+      </p:sp>
+      <p:sp>
+        <p:nvSpPr>
+          <p:cNvPr id="3" name="Подзаголовок 2">
+            <a:extLst>
+              <a:ext uri="{FF2B5EF4-FFF2-40B4-BE49-F238E27FC236}">
+                <a16:creationId xmlns:a16="http://schemas.microsoft.com/office/drawing/2014/main" id="{4242A920-9FFD-A447-8115-B3C4B01AFF09}"/>
+              </a:ext>
+            </a:extLst>
+          </p:cNvPr>
+          <p:cNvSpPr>
+            <a:spLocks noGrp="1"/>
+          </p:cNvSpPr>
+          <p:nvPr>
+            <p:ph type="subTitle" idx="1"/>
+          </p:nvPr>
+        </p:nvSpPr>
+        <p:spPr/>
+        <p:txBody>
+          <a:bodyPr/>
+          <a:lstStyle/>
+          <a:p>
+            <a:r>
+              <a:rPr lang="ru-RU" dirty="0" err="1"/>
+              <a:t>Директ</a:t>
+            </a:r>
+            <a:r>
+              <a:rPr lang="ru-RU" dirty="0"/>
+              <a:t>, клиент Омега</a:t>
+            </a:r>
+          </a:p>
+        </p:txBody>
+      </p:sp>
+    </p:spTree>
+    <p:extLst>
+      <p:ext uri="{BB962C8B-B14F-4D97-AF65-F5344CB8AC3E}">
+        <p14:creationId xmlns:p14="http://schemas.microsoft.com/office/powerpoint/2010/main" val="4133289120"/>
+      </p:ext>
+    </p:extLst>
+  </p:cSld>
+  <p:clrMapOvr>
+    <a:masterClrMapping/>
+  </p:clrMapOvr>
+</p:sld>
+</file>
+
+<file path=ppt/slides/slide7.xml><?xml version="1.0" encoding="utf-8"?>
+<p:sld xmlns:a="http://schemas.openxmlformats.org/drawingml/2006/main" xmlns:r="http://schemas.openxmlformats.org/officeDocument/2006/relationships" xmlns:p="http://schemas.openxmlformats.org/presentationml/2006/main">
+  <p:cSld>
+    <p:spTree>
+      <p:nvGrpSpPr>
+        <p:cNvPr id="1" name=""/>
+        <p:cNvGrpSpPr/>
+        <p:nvPr/>
+      </p:nvGrpSpPr>
+      <p:grpSpPr>
+        <a:xfrm>
+          <a:off x="0" y="0"/>
+          <a:ext cx="0" cy="0"/>
+          <a:chOff x="0" y="0"/>
+          <a:chExt cx="0" cy="0"/>
+        </a:xfrm>
+      </p:grpSpPr>
+      <p:sp>
+        <p:nvSpPr>
+          <p:cNvPr id="2" name="Заголовок 1">
+            <a:extLst>
+              <a:ext uri="{FF2B5EF4-FFF2-40B4-BE49-F238E27FC236}">
+                <a16:creationId xmlns:a16="http://schemas.microsoft.com/office/drawing/2014/main" id="{966941F7-CE79-C14D-8875-E7C3FDA201AB}"/>
+              </a:ext>
+            </a:extLst>
+          </p:cNvPr>
+          <p:cNvSpPr>
+            <a:spLocks noGrp="1"/>
+          </p:cNvSpPr>
+          <p:nvPr>
+            <p:ph type="title"/>
+          </p:nvPr>
+        </p:nvSpPr>
+        <p:spPr>
+          <a:xfrm>
+            <a:off x="838200" y="-2523"/>
+            <a:ext cx="10515600" cy="1325563"/>
+          </a:xfrm>
+        </p:spPr>
+        <p:txBody>
+          <a:bodyPr/>
+          <a:lstStyle/>
+          <a:p>
+            <a:r>
+              <a:rPr lang="ru-RU" dirty="0"/>
+              <a:t>Положение клиента и конкурентная среда</a:t>
+            </a:r>
+          </a:p>
+        </p:txBody>
+      </p:sp>
+      <p:sp>
+        <p:nvSpPr>
+          <p:cNvPr id="3" name="Объект 2">
+            <a:extLst>
+              <a:ext uri="{FF2B5EF4-FFF2-40B4-BE49-F238E27FC236}">
+                <a16:creationId xmlns:a16="http://schemas.microsoft.com/office/drawing/2014/main" id="{0AE27D6F-E586-C045-9824-718CAB8361EE}"/>
+              </a:ext>
+            </a:extLst>
+          </p:cNvPr>
+          <p:cNvSpPr>
+            <a:spLocks noGrp="1"/>
+          </p:cNvSpPr>
+          <p:nvPr>
+            <p:ph idx="1"/>
+          </p:nvPr>
+        </p:nvSpPr>
+        <p:spPr>
+          <a:xfrm>
+            <a:off x="254524" y="1140644"/>
+            <a:ext cx="11679810" cy="2903456"/>
+          </a:xfrm>
+        </p:spPr>
+        <p:txBody>
+          <a:bodyPr>
+            <a:normAutofit fontScale="92500" lnSpcReduction="20000"/>
+          </a:bodyPr>
+          <a:lstStyle/>
+          <a:p>
+            <a:r>
+              <a:rPr lang="ru-RU" dirty="0"/>
+              <a:t>В РКО Омега так же имеет самую маленькую долю рынка (то есть долю всех целевых действий - 3,5%), </a:t>
+            </a:r>
+            <a:r>
+              <a:rPr lang="en" dirty="0"/>
+              <a:t>CPA </a:t>
+            </a:r>
+            <a:r>
+              <a:rPr lang="ru-RU" dirty="0"/>
+              <a:t>один из самых дорогих. Лидеры рынка – Гамма и Дельта (вместе составляют более половины целевых визитов), средние игроки – Зета, Омега, </a:t>
+            </a:r>
+            <a:r>
+              <a:rPr lang="ru-RU" dirty="0" err="1"/>
+              <a:t>Псилон</a:t>
+            </a:r>
+            <a:r>
+              <a:rPr lang="ru-RU" dirty="0"/>
+              <a:t> и Сигма, а Омега – аутсайдер.</a:t>
+            </a:r>
+          </a:p>
+          <a:p>
+            <a:r>
+              <a:rPr lang="ru-RU" dirty="0"/>
+              <a:t>У Омеги один из самых дорогих </a:t>
+            </a:r>
+            <a:r>
+              <a:rPr lang="en" dirty="0"/>
+              <a:t>CPA </a:t>
+            </a:r>
+            <a:r>
+              <a:rPr lang="ru-RU" dirty="0"/>
+              <a:t>и </a:t>
+            </a:r>
+            <a:r>
+              <a:rPr lang="en" dirty="0"/>
+              <a:t>CPC, </a:t>
+            </a:r>
+            <a:r>
+              <a:rPr lang="ru-RU" dirty="0"/>
+              <a:t>но при этом дешевый </a:t>
+            </a:r>
+            <a:r>
+              <a:rPr lang="en" dirty="0"/>
+              <a:t>CPV. CR </a:t>
+            </a:r>
+            <a:r>
+              <a:rPr lang="ru-RU" dirty="0"/>
+              <a:t>из показа в клик маленькая. Похоже, что реклама показывается нецелевой аудитории. А вот заинтересовавшиеся люди (кликнувшие) конвертируются нормально (</a:t>
+            </a:r>
+            <a:r>
+              <a:rPr lang="en" dirty="0"/>
+              <a:t>CR 2,05% </a:t>
+            </a:r>
+            <a:r>
+              <a:rPr lang="ru-RU" dirty="0"/>
+              <a:t>при среднем 1,71%). Нужно разобраться с настройками РК.</a:t>
+            </a:r>
+          </a:p>
+          <a:p>
+            <a:endParaRPr lang="ru-RU" dirty="0"/>
+          </a:p>
+          <a:p>
+            <a:endParaRPr lang="ru-RU" dirty="0"/>
+          </a:p>
+        </p:txBody>
+      </p:sp>
+      <p:graphicFrame>
+        <p:nvGraphicFramePr>
+          <p:cNvPr id="4" name="Таблица 3">
+            <a:extLst>
+              <a:ext uri="{FF2B5EF4-FFF2-40B4-BE49-F238E27FC236}">
+                <a16:creationId xmlns:a16="http://schemas.microsoft.com/office/drawing/2014/main" id="{C4236704-B114-9B48-A6AE-0E308E6A4887}"/>
+              </a:ext>
+            </a:extLst>
+          </p:cNvPr>
+          <p:cNvGraphicFramePr>
+            <a:graphicFrameLocks noGrp="1"/>
+          </p:cNvGraphicFramePr>
+          <p:nvPr>
+            <p:extLst>
+              <p:ext uri="{D42A27DB-BD31-4B8C-83A1-F6EECF244321}">
+                <p14:modId xmlns:p14="http://schemas.microsoft.com/office/powerpoint/2010/main" val="1524669349"/>
+              </p:ext>
+            </p:extLst>
+          </p:nvPr>
+        </p:nvGraphicFramePr>
+        <p:xfrm>
+          <a:off x="254524" y="4044099"/>
+          <a:ext cx="11679812" cy="2498104"/>
+        </p:xfrm>
+        <a:graphic>
+          <a:graphicData uri="http://schemas.openxmlformats.org/drawingml/2006/table">
+            <a:tbl>
+              <a:tblPr/>
+              <a:tblGrid>
+                <a:gridCol w="891354">
+                  <a:extLst>
+                    <a:ext uri="{9D8B030D-6E8A-4147-A177-3AD203B41FA5}">
+                      <a16:colId xmlns:a16="http://schemas.microsoft.com/office/drawing/2014/main" val="3886504585"/>
+                    </a:ext>
+                  </a:extLst>
+                </a:gridCol>
+                <a:gridCol w="1506081">
+                  <a:extLst>
+                    <a:ext uri="{9D8B030D-6E8A-4147-A177-3AD203B41FA5}">
+                      <a16:colId xmlns:a16="http://schemas.microsoft.com/office/drawing/2014/main" val="2374231518"/>
+                    </a:ext>
+                  </a:extLst>
+                </a:gridCol>
+                <a:gridCol w="891354">
+                  <a:extLst>
+                    <a:ext uri="{9D8B030D-6E8A-4147-A177-3AD203B41FA5}">
+                      <a16:colId xmlns:a16="http://schemas.microsoft.com/office/drawing/2014/main" val="2399081257"/>
+                    </a:ext>
+                  </a:extLst>
+                </a:gridCol>
+                <a:gridCol w="1260191">
+                  <a:extLst>
+                    <a:ext uri="{9D8B030D-6E8A-4147-A177-3AD203B41FA5}">
+                      <a16:colId xmlns:a16="http://schemas.microsoft.com/office/drawing/2014/main" val="1615771490"/>
+                    </a:ext>
+                  </a:extLst>
+                </a:gridCol>
+                <a:gridCol w="891354">
+                  <a:extLst>
+                    <a:ext uri="{9D8B030D-6E8A-4147-A177-3AD203B41FA5}">
+                      <a16:colId xmlns:a16="http://schemas.microsoft.com/office/drawing/2014/main" val="1971481496"/>
+                    </a:ext>
+                  </a:extLst>
+                </a:gridCol>
+                <a:gridCol w="891354">
+                  <a:extLst>
+                    <a:ext uri="{9D8B030D-6E8A-4147-A177-3AD203B41FA5}">
+                      <a16:colId xmlns:a16="http://schemas.microsoft.com/office/drawing/2014/main" val="3716175381"/>
+                    </a:ext>
+                  </a:extLst>
+                </a:gridCol>
+                <a:gridCol w="891354">
+                  <a:extLst>
+                    <a:ext uri="{9D8B030D-6E8A-4147-A177-3AD203B41FA5}">
+                      <a16:colId xmlns:a16="http://schemas.microsoft.com/office/drawing/2014/main" val="1678770519"/>
+                    </a:ext>
+                  </a:extLst>
+                </a:gridCol>
+                <a:gridCol w="891354">
+                  <a:extLst>
+                    <a:ext uri="{9D8B030D-6E8A-4147-A177-3AD203B41FA5}">
+                      <a16:colId xmlns:a16="http://schemas.microsoft.com/office/drawing/2014/main" val="2706104963"/>
+                    </a:ext>
+                  </a:extLst>
+                </a:gridCol>
+                <a:gridCol w="891354">
+                  <a:extLst>
+                    <a:ext uri="{9D8B030D-6E8A-4147-A177-3AD203B41FA5}">
+                      <a16:colId xmlns:a16="http://schemas.microsoft.com/office/drawing/2014/main" val="1103243999"/>
+                    </a:ext>
+                  </a:extLst>
+                </a:gridCol>
+                <a:gridCol w="891354">
+                  <a:extLst>
+                    <a:ext uri="{9D8B030D-6E8A-4147-A177-3AD203B41FA5}">
+                      <a16:colId xmlns:a16="http://schemas.microsoft.com/office/drawing/2014/main" val="1794288555"/>
+                    </a:ext>
+                  </a:extLst>
+                </a:gridCol>
+                <a:gridCol w="891354">
+                  <a:extLst>
+                    <a:ext uri="{9D8B030D-6E8A-4147-A177-3AD203B41FA5}">
+                      <a16:colId xmlns:a16="http://schemas.microsoft.com/office/drawing/2014/main" val="3592545720"/>
+                    </a:ext>
+                  </a:extLst>
+                </a:gridCol>
+                <a:gridCol w="891354">
+                  <a:extLst>
+                    <a:ext uri="{9D8B030D-6E8A-4147-A177-3AD203B41FA5}">
+                      <a16:colId xmlns:a16="http://schemas.microsoft.com/office/drawing/2014/main" val="1550977867"/>
+                    </a:ext>
+                  </a:extLst>
+                </a:gridCol>
+              </a:tblGrid>
+              <a:tr h="784833">
+                <a:tc>
+                  <a:txBody>
+                    <a:bodyPr/>
+                    <a:lstStyle/>
+                    <a:p>
+                      <a:pPr algn="l" fontAlgn="b"/>
+                      <a:r>
+                        <a:rPr lang="en" sz="1000" b="1" i="0" u="none" strike="noStrike">
+                          <a:solidFill>
+                            <a:srgbClr val="000000"/>
+                          </a:solidFill>
+                          <a:effectLst/>
+                          <a:latin typeface="Arial" panose="020B0604020202020204" pitchFamily="34" charset="0"/>
+                        </a:rPr>
+                        <a:t>Client</a:t>
+                      </a:r>
+                    </a:p>
+                  </a:txBody>
+                  <a:tcPr marL="9257" marR="9257" marT="9257" marB="0" anchor="b">
+                    <a:lnL>
+                      <a:noFill/>
+                    </a:lnL>
+                    <a:lnR w="6350" cap="flat" cmpd="sng" algn="ctr">
+                      <a:solidFill>
+                        <a:srgbClr val="000000"/>
+                      </a:solidFill>
+                      <a:prstDash val="solid"/>
+                      <a:round/>
+                      <a:headEnd type="none" w="med" len="med"/>
+                      <a:tailEnd type="none" w="med" len="med"/>
+                    </a:lnR>
+                    <a:lnT>
+                      <a:noFill/>
+                    </a:lnT>
+                    <a:lnB w="6350" cap="flat" cmpd="sng" algn="ctr">
+                      <a:solidFill>
+                        <a:srgbClr val="000000"/>
+                      </a:solidFill>
+                      <a:prstDash val="solid"/>
+                      <a:round/>
+                      <a:headEnd type="none" w="med" len="med"/>
+                      <a:tailEnd type="none" w="med" len="med"/>
+                    </a:lnB>
+                  </a:tcPr>
+                </a:tc>
+                <a:tc>
+                  <a:txBody>
+                    <a:bodyPr/>
+                    <a:lstStyle/>
+                    <a:p>
+                      <a:pPr algn="l" fontAlgn="b"/>
+                      <a:r>
+                        <a:rPr lang="en" sz="1000" b="1" i="0" u="none" strike="noStrike">
+                          <a:solidFill>
+                            <a:srgbClr val="000000"/>
+                          </a:solidFill>
+                          <a:effectLst/>
+                          <a:latin typeface="Arial" panose="020B0604020202020204" pitchFamily="34" charset="0"/>
+                        </a:rPr>
+                        <a:t>Budget</a:t>
+                      </a:r>
+                    </a:p>
+                  </a:txBody>
+                  <a:tcPr marL="9257" marR="9257" marT="9257" marB="0" anchor="b">
+                    <a:lnL w="6350" cap="flat" cmpd="sng" algn="ctr">
+                      <a:solidFill>
+                        <a:srgbClr val="000000"/>
+                      </a:solidFill>
+                      <a:prstDash val="solid"/>
+                      <a:round/>
+                      <a:headEnd type="none" w="med" len="med"/>
+                      <a:tailEnd type="none" w="med" len="med"/>
+                    </a:lnL>
+                    <a:lnR>
+                      <a:noFill/>
+                    </a:lnR>
+                    <a:lnT w="6350" cap="flat" cmpd="sng" algn="ctr">
+                      <a:solidFill>
+                        <a:srgbClr val="000000"/>
+                      </a:solidFill>
+                      <a:prstDash val="solid"/>
+                      <a:round/>
+                      <a:headEnd type="none" w="med" len="med"/>
+                      <a:tailEnd type="none" w="med" len="med"/>
+                    </a:lnT>
+                    <a:lnB w="6350" cap="flat" cmpd="sng" algn="ctr">
+                      <a:solidFill>
+                        <a:srgbClr val="000000"/>
+                      </a:solidFill>
+                      <a:prstDash val="solid"/>
+                      <a:round/>
+                      <a:headEnd type="none" w="med" len="med"/>
+                      <a:tailEnd type="none" w="med" len="med"/>
+                    </a:lnB>
+                  </a:tcPr>
+                </a:tc>
+                <a:tc>
+                  <a:txBody>
+                    <a:bodyPr/>
+                    <a:lstStyle/>
+                    <a:p>
+                      <a:pPr algn="l" fontAlgn="b"/>
+                      <a:r>
+                        <a:rPr lang="en" sz="1000" b="1" i="0" u="none" strike="noStrike">
+                          <a:solidFill>
+                            <a:srgbClr val="000000"/>
+                          </a:solidFill>
+                          <a:effectLst/>
+                          <a:latin typeface="Arial" panose="020B0604020202020204" pitchFamily="34" charset="0"/>
+                        </a:rPr>
+                        <a:t>Budget, %</a:t>
+                      </a:r>
+                    </a:p>
+                  </a:txBody>
+                  <a:tcPr marL="9257" marR="9257" marT="9257" marB="0" anchor="b">
+                    <a:lnL>
+                      <a:noFill/>
+                    </a:lnL>
+                    <a:lnR>
+                      <a:noFill/>
+                    </a:lnR>
+                    <a:lnT w="6350" cap="flat" cmpd="sng" algn="ctr">
+                      <a:solidFill>
+                        <a:srgbClr val="000000"/>
+                      </a:solidFill>
+                      <a:prstDash val="solid"/>
+                      <a:round/>
+                      <a:headEnd type="none" w="med" len="med"/>
+                      <a:tailEnd type="none" w="med" len="med"/>
+                    </a:lnT>
+                    <a:lnB w="6350" cap="flat" cmpd="sng" algn="ctr">
+                      <a:solidFill>
+                        <a:srgbClr val="000000"/>
+                      </a:solidFill>
+                      <a:prstDash val="solid"/>
+                      <a:round/>
+                      <a:headEnd type="none" w="med" len="med"/>
+                      <a:tailEnd type="none" w="med" len="med"/>
+                    </a:lnB>
+                  </a:tcPr>
+                </a:tc>
+                <a:tc>
+                  <a:txBody>
+                    <a:bodyPr/>
+                    <a:lstStyle/>
+                    <a:p>
+                      <a:pPr algn="l" fontAlgn="b"/>
+                      <a:r>
+                        <a:rPr lang="en" sz="1000" b="1" i="0" u="none" strike="noStrike">
+                          <a:solidFill>
+                            <a:srgbClr val="000000"/>
+                          </a:solidFill>
+                          <a:effectLst/>
+                          <a:latin typeface="Arial" panose="020B0604020202020204" pitchFamily="34" charset="0"/>
+                        </a:rPr>
+                        <a:t>Shows</a:t>
+                      </a:r>
+                    </a:p>
+                  </a:txBody>
+                  <a:tcPr marL="9257" marR="9257" marT="9257" marB="0" anchor="b">
+                    <a:lnL>
+                      <a:noFill/>
+                    </a:lnL>
+                    <a:lnR>
+                      <a:noFill/>
+                    </a:lnR>
+                    <a:lnT w="6350" cap="flat" cmpd="sng" algn="ctr">
+                      <a:solidFill>
+                        <a:srgbClr val="000000"/>
+                      </a:solidFill>
+                      <a:prstDash val="solid"/>
+                      <a:round/>
+                      <a:headEnd type="none" w="med" len="med"/>
+                      <a:tailEnd type="none" w="med" len="med"/>
+                    </a:lnT>
+                    <a:lnB w="6350" cap="flat" cmpd="sng" algn="ctr">
+                      <a:solidFill>
+                        <a:srgbClr val="000000"/>
+                      </a:solidFill>
+                      <a:prstDash val="solid"/>
+                      <a:round/>
+                      <a:headEnd type="none" w="med" len="med"/>
+                      <a:tailEnd type="none" w="med" len="med"/>
+                    </a:lnB>
+                  </a:tcPr>
+                </a:tc>
+                <a:tc>
+                  <a:txBody>
+                    <a:bodyPr/>
+                    <a:lstStyle/>
+                    <a:p>
+                      <a:pPr algn="l" fontAlgn="b"/>
+                      <a:r>
+                        <a:rPr lang="en" sz="1000" b="1" i="0" u="none" strike="noStrike">
+                          <a:solidFill>
+                            <a:srgbClr val="000000"/>
+                          </a:solidFill>
+                          <a:effectLst/>
+                          <a:latin typeface="Arial" panose="020B0604020202020204" pitchFamily="34" charset="0"/>
+                        </a:rPr>
+                        <a:t>Clicks</a:t>
+                      </a:r>
+                    </a:p>
+                  </a:txBody>
+                  <a:tcPr marL="9257" marR="9257" marT="9257" marB="0" anchor="b">
+                    <a:lnL>
+                      <a:noFill/>
+                    </a:lnL>
+                    <a:lnR>
+                      <a:noFill/>
+                    </a:lnR>
+                    <a:lnT w="6350" cap="flat" cmpd="sng" algn="ctr">
+                      <a:solidFill>
+                        <a:srgbClr val="000000"/>
+                      </a:solidFill>
+                      <a:prstDash val="solid"/>
+                      <a:round/>
+                      <a:headEnd type="none" w="med" len="med"/>
+                      <a:tailEnd type="none" w="med" len="med"/>
+                    </a:lnT>
+                    <a:lnB w="6350" cap="flat" cmpd="sng" algn="ctr">
+                      <a:solidFill>
+                        <a:srgbClr val="000000"/>
+                      </a:solidFill>
+                      <a:prstDash val="solid"/>
+                      <a:round/>
+                      <a:headEnd type="none" w="med" len="med"/>
+                      <a:tailEnd type="none" w="med" len="med"/>
+                    </a:lnB>
+                  </a:tcPr>
+                </a:tc>
+                <a:tc>
+                  <a:txBody>
+                    <a:bodyPr/>
+                    <a:lstStyle/>
+                    <a:p>
+                      <a:pPr algn="l" fontAlgn="b"/>
+                      <a:r>
+                        <a:rPr lang="en" sz="1000" b="1" i="0" u="none" strike="noStrike">
+                          <a:solidFill>
+                            <a:srgbClr val="000000"/>
+                          </a:solidFill>
+                          <a:effectLst/>
+                          <a:latin typeface="Arial" panose="020B0604020202020204" pitchFamily="34" charset="0"/>
+                        </a:rPr>
+                        <a:t>conv visits</a:t>
+                      </a:r>
+                    </a:p>
+                  </a:txBody>
+                  <a:tcPr marL="9257" marR="9257" marT="9257" marB="0" anchor="b">
+                    <a:lnL>
+                      <a:noFill/>
+                    </a:lnL>
+                    <a:lnR>
+                      <a:noFill/>
+                    </a:lnR>
+                    <a:lnT w="6350" cap="flat" cmpd="sng" algn="ctr">
+                      <a:solidFill>
+                        <a:srgbClr val="000000"/>
+                      </a:solidFill>
+                      <a:prstDash val="solid"/>
+                      <a:round/>
+                      <a:headEnd type="none" w="med" len="med"/>
+                      <a:tailEnd type="none" w="med" len="med"/>
+                    </a:lnT>
+                    <a:lnB w="6350" cap="flat" cmpd="sng" algn="ctr">
+                      <a:solidFill>
+                        <a:srgbClr val="000000"/>
+                      </a:solidFill>
+                      <a:prstDash val="solid"/>
+                      <a:round/>
+                      <a:headEnd type="none" w="med" len="med"/>
+                      <a:tailEnd type="none" w="med" len="med"/>
+                    </a:lnB>
+                  </a:tcPr>
+                </a:tc>
+                <a:tc>
+                  <a:txBody>
+                    <a:bodyPr/>
+                    <a:lstStyle/>
+                    <a:p>
+                      <a:pPr algn="l" fontAlgn="b"/>
+                      <a:r>
+                        <a:rPr lang="en" sz="1000" b="1" i="0" u="none" strike="noStrike">
+                          <a:solidFill>
+                            <a:srgbClr val="000000"/>
+                          </a:solidFill>
+                          <a:effectLst/>
+                          <a:latin typeface="Arial" panose="020B0604020202020204" pitchFamily="34" charset="0"/>
+                        </a:rPr>
+                        <a:t>conv visits, %</a:t>
+                      </a:r>
+                    </a:p>
+                  </a:txBody>
+                  <a:tcPr marL="9257" marR="9257" marT="9257" marB="0" anchor="b">
+                    <a:lnL>
+                      <a:noFill/>
+                    </a:lnL>
+                    <a:lnR w="6350" cap="flat" cmpd="sng" algn="ctr">
+                      <a:solidFill>
+                        <a:srgbClr val="000000"/>
+                      </a:solidFill>
+                      <a:prstDash val="solid"/>
+                      <a:round/>
+                      <a:headEnd type="none" w="med" len="med"/>
+                      <a:tailEnd type="none" w="med" len="med"/>
+                    </a:lnR>
+                    <a:lnT w="6350" cap="flat" cmpd="sng" algn="ctr">
+                      <a:solidFill>
+                        <a:srgbClr val="000000"/>
+                      </a:solidFill>
+                      <a:prstDash val="solid"/>
+                      <a:round/>
+                      <a:headEnd type="none" w="med" len="med"/>
+                      <a:tailEnd type="none" w="med" len="med"/>
+                    </a:lnT>
+                    <a:lnB w="6350" cap="flat" cmpd="sng" algn="ctr">
+                      <a:solidFill>
+                        <a:srgbClr val="000000"/>
+                      </a:solidFill>
+                      <a:prstDash val="solid"/>
+                      <a:round/>
+                      <a:headEnd type="none" w="med" len="med"/>
+                      <a:tailEnd type="none" w="med" len="med"/>
+                    </a:lnB>
+                  </a:tcPr>
+                </a:tc>
+                <a:tc>
+                  <a:txBody>
+                    <a:bodyPr/>
+                    <a:lstStyle/>
+                    <a:p>
+                      <a:pPr algn="l" fontAlgn="b"/>
+                      <a:r>
+                        <a:rPr lang="en" sz="1000" b="1" i="0" u="none" strike="noStrike">
+                          <a:solidFill>
+                            <a:srgbClr val="000000"/>
+                          </a:solidFill>
+                          <a:effectLst/>
+                          <a:latin typeface="Arial" panose="020B0604020202020204" pitchFamily="34" charset="0"/>
+                        </a:rPr>
+                        <a:t>CR shows-click</a:t>
+                      </a:r>
+                    </a:p>
+                  </a:txBody>
+                  <a:tcPr marL="9257" marR="9257" marT="9257" marB="0" anchor="b">
+                    <a:lnL w="6350" cap="flat" cmpd="sng" algn="ctr">
+                      <a:solidFill>
+                        <a:srgbClr val="000000"/>
+                      </a:solidFill>
+                      <a:prstDash val="solid"/>
+                      <a:round/>
+                      <a:headEnd type="none" w="med" len="med"/>
+                      <a:tailEnd type="none" w="med" len="med"/>
+                    </a:lnL>
+                    <a:lnR>
+                      <a:noFill/>
+                    </a:lnR>
+                    <a:lnT w="6350" cap="flat" cmpd="sng" algn="ctr">
+                      <a:solidFill>
+                        <a:srgbClr val="000000"/>
+                      </a:solidFill>
+                      <a:prstDash val="solid"/>
+                      <a:round/>
+                      <a:headEnd type="none" w="med" len="med"/>
+                      <a:tailEnd type="none" w="med" len="med"/>
+                    </a:lnT>
+                    <a:lnB w="6350" cap="flat" cmpd="sng" algn="ctr">
+                      <a:solidFill>
+                        <a:srgbClr val="000000"/>
+                      </a:solidFill>
+                      <a:prstDash val="solid"/>
+                      <a:round/>
+                      <a:headEnd type="none" w="med" len="med"/>
+                      <a:tailEnd type="none" w="med" len="med"/>
+                    </a:lnB>
+                  </a:tcPr>
+                </a:tc>
+                <a:tc>
+                  <a:txBody>
+                    <a:bodyPr/>
+                    <a:lstStyle/>
+                    <a:p>
+                      <a:pPr algn="l" fontAlgn="b"/>
+                      <a:r>
+                        <a:rPr lang="en" sz="1000" b="1" i="0" u="none" strike="noStrike">
+                          <a:solidFill>
+                            <a:srgbClr val="000000"/>
+                          </a:solidFill>
+                          <a:effectLst/>
+                          <a:latin typeface="Arial" panose="020B0604020202020204" pitchFamily="34" charset="0"/>
+                        </a:rPr>
+                        <a:t>CR click-conv</a:t>
+                      </a:r>
+                    </a:p>
+                  </a:txBody>
+                  <a:tcPr marL="9257" marR="9257" marT="9257" marB="0" anchor="b">
+                    <a:lnL>
+                      <a:noFill/>
+                    </a:lnL>
+                    <a:lnR w="6350" cap="flat" cmpd="sng" algn="ctr">
+                      <a:solidFill>
+                        <a:srgbClr val="000000"/>
+                      </a:solidFill>
+                      <a:prstDash val="solid"/>
+                      <a:round/>
+                      <a:headEnd type="none" w="med" len="med"/>
+                      <a:tailEnd type="none" w="med" len="med"/>
+                    </a:lnR>
+                    <a:lnT w="6350" cap="flat" cmpd="sng" algn="ctr">
+                      <a:solidFill>
+                        <a:srgbClr val="000000"/>
+                      </a:solidFill>
+                      <a:prstDash val="solid"/>
+                      <a:round/>
+                      <a:headEnd type="none" w="med" len="med"/>
+                      <a:tailEnd type="none" w="med" len="med"/>
+                    </a:lnT>
+                    <a:lnB w="6350" cap="flat" cmpd="sng" algn="ctr">
+                      <a:solidFill>
+                        <a:srgbClr val="000000"/>
+                      </a:solidFill>
+                      <a:prstDash val="solid"/>
+                      <a:round/>
+                      <a:headEnd type="none" w="med" len="med"/>
+                      <a:tailEnd type="none" w="med" len="med"/>
+                    </a:lnB>
+                  </a:tcPr>
+                </a:tc>
+                <a:tc>
+                  <a:txBody>
+                    <a:bodyPr/>
+                    <a:lstStyle/>
+                    <a:p>
+                      <a:pPr algn="l" fontAlgn="b"/>
+                      <a:r>
+                        <a:rPr lang="en" sz="1000" b="1" i="0" u="none" strike="noStrike">
+                          <a:solidFill>
+                            <a:srgbClr val="000000"/>
+                          </a:solidFill>
+                          <a:effectLst/>
+                          <a:latin typeface="Arial" panose="020B0604020202020204" pitchFamily="34" charset="0"/>
+                        </a:rPr>
+                        <a:t>CPV</a:t>
+                      </a:r>
+                    </a:p>
+                  </a:txBody>
+                  <a:tcPr marL="9257" marR="9257" marT="9257" marB="0" anchor="b">
+                    <a:lnL w="6350" cap="flat" cmpd="sng" algn="ctr">
+                      <a:solidFill>
+                        <a:srgbClr val="000000"/>
+                      </a:solidFill>
+                      <a:prstDash val="solid"/>
+                      <a:round/>
+                      <a:headEnd type="none" w="med" len="med"/>
+                      <a:tailEnd type="none" w="med" len="med"/>
+                    </a:lnL>
+                    <a:lnR>
+                      <a:noFill/>
+                    </a:lnR>
+                    <a:lnT w="6350" cap="flat" cmpd="sng" algn="ctr">
+                      <a:solidFill>
+                        <a:srgbClr val="000000"/>
+                      </a:solidFill>
+                      <a:prstDash val="solid"/>
+                      <a:round/>
+                      <a:headEnd type="none" w="med" len="med"/>
+                      <a:tailEnd type="none" w="med" len="med"/>
+                    </a:lnT>
+                    <a:lnB w="6350" cap="flat" cmpd="sng" algn="ctr">
+                      <a:solidFill>
+                        <a:srgbClr val="000000"/>
+                      </a:solidFill>
+                      <a:prstDash val="solid"/>
+                      <a:round/>
+                      <a:headEnd type="none" w="med" len="med"/>
+                      <a:tailEnd type="none" w="med" len="med"/>
+                    </a:lnB>
+                  </a:tcPr>
+                </a:tc>
+                <a:tc>
+                  <a:txBody>
+                    <a:bodyPr/>
+                    <a:lstStyle/>
+                    <a:p>
+                      <a:pPr algn="l" fontAlgn="b"/>
+                      <a:r>
+                        <a:rPr lang="en" sz="1000" b="1" i="0" u="none" strike="noStrike">
+                          <a:solidFill>
+                            <a:srgbClr val="000000"/>
+                          </a:solidFill>
+                          <a:effectLst/>
+                          <a:latin typeface="Arial" panose="020B0604020202020204" pitchFamily="34" charset="0"/>
+                        </a:rPr>
+                        <a:t>CPC</a:t>
+                      </a:r>
+                    </a:p>
+                  </a:txBody>
+                  <a:tcPr marL="9257" marR="9257" marT="9257" marB="0" anchor="b">
+                    <a:lnL>
+                      <a:noFill/>
+                    </a:lnL>
+                    <a:lnR>
+                      <a:noFill/>
+                    </a:lnR>
+                    <a:lnT w="6350" cap="flat" cmpd="sng" algn="ctr">
+                      <a:solidFill>
+                        <a:srgbClr val="000000"/>
+                      </a:solidFill>
+                      <a:prstDash val="solid"/>
+                      <a:round/>
+                      <a:headEnd type="none" w="med" len="med"/>
+                      <a:tailEnd type="none" w="med" len="med"/>
+                    </a:lnT>
+                    <a:lnB w="6350" cap="flat" cmpd="sng" algn="ctr">
+                      <a:solidFill>
+                        <a:srgbClr val="000000"/>
+                      </a:solidFill>
+                      <a:prstDash val="solid"/>
+                      <a:round/>
+                      <a:headEnd type="none" w="med" len="med"/>
+                      <a:tailEnd type="none" w="med" len="med"/>
+                    </a:lnB>
+                  </a:tcPr>
+                </a:tc>
+                <a:tc>
+                  <a:txBody>
+                    <a:bodyPr/>
+                    <a:lstStyle/>
+                    <a:p>
+                      <a:pPr algn="l" fontAlgn="b"/>
+                      <a:r>
+                        <a:rPr lang="en" sz="1000" b="1" i="0" u="none" strike="noStrike">
+                          <a:solidFill>
+                            <a:srgbClr val="000000"/>
+                          </a:solidFill>
+                          <a:effectLst/>
+                          <a:latin typeface="Arial" panose="020B0604020202020204" pitchFamily="34" charset="0"/>
+                        </a:rPr>
+                        <a:t>CPA</a:t>
+                      </a:r>
+                    </a:p>
+                  </a:txBody>
+                  <a:tcPr marL="9257" marR="9257" marT="9257" marB="0" anchor="b">
+                    <a:lnL>
+                      <a:noFill/>
+                    </a:lnL>
+                    <a:lnR w="6350" cap="flat" cmpd="sng" algn="ctr">
+                      <a:solidFill>
+                        <a:srgbClr val="000000"/>
+                      </a:solidFill>
+                      <a:prstDash val="solid"/>
+                      <a:round/>
+                      <a:headEnd type="none" w="med" len="med"/>
+                      <a:tailEnd type="none" w="med" len="med"/>
+                    </a:lnR>
+                    <a:lnT w="6350" cap="flat" cmpd="sng" algn="ctr">
+                      <a:solidFill>
+                        <a:srgbClr val="000000"/>
+                      </a:solidFill>
+                      <a:prstDash val="solid"/>
+                      <a:round/>
+                      <a:headEnd type="none" w="med" len="med"/>
+                      <a:tailEnd type="none" w="med" len="med"/>
+                    </a:lnT>
+                    <a:lnB w="6350" cap="flat" cmpd="sng" algn="ctr">
+                      <a:solidFill>
+                        <a:srgbClr val="000000"/>
+                      </a:solidFill>
+                      <a:prstDash val="solid"/>
+                      <a:round/>
+                      <a:headEnd type="none" w="med" len="med"/>
+                      <a:tailEnd type="none" w="med" len="med"/>
+                    </a:lnB>
+                  </a:tcPr>
+                </a:tc>
+                <a:extLst>
+                  <a:ext uri="{0D108BD9-81ED-4DB2-BD59-A6C34878D82A}">
+                    <a16:rowId xmlns:a16="http://schemas.microsoft.com/office/drawing/2014/main" val="53801065"/>
+                  </a:ext>
+                </a:extLst>
+              </a:tr>
+              <a:tr h="244753">
+                <a:tc>
+                  <a:txBody>
+                    <a:bodyPr/>
+                    <a:lstStyle/>
+                    <a:p>
+                      <a:pPr algn="l" fontAlgn="b"/>
+                      <a:r>
+                        <a:rPr lang="ru-RU" sz="1000" b="0" i="0" u="none" strike="noStrike">
+                          <a:solidFill>
+                            <a:srgbClr val="000000"/>
+                          </a:solidFill>
+                          <a:effectLst/>
+                          <a:latin typeface="Arial" panose="020B0604020202020204" pitchFamily="34" charset="0"/>
+                        </a:rPr>
+                        <a:t>Гамма</a:t>
+                      </a:r>
+                    </a:p>
+                  </a:txBody>
+                  <a:tcPr marL="9257" marR="9257" marT="9257" marB="0" anchor="b">
+                    <a:lnL w="6350" cap="flat" cmpd="sng" algn="ctr">
+                      <a:solidFill>
+                        <a:srgbClr val="000000"/>
+                      </a:solidFill>
+                      <a:prstDash val="solid"/>
+                      <a:round/>
+                      <a:headEnd type="none" w="med" len="med"/>
+                      <a:tailEnd type="none" w="med" len="med"/>
+                    </a:lnL>
+                    <a:lnR w="6350" cap="flat" cmpd="sng" algn="ctr">
+                      <a:solidFill>
+                        <a:srgbClr val="000000"/>
+                      </a:solidFill>
+                      <a:prstDash val="solid"/>
+                      <a:round/>
+                      <a:headEnd type="none" w="med" len="med"/>
+                      <a:tailEnd type="none" w="med" len="med"/>
+                    </a:lnR>
+                    <a:lnT w="6350" cap="flat" cmpd="sng" algn="ctr">
+                      <a:solidFill>
+                        <a:srgbClr val="000000"/>
+                      </a:solidFill>
+                      <a:prstDash val="solid"/>
+                      <a:round/>
+                      <a:headEnd type="none" w="med" len="med"/>
+                      <a:tailEnd type="none" w="med" len="med"/>
+                    </a:lnT>
+                    <a:lnB>
+                      <a:noFill/>
+                    </a:lnB>
+                  </a:tcPr>
+                </a:tc>
+                <a:tc>
+                  <a:txBody>
+                    <a:bodyPr/>
+                    <a:lstStyle/>
+                    <a:p>
+                      <a:pPr algn="l" fontAlgn="b"/>
+                      <a:r>
+                        <a:rPr lang="ru-RU" sz="1000" b="0" i="0" u="none" strike="noStrike">
+                          <a:solidFill>
+                            <a:srgbClr val="000000"/>
+                          </a:solidFill>
+                          <a:effectLst/>
+                          <a:latin typeface="Arial" panose="020B0604020202020204" pitchFamily="34" charset="0"/>
+                        </a:rPr>
+                        <a:t>                22 130 009 </a:t>
+                      </a:r>
+                    </a:p>
+                  </a:txBody>
+                  <a:tcPr marL="9257" marR="9257" marT="9257" marB="0" anchor="b">
+                    <a:lnL w="6350" cap="flat" cmpd="sng" algn="ctr">
+                      <a:solidFill>
+                        <a:srgbClr val="000000"/>
+                      </a:solidFill>
+                      <a:prstDash val="solid"/>
+                      <a:round/>
+                      <a:headEnd type="none" w="med" len="med"/>
+                      <a:tailEnd type="none" w="med" len="med"/>
+                    </a:lnL>
+                    <a:lnR>
+                      <a:noFill/>
+                    </a:lnR>
+                    <a:lnT w="6350" cap="flat" cmpd="sng" algn="ctr">
+                      <a:solidFill>
+                        <a:srgbClr val="000000"/>
+                      </a:solidFill>
+                      <a:prstDash val="solid"/>
+                      <a:round/>
+                      <a:headEnd type="none" w="med" len="med"/>
+                      <a:tailEnd type="none" w="med" len="med"/>
+                    </a:lnT>
+                    <a:lnB>
+                      <a:noFill/>
+                    </a:lnB>
+                  </a:tcPr>
+                </a:tc>
+                <a:tc>
+                  <a:txBody>
+                    <a:bodyPr/>
+                    <a:lstStyle/>
+                    <a:p>
+                      <a:pPr algn="r" fontAlgn="b"/>
+                      <a:r>
+                        <a:rPr lang="ru-RU" sz="1000" b="0" i="0" u="none" strike="noStrike">
+                          <a:solidFill>
+                            <a:srgbClr val="000000"/>
+                          </a:solidFill>
+                          <a:effectLst/>
+                          <a:latin typeface="Arial" panose="020B0604020202020204" pitchFamily="34" charset="0"/>
+                        </a:rPr>
+                        <a:t>6,5%</a:t>
+                      </a:r>
+                    </a:p>
+                  </a:txBody>
+                  <a:tcPr marL="9257" marR="9257" marT="9257" marB="0" anchor="b">
+                    <a:lnL>
+                      <a:noFill/>
+                    </a:lnL>
+                    <a:lnR>
+                      <a:noFill/>
+                    </a:lnR>
+                    <a:lnT w="6350" cap="flat" cmpd="sng" algn="ctr">
+                      <a:solidFill>
+                        <a:srgbClr val="000000"/>
+                      </a:solidFill>
+                      <a:prstDash val="solid"/>
+                      <a:round/>
+                      <a:headEnd type="none" w="med" len="med"/>
+                      <a:tailEnd type="none" w="med" len="med"/>
+                    </a:lnT>
+                    <a:lnB>
+                      <a:noFill/>
+                    </a:lnB>
+                  </a:tcPr>
+                </a:tc>
+                <a:tc>
+                  <a:txBody>
+                    <a:bodyPr/>
+                    <a:lstStyle/>
+                    <a:p>
+                      <a:pPr algn="l" fontAlgn="b"/>
+                      <a:r>
+                        <a:rPr lang="ru-RU" sz="1000" b="0" i="0" u="none" strike="noStrike">
+                          <a:solidFill>
+                            <a:srgbClr val="000000"/>
+                          </a:solidFill>
+                          <a:effectLst/>
+                          <a:latin typeface="Arial" panose="020B0604020202020204" pitchFamily="34" charset="0"/>
+                        </a:rPr>
+                        <a:t>          14 712 659 </a:t>
+                      </a:r>
+                    </a:p>
+                  </a:txBody>
+                  <a:tcPr marL="9257" marR="9257" marT="9257" marB="0" anchor="b">
+                    <a:lnL>
+                      <a:noFill/>
+                    </a:lnL>
+                    <a:lnR>
+                      <a:noFill/>
+                    </a:lnR>
+                    <a:lnT w="6350" cap="flat" cmpd="sng" algn="ctr">
+                      <a:solidFill>
+                        <a:srgbClr val="000000"/>
+                      </a:solidFill>
+                      <a:prstDash val="solid"/>
+                      <a:round/>
+                      <a:headEnd type="none" w="med" len="med"/>
+                      <a:tailEnd type="none" w="med" len="med"/>
+                    </a:lnT>
+                    <a:lnB>
+                      <a:noFill/>
+                    </a:lnB>
+                  </a:tcPr>
+                </a:tc>
+                <a:tc>
+                  <a:txBody>
+                    <a:bodyPr/>
+                    <a:lstStyle/>
+                    <a:p>
+                      <a:pPr algn="l" fontAlgn="b"/>
+                      <a:r>
+                        <a:rPr lang="ru-RU" sz="1000" b="0" i="0" u="none" strike="noStrike">
+                          <a:solidFill>
+                            <a:srgbClr val="000000"/>
+                          </a:solidFill>
+                          <a:effectLst/>
+                          <a:latin typeface="Arial" panose="020B0604020202020204" pitchFamily="34" charset="0"/>
+                        </a:rPr>
+                        <a:t>      232 057 </a:t>
+                      </a:r>
+                    </a:p>
+                  </a:txBody>
+                  <a:tcPr marL="9257" marR="9257" marT="9257" marB="0" anchor="b">
+                    <a:lnL>
+                      <a:noFill/>
+                    </a:lnL>
+                    <a:lnR>
+                      <a:noFill/>
+                    </a:lnR>
+                    <a:lnT w="6350" cap="flat" cmpd="sng" algn="ctr">
+                      <a:solidFill>
+                        <a:srgbClr val="000000"/>
+                      </a:solidFill>
+                      <a:prstDash val="solid"/>
+                      <a:round/>
+                      <a:headEnd type="none" w="med" len="med"/>
+                      <a:tailEnd type="none" w="med" len="med"/>
+                    </a:lnT>
+                    <a:lnB>
+                      <a:noFill/>
+                    </a:lnB>
+                  </a:tcPr>
+                </a:tc>
+                <a:tc>
+                  <a:txBody>
+                    <a:bodyPr/>
+                    <a:lstStyle/>
+                    <a:p>
+                      <a:pPr algn="l" fontAlgn="b"/>
+                      <a:r>
+                        <a:rPr lang="ru-RU" sz="1000" b="0" i="0" u="none" strike="noStrike">
+                          <a:solidFill>
+                            <a:srgbClr val="000000"/>
+                          </a:solidFill>
+                          <a:effectLst/>
+                          <a:latin typeface="Arial" panose="020B0604020202020204" pitchFamily="34" charset="0"/>
+                        </a:rPr>
+                        <a:t>        22 668 </a:t>
+                      </a:r>
+                    </a:p>
+                  </a:txBody>
+                  <a:tcPr marL="9257" marR="9257" marT="9257" marB="0" anchor="b">
+                    <a:lnL>
+                      <a:noFill/>
+                    </a:lnL>
+                    <a:lnR>
+                      <a:noFill/>
+                    </a:lnR>
+                    <a:lnT w="6350" cap="flat" cmpd="sng" algn="ctr">
+                      <a:solidFill>
+                        <a:srgbClr val="000000"/>
+                      </a:solidFill>
+                      <a:prstDash val="solid"/>
+                      <a:round/>
+                      <a:headEnd type="none" w="med" len="med"/>
+                      <a:tailEnd type="none" w="med" len="med"/>
+                    </a:lnT>
+                    <a:lnB>
+                      <a:noFill/>
+                    </a:lnB>
+                  </a:tcPr>
+                </a:tc>
+                <a:tc>
+                  <a:txBody>
+                    <a:bodyPr/>
+                    <a:lstStyle/>
+                    <a:p>
+                      <a:pPr algn="r" fontAlgn="b"/>
+                      <a:r>
+                        <a:rPr lang="ru-RU" sz="1000" b="0" i="0" u="none" strike="noStrike">
+                          <a:solidFill>
+                            <a:srgbClr val="000000"/>
+                          </a:solidFill>
+                          <a:effectLst/>
+                          <a:latin typeface="Arial" panose="020B0604020202020204" pitchFamily="34" charset="0"/>
+                        </a:rPr>
+                        <a:t>28,5%</a:t>
+                      </a:r>
+                    </a:p>
+                  </a:txBody>
+                  <a:tcPr marL="9257" marR="9257" marT="9257" marB="0" anchor="b">
+                    <a:lnL>
+                      <a:noFill/>
+                    </a:lnL>
+                    <a:lnR w="6350" cap="flat" cmpd="sng" algn="ctr">
+                      <a:solidFill>
+                        <a:srgbClr val="000000"/>
+                      </a:solidFill>
+                      <a:prstDash val="solid"/>
+                      <a:round/>
+                      <a:headEnd type="none" w="med" len="med"/>
+                      <a:tailEnd type="none" w="med" len="med"/>
+                    </a:lnR>
+                    <a:lnT w="6350" cap="flat" cmpd="sng" algn="ctr">
+                      <a:solidFill>
+                        <a:srgbClr val="000000"/>
+                      </a:solidFill>
+                      <a:prstDash val="solid"/>
+                      <a:round/>
+                      <a:headEnd type="none" w="med" len="med"/>
+                      <a:tailEnd type="none" w="med" len="med"/>
+                    </a:lnT>
+                    <a:lnB>
+                      <a:noFill/>
+                    </a:lnB>
+                  </a:tcPr>
+                </a:tc>
+                <a:tc>
+                  <a:txBody>
+                    <a:bodyPr/>
+                    <a:lstStyle/>
+                    <a:p>
+                      <a:pPr algn="r" fontAlgn="b"/>
+                      <a:r>
+                        <a:rPr lang="ru-RU" sz="1000" b="0" i="0" u="none" strike="noStrike">
+                          <a:solidFill>
+                            <a:srgbClr val="000000"/>
+                          </a:solidFill>
+                          <a:effectLst/>
+                          <a:latin typeface="Arial" panose="020B0604020202020204" pitchFamily="34" charset="0"/>
+                        </a:rPr>
+                        <a:t>1,58%</a:t>
+                      </a:r>
+                    </a:p>
+                  </a:txBody>
+                  <a:tcPr marL="9257" marR="9257" marT="9257" marB="0" anchor="b">
+                    <a:lnL w="6350" cap="flat" cmpd="sng" algn="ctr">
+                      <a:solidFill>
+                        <a:srgbClr val="000000"/>
+                      </a:solidFill>
+                      <a:prstDash val="solid"/>
+                      <a:round/>
+                      <a:headEnd type="none" w="med" len="med"/>
+                      <a:tailEnd type="none" w="med" len="med"/>
+                    </a:lnL>
+                    <a:lnR>
+                      <a:noFill/>
+                    </a:lnR>
+                    <a:lnT w="6350" cap="flat" cmpd="sng" algn="ctr">
+                      <a:solidFill>
+                        <a:srgbClr val="000000"/>
+                      </a:solidFill>
+                      <a:prstDash val="solid"/>
+                      <a:round/>
+                      <a:headEnd type="none" w="med" len="med"/>
+                      <a:tailEnd type="none" w="med" len="med"/>
+                    </a:lnT>
+                    <a:lnB>
+                      <a:noFill/>
+                    </a:lnB>
+                  </a:tcPr>
+                </a:tc>
+                <a:tc>
+                  <a:txBody>
+                    <a:bodyPr/>
+                    <a:lstStyle/>
+                    <a:p>
+                      <a:pPr algn="r" fontAlgn="b"/>
+                      <a:r>
+                        <a:rPr lang="ru-RU" sz="1000" b="0" i="0" u="none" strike="noStrike">
+                          <a:solidFill>
+                            <a:srgbClr val="000000"/>
+                          </a:solidFill>
+                          <a:effectLst/>
+                          <a:latin typeface="Arial" panose="020B0604020202020204" pitchFamily="34" charset="0"/>
+                        </a:rPr>
+                        <a:t>9,77%</a:t>
+                      </a:r>
+                    </a:p>
+                  </a:txBody>
+                  <a:tcPr marL="9257" marR="9257" marT="9257" marB="0" anchor="b">
+                    <a:lnL>
+                      <a:noFill/>
+                    </a:lnL>
+                    <a:lnR w="6350" cap="flat" cmpd="sng" algn="ctr">
+                      <a:solidFill>
+                        <a:srgbClr val="000000"/>
+                      </a:solidFill>
+                      <a:prstDash val="solid"/>
+                      <a:round/>
+                      <a:headEnd type="none" w="med" len="med"/>
+                      <a:tailEnd type="none" w="med" len="med"/>
+                    </a:lnR>
+                    <a:lnT w="6350" cap="flat" cmpd="sng" algn="ctr">
+                      <a:solidFill>
+                        <a:srgbClr val="000000"/>
+                      </a:solidFill>
+                      <a:prstDash val="solid"/>
+                      <a:round/>
+                      <a:headEnd type="none" w="med" len="med"/>
+                      <a:tailEnd type="none" w="med" len="med"/>
+                    </a:lnT>
+                    <a:lnB>
+                      <a:noFill/>
+                    </a:lnB>
+                  </a:tcPr>
+                </a:tc>
+                <a:tc>
+                  <a:txBody>
+                    <a:bodyPr/>
+                    <a:lstStyle/>
+                    <a:p>
+                      <a:pPr algn="l" fontAlgn="b"/>
+                      <a:r>
+                        <a:rPr lang="ru-RU" sz="1000" b="0" i="0" u="none" strike="noStrike">
+                          <a:solidFill>
+                            <a:srgbClr val="000000"/>
+                          </a:solidFill>
+                          <a:effectLst/>
+                          <a:latin typeface="Arial" panose="020B0604020202020204" pitchFamily="34" charset="0"/>
+                        </a:rPr>
+                        <a:t>         1,50 ₽ </a:t>
+                      </a:r>
+                    </a:p>
+                  </a:txBody>
+                  <a:tcPr marL="9257" marR="9257" marT="9257" marB="0" anchor="b">
+                    <a:lnL w="6350" cap="flat" cmpd="sng" algn="ctr">
+                      <a:solidFill>
+                        <a:srgbClr val="000000"/>
+                      </a:solidFill>
+                      <a:prstDash val="solid"/>
+                      <a:round/>
+                      <a:headEnd type="none" w="med" len="med"/>
+                      <a:tailEnd type="none" w="med" len="med"/>
+                    </a:lnL>
+                    <a:lnR>
+                      <a:noFill/>
+                    </a:lnR>
+                    <a:lnT w="6350" cap="flat" cmpd="sng" algn="ctr">
+                      <a:solidFill>
+                        <a:srgbClr val="000000"/>
+                      </a:solidFill>
+                      <a:prstDash val="solid"/>
+                      <a:round/>
+                      <a:headEnd type="none" w="med" len="med"/>
+                      <a:tailEnd type="none" w="med" len="med"/>
+                    </a:lnT>
+                    <a:lnB>
+                      <a:noFill/>
+                    </a:lnB>
+                  </a:tcPr>
+                </a:tc>
+                <a:tc>
+                  <a:txBody>
+                    <a:bodyPr/>
+                    <a:lstStyle/>
+                    <a:p>
+                      <a:pPr algn="l" fontAlgn="b"/>
+                      <a:r>
+                        <a:rPr lang="ru-RU" sz="1000" b="0" i="0" u="none" strike="noStrike">
+                          <a:solidFill>
+                            <a:srgbClr val="000000"/>
+                          </a:solidFill>
+                          <a:effectLst/>
+                          <a:latin typeface="Arial" panose="020B0604020202020204" pitchFamily="34" charset="0"/>
+                        </a:rPr>
+                        <a:t>       95,36 ₽ </a:t>
+                      </a:r>
+                    </a:p>
+                  </a:txBody>
+                  <a:tcPr marL="9257" marR="9257" marT="9257" marB="0" anchor="b">
+                    <a:lnL>
+                      <a:noFill/>
+                    </a:lnL>
+                    <a:lnR>
+                      <a:noFill/>
+                    </a:lnR>
+                    <a:lnT w="6350" cap="flat" cmpd="sng" algn="ctr">
+                      <a:solidFill>
+                        <a:srgbClr val="000000"/>
+                      </a:solidFill>
+                      <a:prstDash val="solid"/>
+                      <a:round/>
+                      <a:headEnd type="none" w="med" len="med"/>
+                      <a:tailEnd type="none" w="med" len="med"/>
+                    </a:lnT>
+                    <a:lnB>
+                      <a:noFill/>
+                    </a:lnB>
+                  </a:tcPr>
+                </a:tc>
+                <a:tc>
+                  <a:txBody>
+                    <a:bodyPr/>
+                    <a:lstStyle/>
+                    <a:p>
+                      <a:pPr algn="l" fontAlgn="b"/>
+                      <a:r>
+                        <a:rPr lang="ru-RU" sz="1000" b="0" i="0" u="none" strike="noStrike">
+                          <a:solidFill>
+                            <a:srgbClr val="000000"/>
+                          </a:solidFill>
+                          <a:effectLst/>
+                          <a:latin typeface="Arial" panose="020B0604020202020204" pitchFamily="34" charset="0"/>
+                        </a:rPr>
+                        <a:t>          976 ₽ </a:t>
+                      </a:r>
+                    </a:p>
+                  </a:txBody>
+                  <a:tcPr marL="9257" marR="9257" marT="9257" marB="0" anchor="b">
+                    <a:lnL>
+                      <a:noFill/>
+                    </a:lnL>
+                    <a:lnR w="6350" cap="flat" cmpd="sng" algn="ctr">
+                      <a:solidFill>
+                        <a:srgbClr val="000000"/>
+                      </a:solidFill>
+                      <a:prstDash val="solid"/>
+                      <a:round/>
+                      <a:headEnd type="none" w="med" len="med"/>
+                      <a:tailEnd type="none" w="med" len="med"/>
+                    </a:lnR>
+                    <a:lnT w="6350" cap="flat" cmpd="sng" algn="ctr">
+                      <a:solidFill>
+                        <a:srgbClr val="000000"/>
+                      </a:solidFill>
+                      <a:prstDash val="solid"/>
+                      <a:round/>
+                      <a:headEnd type="none" w="med" len="med"/>
+                      <a:tailEnd type="none" w="med" len="med"/>
+                    </a:lnT>
+                    <a:lnB>
+                      <a:noFill/>
+                    </a:lnB>
+                  </a:tcPr>
+                </a:tc>
+                <a:extLst>
+                  <a:ext uri="{0D108BD9-81ED-4DB2-BD59-A6C34878D82A}">
+                    <a16:rowId xmlns:a16="http://schemas.microsoft.com/office/drawing/2014/main" val="797610826"/>
+                  </a:ext>
+                </a:extLst>
+              </a:tr>
+              <a:tr h="244753">
+                <a:tc>
+                  <a:txBody>
+                    <a:bodyPr/>
+                    <a:lstStyle/>
+                    <a:p>
+                      <a:pPr algn="l" fontAlgn="b"/>
+                      <a:r>
+                        <a:rPr lang="ru-RU" sz="1000" b="0" i="0" u="none" strike="noStrike">
+                          <a:solidFill>
+                            <a:srgbClr val="000000"/>
+                          </a:solidFill>
+                          <a:effectLst/>
+                          <a:latin typeface="Arial" panose="020B0604020202020204" pitchFamily="34" charset="0"/>
+                        </a:rPr>
+                        <a:t>Дельта</a:t>
+                      </a:r>
+                    </a:p>
+                  </a:txBody>
+                  <a:tcPr marL="9257" marR="9257" marT="9257" marB="0" anchor="b">
+                    <a:lnL w="6350" cap="flat" cmpd="sng" algn="ctr">
+                      <a:solidFill>
+                        <a:srgbClr val="000000"/>
+                      </a:solidFill>
+                      <a:prstDash val="solid"/>
+                      <a:round/>
+                      <a:headEnd type="none" w="med" len="med"/>
+                      <a:tailEnd type="none" w="med" len="med"/>
+                    </a:lnL>
+                    <a:lnR w="6350" cap="flat" cmpd="sng" algn="ctr">
+                      <a:solidFill>
+                        <a:srgbClr val="000000"/>
+                      </a:solidFill>
+                      <a:prstDash val="solid"/>
+                      <a:round/>
+                      <a:headEnd type="none" w="med" len="med"/>
+                      <a:tailEnd type="none" w="med" len="med"/>
+                    </a:lnR>
+                    <a:lnT>
+                      <a:noFill/>
+                    </a:lnT>
+                    <a:lnB>
+                      <a:noFill/>
+                    </a:lnB>
+                  </a:tcPr>
+                </a:tc>
+                <a:tc>
+                  <a:txBody>
+                    <a:bodyPr/>
+                    <a:lstStyle/>
+                    <a:p>
+                      <a:pPr algn="l" fontAlgn="b"/>
+                      <a:r>
+                        <a:rPr lang="ru-RU" sz="1000" b="0" i="0" u="none" strike="noStrike">
+                          <a:solidFill>
+                            <a:srgbClr val="000000"/>
+                          </a:solidFill>
+                          <a:effectLst/>
+                          <a:latin typeface="Arial" panose="020B0604020202020204" pitchFamily="34" charset="0"/>
+                        </a:rPr>
+                        <a:t>              156 119 503 </a:t>
+                      </a:r>
+                    </a:p>
+                  </a:txBody>
+                  <a:tcPr marL="9257" marR="9257" marT="9257" marB="0" anchor="b">
+                    <a:lnL w="6350" cap="flat" cmpd="sng" algn="ctr">
+                      <a:solidFill>
+                        <a:srgbClr val="000000"/>
+                      </a:solidFill>
+                      <a:prstDash val="solid"/>
+                      <a:round/>
+                      <a:headEnd type="none" w="med" len="med"/>
+                      <a:tailEnd type="none" w="med" len="med"/>
+                    </a:lnL>
+                    <a:lnR>
+                      <a:noFill/>
+                    </a:lnR>
+                    <a:lnT>
+                      <a:noFill/>
+                    </a:lnT>
+                    <a:lnB>
+                      <a:noFill/>
+                    </a:lnB>
+                  </a:tcPr>
+                </a:tc>
+                <a:tc>
+                  <a:txBody>
+                    <a:bodyPr/>
+                    <a:lstStyle/>
+                    <a:p>
+                      <a:pPr algn="r" fontAlgn="b"/>
+                      <a:r>
+                        <a:rPr lang="ru-RU" sz="1000" b="0" i="0" u="none" strike="noStrike">
+                          <a:solidFill>
+                            <a:srgbClr val="000000"/>
+                          </a:solidFill>
+                          <a:effectLst/>
+                          <a:latin typeface="Arial" panose="020B0604020202020204" pitchFamily="34" charset="0"/>
+                        </a:rPr>
+                        <a:t>45,8%</a:t>
+                      </a:r>
+                    </a:p>
+                  </a:txBody>
+                  <a:tcPr marL="9257" marR="9257" marT="9257" marB="0" anchor="b">
+                    <a:lnL>
+                      <a:noFill/>
+                    </a:lnL>
+                    <a:lnR>
+                      <a:noFill/>
+                    </a:lnR>
+                    <a:lnT>
+                      <a:noFill/>
+                    </a:lnT>
+                    <a:lnB>
+                      <a:noFill/>
+                    </a:lnB>
+                  </a:tcPr>
+                </a:tc>
+                <a:tc>
+                  <a:txBody>
+                    <a:bodyPr/>
+                    <a:lstStyle/>
+                    <a:p>
+                      <a:pPr algn="l" fontAlgn="b"/>
+                      <a:r>
+                        <a:rPr lang="ru-RU" sz="1000" b="0" i="0" u="none" strike="noStrike">
+                          <a:solidFill>
+                            <a:srgbClr val="000000"/>
+                          </a:solidFill>
+                          <a:effectLst/>
+                          <a:latin typeface="Arial" panose="020B0604020202020204" pitchFamily="34" charset="0"/>
+                        </a:rPr>
+                        <a:t>        587 264 869 </a:t>
+                      </a:r>
+                    </a:p>
+                  </a:txBody>
+                  <a:tcPr marL="9257" marR="9257" marT="9257" marB="0" anchor="b">
+                    <a:lnL>
+                      <a:noFill/>
+                    </a:lnL>
+                    <a:lnR>
+                      <a:noFill/>
+                    </a:lnR>
+                    <a:lnT>
+                      <a:noFill/>
+                    </a:lnT>
+                    <a:lnB>
+                      <a:noFill/>
+                    </a:lnB>
+                  </a:tcPr>
+                </a:tc>
+                <a:tc>
+                  <a:txBody>
+                    <a:bodyPr/>
+                    <a:lstStyle/>
+                    <a:p>
+                      <a:pPr algn="l" fontAlgn="b"/>
+                      <a:r>
+                        <a:rPr lang="ru-RU" sz="1000" b="0" i="0" u="none" strike="noStrike">
+                          <a:solidFill>
+                            <a:srgbClr val="000000"/>
+                          </a:solidFill>
+                          <a:effectLst/>
+                          <a:latin typeface="Arial" panose="020B0604020202020204" pitchFamily="34" charset="0"/>
+                        </a:rPr>
+                        <a:t>   1 660 934 </a:t>
+                      </a:r>
+                    </a:p>
+                  </a:txBody>
+                  <a:tcPr marL="9257" marR="9257" marT="9257" marB="0" anchor="b">
+                    <a:lnL>
+                      <a:noFill/>
+                    </a:lnL>
+                    <a:lnR>
+                      <a:noFill/>
+                    </a:lnR>
+                    <a:lnT>
+                      <a:noFill/>
+                    </a:lnT>
+                    <a:lnB>
+                      <a:noFill/>
+                    </a:lnB>
+                  </a:tcPr>
+                </a:tc>
+                <a:tc>
+                  <a:txBody>
+                    <a:bodyPr/>
+                    <a:lstStyle/>
+                    <a:p>
+                      <a:pPr algn="l" fontAlgn="b"/>
+                      <a:r>
+                        <a:rPr lang="ru-RU" sz="1000" b="0" i="0" u="none" strike="noStrike">
+                          <a:solidFill>
+                            <a:srgbClr val="000000"/>
+                          </a:solidFill>
+                          <a:effectLst/>
+                          <a:latin typeface="Arial" panose="020B0604020202020204" pitchFamily="34" charset="0"/>
+                        </a:rPr>
+                        <a:t>        20 399 </a:t>
+                      </a:r>
+                    </a:p>
+                  </a:txBody>
+                  <a:tcPr marL="9257" marR="9257" marT="9257" marB="0" anchor="b">
+                    <a:lnL>
+                      <a:noFill/>
+                    </a:lnL>
+                    <a:lnR>
+                      <a:noFill/>
+                    </a:lnR>
+                    <a:lnT>
+                      <a:noFill/>
+                    </a:lnT>
+                    <a:lnB>
+                      <a:noFill/>
+                    </a:lnB>
+                  </a:tcPr>
+                </a:tc>
+                <a:tc>
+                  <a:txBody>
+                    <a:bodyPr/>
+                    <a:lstStyle/>
+                    <a:p>
+                      <a:pPr algn="r" fontAlgn="b"/>
+                      <a:r>
+                        <a:rPr lang="ru-RU" sz="1000" b="0" i="0" u="none" strike="noStrike">
+                          <a:solidFill>
+                            <a:srgbClr val="000000"/>
+                          </a:solidFill>
+                          <a:effectLst/>
+                          <a:latin typeface="Arial" panose="020B0604020202020204" pitchFamily="34" charset="0"/>
+                        </a:rPr>
+                        <a:t>25,7%</a:t>
+                      </a:r>
+                    </a:p>
+                  </a:txBody>
+                  <a:tcPr marL="9257" marR="9257" marT="9257" marB="0" anchor="b">
+                    <a:lnL>
+                      <a:noFill/>
+                    </a:lnL>
+                    <a:lnR w="6350" cap="flat" cmpd="sng" algn="ctr">
+                      <a:solidFill>
+                        <a:srgbClr val="000000"/>
+                      </a:solidFill>
+                      <a:prstDash val="solid"/>
+                      <a:round/>
+                      <a:headEnd type="none" w="med" len="med"/>
+                      <a:tailEnd type="none" w="med" len="med"/>
+                    </a:lnR>
+                    <a:lnT>
+                      <a:noFill/>
+                    </a:lnT>
+                    <a:lnB>
+                      <a:noFill/>
+                    </a:lnB>
+                  </a:tcPr>
+                </a:tc>
+                <a:tc>
+                  <a:txBody>
+                    <a:bodyPr/>
+                    <a:lstStyle/>
+                    <a:p>
+                      <a:pPr algn="r" fontAlgn="b"/>
+                      <a:r>
+                        <a:rPr lang="ru-RU" sz="1000" b="0" i="0" u="none" strike="noStrike">
+                          <a:solidFill>
+                            <a:srgbClr val="000000"/>
+                          </a:solidFill>
+                          <a:effectLst/>
+                          <a:latin typeface="Arial" panose="020B0604020202020204" pitchFamily="34" charset="0"/>
+                        </a:rPr>
+                        <a:t>0,28%</a:t>
+                      </a:r>
+                    </a:p>
+                  </a:txBody>
+                  <a:tcPr marL="9257" marR="9257" marT="9257" marB="0" anchor="b">
+                    <a:lnL w="6350" cap="flat" cmpd="sng" algn="ctr">
+                      <a:solidFill>
+                        <a:srgbClr val="000000"/>
+                      </a:solidFill>
+                      <a:prstDash val="solid"/>
+                      <a:round/>
+                      <a:headEnd type="none" w="med" len="med"/>
+                      <a:tailEnd type="none" w="med" len="med"/>
+                    </a:lnL>
+                    <a:lnR>
+                      <a:noFill/>
+                    </a:lnR>
+                    <a:lnT>
+                      <a:noFill/>
+                    </a:lnT>
+                    <a:lnB>
+                      <a:noFill/>
+                    </a:lnB>
+                  </a:tcPr>
+                </a:tc>
+                <a:tc>
+                  <a:txBody>
+                    <a:bodyPr/>
+                    <a:lstStyle/>
+                    <a:p>
+                      <a:pPr algn="r" fontAlgn="b"/>
+                      <a:r>
+                        <a:rPr lang="ru-RU" sz="1000" b="0" i="0" u="none" strike="noStrike">
+                          <a:solidFill>
+                            <a:srgbClr val="000000"/>
+                          </a:solidFill>
+                          <a:effectLst/>
+                          <a:latin typeface="Arial" panose="020B0604020202020204" pitchFamily="34" charset="0"/>
+                        </a:rPr>
+                        <a:t>1,23%</a:t>
+                      </a:r>
+                    </a:p>
+                  </a:txBody>
+                  <a:tcPr marL="9257" marR="9257" marT="9257" marB="0" anchor="b">
+                    <a:lnL>
+                      <a:noFill/>
+                    </a:lnL>
+                    <a:lnR w="6350" cap="flat" cmpd="sng" algn="ctr">
+                      <a:solidFill>
+                        <a:srgbClr val="000000"/>
+                      </a:solidFill>
+                      <a:prstDash val="solid"/>
+                      <a:round/>
+                      <a:headEnd type="none" w="med" len="med"/>
+                      <a:tailEnd type="none" w="med" len="med"/>
+                    </a:lnR>
+                    <a:lnT>
+                      <a:noFill/>
+                    </a:lnT>
+                    <a:lnB>
+                      <a:noFill/>
+                    </a:lnB>
+                  </a:tcPr>
+                </a:tc>
+                <a:tc>
+                  <a:txBody>
+                    <a:bodyPr/>
+                    <a:lstStyle/>
+                    <a:p>
+                      <a:pPr algn="l" fontAlgn="b"/>
+                      <a:r>
+                        <a:rPr lang="ru-RU" sz="1000" b="0" i="0" u="none" strike="noStrike">
+                          <a:solidFill>
+                            <a:srgbClr val="000000"/>
+                          </a:solidFill>
+                          <a:effectLst/>
+                          <a:latin typeface="Arial" panose="020B0604020202020204" pitchFamily="34" charset="0"/>
+                        </a:rPr>
+                        <a:t>         0,27 ₽ </a:t>
+                      </a:r>
+                    </a:p>
+                  </a:txBody>
+                  <a:tcPr marL="9257" marR="9257" marT="9257" marB="0" anchor="b">
+                    <a:lnL w="6350" cap="flat" cmpd="sng" algn="ctr">
+                      <a:solidFill>
+                        <a:srgbClr val="000000"/>
+                      </a:solidFill>
+                      <a:prstDash val="solid"/>
+                      <a:round/>
+                      <a:headEnd type="none" w="med" len="med"/>
+                      <a:tailEnd type="none" w="med" len="med"/>
+                    </a:lnL>
+                    <a:lnR>
+                      <a:noFill/>
+                    </a:lnR>
+                    <a:lnT>
+                      <a:noFill/>
+                    </a:lnT>
+                    <a:lnB>
+                      <a:noFill/>
+                    </a:lnB>
+                  </a:tcPr>
+                </a:tc>
+                <a:tc>
+                  <a:txBody>
+                    <a:bodyPr/>
+                    <a:lstStyle/>
+                    <a:p>
+                      <a:pPr algn="l" fontAlgn="b"/>
+                      <a:r>
+                        <a:rPr lang="ru-RU" sz="1000" b="0" i="0" u="none" strike="noStrike">
+                          <a:solidFill>
+                            <a:srgbClr val="000000"/>
+                          </a:solidFill>
+                          <a:effectLst/>
+                          <a:latin typeface="Arial" panose="020B0604020202020204" pitchFamily="34" charset="0"/>
+                        </a:rPr>
+                        <a:t>       94,00 ₽ </a:t>
+                      </a:r>
+                    </a:p>
+                  </a:txBody>
+                  <a:tcPr marL="9257" marR="9257" marT="9257" marB="0" anchor="b">
+                    <a:lnL>
+                      <a:noFill/>
+                    </a:lnL>
+                    <a:lnR>
+                      <a:noFill/>
+                    </a:lnR>
+                    <a:lnT>
+                      <a:noFill/>
+                    </a:lnT>
+                    <a:lnB>
+                      <a:noFill/>
+                    </a:lnB>
+                  </a:tcPr>
+                </a:tc>
+                <a:tc>
+                  <a:txBody>
+                    <a:bodyPr/>
+                    <a:lstStyle/>
+                    <a:p>
+                      <a:pPr algn="l" fontAlgn="b"/>
+                      <a:r>
+                        <a:rPr lang="ru-RU" sz="1000" b="0" i="0" u="none" strike="noStrike">
+                          <a:solidFill>
+                            <a:srgbClr val="000000"/>
+                          </a:solidFill>
+                          <a:effectLst/>
+                          <a:latin typeface="Arial" panose="020B0604020202020204" pitchFamily="34" charset="0"/>
+                        </a:rPr>
+                        <a:t>       7 653 ₽ </a:t>
+                      </a:r>
+                    </a:p>
+                  </a:txBody>
+                  <a:tcPr marL="9257" marR="9257" marT="9257" marB="0" anchor="b">
+                    <a:lnL>
+                      <a:noFill/>
+                    </a:lnL>
+                    <a:lnR w="6350" cap="flat" cmpd="sng" algn="ctr">
+                      <a:solidFill>
+                        <a:srgbClr val="000000"/>
+                      </a:solidFill>
+                      <a:prstDash val="solid"/>
+                      <a:round/>
+                      <a:headEnd type="none" w="med" len="med"/>
+                      <a:tailEnd type="none" w="med" len="med"/>
+                    </a:lnR>
+                    <a:lnT>
+                      <a:noFill/>
+                    </a:lnT>
+                    <a:lnB>
+                      <a:noFill/>
+                    </a:lnB>
+                  </a:tcPr>
+                </a:tc>
+                <a:extLst>
+                  <a:ext uri="{0D108BD9-81ED-4DB2-BD59-A6C34878D82A}">
+                    <a16:rowId xmlns:a16="http://schemas.microsoft.com/office/drawing/2014/main" val="1906894756"/>
+                  </a:ext>
+                </a:extLst>
+              </a:tr>
+              <a:tr h="244753">
+                <a:tc>
+                  <a:txBody>
+                    <a:bodyPr/>
+                    <a:lstStyle/>
+                    <a:p>
+                      <a:pPr algn="l" fontAlgn="b"/>
+                      <a:r>
+                        <a:rPr lang="ru-RU" sz="1000" b="0" i="0" u="none" strike="noStrike">
+                          <a:solidFill>
+                            <a:srgbClr val="000000"/>
+                          </a:solidFill>
+                          <a:effectLst/>
+                          <a:latin typeface="Arial" panose="020B0604020202020204" pitchFamily="34" charset="0"/>
+                        </a:rPr>
+                        <a:t>Зета</a:t>
+                      </a:r>
+                    </a:p>
+                  </a:txBody>
+                  <a:tcPr marL="9257" marR="9257" marT="9257" marB="0" anchor="b">
+                    <a:lnL w="6350" cap="flat" cmpd="sng" algn="ctr">
+                      <a:solidFill>
+                        <a:srgbClr val="000000"/>
+                      </a:solidFill>
+                      <a:prstDash val="solid"/>
+                      <a:round/>
+                      <a:headEnd type="none" w="med" len="med"/>
+                      <a:tailEnd type="none" w="med" len="med"/>
+                    </a:lnL>
+                    <a:lnR w="6350" cap="flat" cmpd="sng" algn="ctr">
+                      <a:solidFill>
+                        <a:srgbClr val="000000"/>
+                      </a:solidFill>
+                      <a:prstDash val="solid"/>
+                      <a:round/>
+                      <a:headEnd type="none" w="med" len="med"/>
+                      <a:tailEnd type="none" w="med" len="med"/>
+                    </a:lnR>
+                    <a:lnT>
+                      <a:noFill/>
+                    </a:lnT>
+                    <a:lnB>
+                      <a:noFill/>
+                    </a:lnB>
+                  </a:tcPr>
+                </a:tc>
+                <a:tc>
+                  <a:txBody>
+                    <a:bodyPr/>
+                    <a:lstStyle/>
+                    <a:p>
+                      <a:pPr algn="l" fontAlgn="b"/>
+                      <a:r>
+                        <a:rPr lang="ru-RU" sz="1000" b="0" i="0" u="none" strike="noStrike">
+                          <a:solidFill>
+                            <a:srgbClr val="000000"/>
+                          </a:solidFill>
+                          <a:effectLst/>
+                          <a:latin typeface="Arial" panose="020B0604020202020204" pitchFamily="34" charset="0"/>
+                        </a:rPr>
+                        <a:t>                47 075 009 </a:t>
+                      </a:r>
+                    </a:p>
+                  </a:txBody>
+                  <a:tcPr marL="9257" marR="9257" marT="9257" marB="0" anchor="b">
+                    <a:lnL w="6350" cap="flat" cmpd="sng" algn="ctr">
+                      <a:solidFill>
+                        <a:srgbClr val="000000"/>
+                      </a:solidFill>
+                      <a:prstDash val="solid"/>
+                      <a:round/>
+                      <a:headEnd type="none" w="med" len="med"/>
+                      <a:tailEnd type="none" w="med" len="med"/>
+                    </a:lnL>
+                    <a:lnR>
+                      <a:noFill/>
+                    </a:lnR>
+                    <a:lnT>
+                      <a:noFill/>
+                    </a:lnT>
+                    <a:lnB>
+                      <a:noFill/>
+                    </a:lnB>
+                  </a:tcPr>
+                </a:tc>
+                <a:tc>
+                  <a:txBody>
+                    <a:bodyPr/>
+                    <a:lstStyle/>
+                    <a:p>
+                      <a:pPr algn="r" fontAlgn="b"/>
+                      <a:r>
+                        <a:rPr lang="ru-RU" sz="1000" b="0" i="0" u="none" strike="noStrike">
+                          <a:solidFill>
+                            <a:srgbClr val="000000"/>
+                          </a:solidFill>
+                          <a:effectLst/>
+                          <a:latin typeface="Arial" panose="020B0604020202020204" pitchFamily="34" charset="0"/>
+                        </a:rPr>
+                        <a:t>13,8%</a:t>
+                      </a:r>
+                    </a:p>
+                  </a:txBody>
+                  <a:tcPr marL="9257" marR="9257" marT="9257" marB="0" anchor="b">
+                    <a:lnL>
+                      <a:noFill/>
+                    </a:lnL>
+                    <a:lnR>
+                      <a:noFill/>
+                    </a:lnR>
+                    <a:lnT>
+                      <a:noFill/>
+                    </a:lnT>
+                    <a:lnB>
+                      <a:noFill/>
+                    </a:lnB>
+                  </a:tcPr>
+                </a:tc>
+                <a:tc>
+                  <a:txBody>
+                    <a:bodyPr/>
+                    <a:lstStyle/>
+                    <a:p>
+                      <a:pPr algn="l" fontAlgn="b"/>
+                      <a:r>
+                        <a:rPr lang="ru-RU" sz="1000" b="0" i="0" u="none" strike="noStrike">
+                          <a:solidFill>
+                            <a:srgbClr val="000000"/>
+                          </a:solidFill>
+                          <a:effectLst/>
+                          <a:latin typeface="Arial" panose="020B0604020202020204" pitchFamily="34" charset="0"/>
+                        </a:rPr>
+                        <a:t>            5 777 903 </a:t>
+                      </a:r>
+                    </a:p>
+                  </a:txBody>
+                  <a:tcPr marL="9257" marR="9257" marT="9257" marB="0" anchor="b">
+                    <a:lnL>
+                      <a:noFill/>
+                    </a:lnL>
+                    <a:lnR>
+                      <a:noFill/>
+                    </a:lnR>
+                    <a:lnT>
+                      <a:noFill/>
+                    </a:lnT>
+                    <a:lnB>
+                      <a:noFill/>
+                    </a:lnB>
+                  </a:tcPr>
+                </a:tc>
+                <a:tc>
+                  <a:txBody>
+                    <a:bodyPr/>
+                    <a:lstStyle/>
+                    <a:p>
+                      <a:pPr algn="l" fontAlgn="b"/>
+                      <a:r>
+                        <a:rPr lang="ru-RU" sz="1000" b="0" i="0" u="none" strike="noStrike">
+                          <a:solidFill>
+                            <a:srgbClr val="000000"/>
+                          </a:solidFill>
+                          <a:effectLst/>
+                          <a:latin typeface="Arial" panose="020B0604020202020204" pitchFamily="34" charset="0"/>
+                        </a:rPr>
+                        <a:t>      234 354 </a:t>
+                      </a:r>
+                    </a:p>
+                  </a:txBody>
+                  <a:tcPr marL="9257" marR="9257" marT="9257" marB="0" anchor="b">
+                    <a:lnL>
+                      <a:noFill/>
+                    </a:lnL>
+                    <a:lnR>
+                      <a:noFill/>
+                    </a:lnR>
+                    <a:lnT>
+                      <a:noFill/>
+                    </a:lnT>
+                    <a:lnB>
+                      <a:noFill/>
+                    </a:lnB>
+                  </a:tcPr>
+                </a:tc>
+                <a:tc>
+                  <a:txBody>
+                    <a:bodyPr/>
+                    <a:lstStyle/>
+                    <a:p>
+                      <a:pPr algn="l" fontAlgn="b"/>
+                      <a:r>
+                        <a:rPr lang="ru-RU" sz="1000" b="0" i="0" u="none" strike="noStrike">
+                          <a:solidFill>
+                            <a:srgbClr val="000000"/>
+                          </a:solidFill>
+                          <a:effectLst/>
+                          <a:latin typeface="Arial" panose="020B0604020202020204" pitchFamily="34" charset="0"/>
+                        </a:rPr>
+                        <a:t>        11 910 </a:t>
+                      </a:r>
+                    </a:p>
+                  </a:txBody>
+                  <a:tcPr marL="9257" marR="9257" marT="9257" marB="0" anchor="b">
+                    <a:lnL>
+                      <a:noFill/>
+                    </a:lnL>
+                    <a:lnR>
+                      <a:noFill/>
+                    </a:lnR>
+                    <a:lnT>
+                      <a:noFill/>
+                    </a:lnT>
+                    <a:lnB>
+                      <a:noFill/>
+                    </a:lnB>
+                  </a:tcPr>
+                </a:tc>
+                <a:tc>
+                  <a:txBody>
+                    <a:bodyPr/>
+                    <a:lstStyle/>
+                    <a:p>
+                      <a:pPr algn="r" fontAlgn="b"/>
+                      <a:r>
+                        <a:rPr lang="ru-RU" sz="1000" b="0" i="0" u="none" strike="noStrike">
+                          <a:solidFill>
+                            <a:srgbClr val="000000"/>
+                          </a:solidFill>
+                          <a:effectLst/>
+                          <a:latin typeface="Arial" panose="020B0604020202020204" pitchFamily="34" charset="0"/>
+                        </a:rPr>
+                        <a:t>15,0%</a:t>
+                      </a:r>
+                    </a:p>
+                  </a:txBody>
+                  <a:tcPr marL="9257" marR="9257" marT="9257" marB="0" anchor="b">
+                    <a:lnL>
+                      <a:noFill/>
+                    </a:lnL>
+                    <a:lnR w="6350" cap="flat" cmpd="sng" algn="ctr">
+                      <a:solidFill>
+                        <a:srgbClr val="000000"/>
+                      </a:solidFill>
+                      <a:prstDash val="solid"/>
+                      <a:round/>
+                      <a:headEnd type="none" w="med" len="med"/>
+                      <a:tailEnd type="none" w="med" len="med"/>
+                    </a:lnR>
+                    <a:lnT>
+                      <a:noFill/>
+                    </a:lnT>
+                    <a:lnB>
+                      <a:noFill/>
+                    </a:lnB>
+                  </a:tcPr>
+                </a:tc>
+                <a:tc>
+                  <a:txBody>
+                    <a:bodyPr/>
+                    <a:lstStyle/>
+                    <a:p>
+                      <a:pPr algn="r" fontAlgn="b"/>
+                      <a:r>
+                        <a:rPr lang="ru-RU" sz="1000" b="0" i="0" u="none" strike="noStrike">
+                          <a:solidFill>
+                            <a:srgbClr val="000000"/>
+                          </a:solidFill>
+                          <a:effectLst/>
+                          <a:latin typeface="Arial" panose="020B0604020202020204" pitchFamily="34" charset="0"/>
+                        </a:rPr>
+                        <a:t>4,06%</a:t>
+                      </a:r>
+                    </a:p>
+                  </a:txBody>
+                  <a:tcPr marL="9257" marR="9257" marT="9257" marB="0" anchor="b">
+                    <a:lnL w="6350" cap="flat" cmpd="sng" algn="ctr">
+                      <a:solidFill>
+                        <a:srgbClr val="000000"/>
+                      </a:solidFill>
+                      <a:prstDash val="solid"/>
+                      <a:round/>
+                      <a:headEnd type="none" w="med" len="med"/>
+                      <a:tailEnd type="none" w="med" len="med"/>
+                    </a:lnL>
+                    <a:lnR>
+                      <a:noFill/>
+                    </a:lnR>
+                    <a:lnT>
+                      <a:noFill/>
+                    </a:lnT>
+                    <a:lnB>
+                      <a:noFill/>
+                    </a:lnB>
+                  </a:tcPr>
+                </a:tc>
+                <a:tc>
+                  <a:txBody>
+                    <a:bodyPr/>
+                    <a:lstStyle/>
+                    <a:p>
+                      <a:pPr algn="r" fontAlgn="b"/>
+                      <a:r>
+                        <a:rPr lang="ru-RU" sz="1000" b="0" i="0" u="none" strike="noStrike">
+                          <a:solidFill>
+                            <a:srgbClr val="000000"/>
+                          </a:solidFill>
+                          <a:effectLst/>
+                          <a:latin typeface="Arial" panose="020B0604020202020204" pitchFamily="34" charset="0"/>
+                        </a:rPr>
+                        <a:t>5,08%</a:t>
+                      </a:r>
+                    </a:p>
+                  </a:txBody>
+                  <a:tcPr marL="9257" marR="9257" marT="9257" marB="0" anchor="b">
+                    <a:lnL>
+                      <a:noFill/>
+                    </a:lnL>
+                    <a:lnR w="6350" cap="flat" cmpd="sng" algn="ctr">
+                      <a:solidFill>
+                        <a:srgbClr val="000000"/>
+                      </a:solidFill>
+                      <a:prstDash val="solid"/>
+                      <a:round/>
+                      <a:headEnd type="none" w="med" len="med"/>
+                      <a:tailEnd type="none" w="med" len="med"/>
+                    </a:lnR>
+                    <a:lnT>
+                      <a:noFill/>
+                    </a:lnT>
+                    <a:lnB>
+                      <a:noFill/>
+                    </a:lnB>
+                  </a:tcPr>
+                </a:tc>
+                <a:tc>
+                  <a:txBody>
+                    <a:bodyPr/>
+                    <a:lstStyle/>
+                    <a:p>
+                      <a:pPr algn="l" fontAlgn="b"/>
+                      <a:r>
+                        <a:rPr lang="ru-RU" sz="1000" b="0" i="0" u="none" strike="noStrike">
+                          <a:solidFill>
+                            <a:srgbClr val="000000"/>
+                          </a:solidFill>
+                          <a:effectLst/>
+                          <a:latin typeface="Arial" panose="020B0604020202020204" pitchFamily="34" charset="0"/>
+                        </a:rPr>
+                        <a:t>         8,15 ₽ </a:t>
+                      </a:r>
+                    </a:p>
+                  </a:txBody>
+                  <a:tcPr marL="9257" marR="9257" marT="9257" marB="0" anchor="b">
+                    <a:lnL w="6350" cap="flat" cmpd="sng" algn="ctr">
+                      <a:solidFill>
+                        <a:srgbClr val="000000"/>
+                      </a:solidFill>
+                      <a:prstDash val="solid"/>
+                      <a:round/>
+                      <a:headEnd type="none" w="med" len="med"/>
+                      <a:tailEnd type="none" w="med" len="med"/>
+                    </a:lnL>
+                    <a:lnR>
+                      <a:noFill/>
+                    </a:lnR>
+                    <a:lnT>
+                      <a:noFill/>
+                    </a:lnT>
+                    <a:lnB>
+                      <a:noFill/>
+                    </a:lnB>
+                  </a:tcPr>
+                </a:tc>
+                <a:tc>
+                  <a:txBody>
+                    <a:bodyPr/>
+                    <a:lstStyle/>
+                    <a:p>
+                      <a:pPr algn="l" fontAlgn="b"/>
+                      <a:r>
+                        <a:rPr lang="ru-RU" sz="1000" b="0" i="0" u="none" strike="noStrike">
+                          <a:solidFill>
+                            <a:srgbClr val="000000"/>
+                          </a:solidFill>
+                          <a:effectLst/>
+                          <a:latin typeface="Arial" panose="020B0604020202020204" pitchFamily="34" charset="0"/>
+                        </a:rPr>
+                        <a:t>     200,87 ₽ </a:t>
+                      </a:r>
+                    </a:p>
+                  </a:txBody>
+                  <a:tcPr marL="9257" marR="9257" marT="9257" marB="0" anchor="b">
+                    <a:lnL>
+                      <a:noFill/>
+                    </a:lnL>
+                    <a:lnR>
+                      <a:noFill/>
+                    </a:lnR>
+                    <a:lnT>
+                      <a:noFill/>
+                    </a:lnT>
+                    <a:lnB>
+                      <a:noFill/>
+                    </a:lnB>
+                  </a:tcPr>
+                </a:tc>
+                <a:tc>
+                  <a:txBody>
+                    <a:bodyPr/>
+                    <a:lstStyle/>
+                    <a:p>
+                      <a:pPr algn="l" fontAlgn="b"/>
+                      <a:r>
+                        <a:rPr lang="ru-RU" sz="1000" b="0" i="0" u="none" strike="noStrike">
+                          <a:solidFill>
+                            <a:srgbClr val="000000"/>
+                          </a:solidFill>
+                          <a:effectLst/>
+                          <a:latin typeface="Arial" panose="020B0604020202020204" pitchFamily="34" charset="0"/>
+                        </a:rPr>
+                        <a:t>       3 953 ₽ </a:t>
+                      </a:r>
+                    </a:p>
+                  </a:txBody>
+                  <a:tcPr marL="9257" marR="9257" marT="9257" marB="0" anchor="b">
+                    <a:lnL>
+                      <a:noFill/>
+                    </a:lnL>
+                    <a:lnR w="6350" cap="flat" cmpd="sng" algn="ctr">
+                      <a:solidFill>
+                        <a:srgbClr val="000000"/>
+                      </a:solidFill>
+                      <a:prstDash val="solid"/>
+                      <a:round/>
+                      <a:headEnd type="none" w="med" len="med"/>
+                      <a:tailEnd type="none" w="med" len="med"/>
+                    </a:lnR>
+                    <a:lnT>
+                      <a:noFill/>
+                    </a:lnT>
+                    <a:lnB>
+                      <a:noFill/>
+                    </a:lnB>
+                  </a:tcPr>
+                </a:tc>
+                <a:extLst>
+                  <a:ext uri="{0D108BD9-81ED-4DB2-BD59-A6C34878D82A}">
+                    <a16:rowId xmlns:a16="http://schemas.microsoft.com/office/drawing/2014/main" val="2624950725"/>
+                  </a:ext>
+                </a:extLst>
+              </a:tr>
+              <a:tr h="244753">
+                <a:tc>
+                  <a:txBody>
+                    <a:bodyPr/>
+                    <a:lstStyle/>
+                    <a:p>
+                      <a:pPr algn="l" fontAlgn="b"/>
+                      <a:r>
+                        <a:rPr lang="ru-RU" sz="1000" b="0" i="0" u="none" strike="noStrike">
+                          <a:solidFill>
+                            <a:srgbClr val="000000"/>
+                          </a:solidFill>
+                          <a:effectLst/>
+                          <a:latin typeface="Arial" panose="020B0604020202020204" pitchFamily="34" charset="0"/>
+                        </a:rPr>
+                        <a:t>Омега</a:t>
+                      </a:r>
+                    </a:p>
+                  </a:txBody>
+                  <a:tcPr marL="9257" marR="9257" marT="9257" marB="0" anchor="b">
+                    <a:lnL w="6350" cap="flat" cmpd="sng" algn="ctr">
+                      <a:solidFill>
+                        <a:srgbClr val="000000"/>
+                      </a:solidFill>
+                      <a:prstDash val="solid"/>
+                      <a:round/>
+                      <a:headEnd type="none" w="med" len="med"/>
+                      <a:tailEnd type="none" w="med" len="med"/>
+                    </a:lnL>
+                    <a:lnR w="6350" cap="flat" cmpd="sng" algn="ctr">
+                      <a:solidFill>
+                        <a:srgbClr val="000000"/>
+                      </a:solidFill>
+                      <a:prstDash val="solid"/>
+                      <a:round/>
+                      <a:headEnd type="none" w="med" len="med"/>
+                      <a:tailEnd type="none" w="med" len="med"/>
+                    </a:lnR>
+                    <a:lnT>
+                      <a:noFill/>
+                    </a:lnT>
+                    <a:lnB>
+                      <a:noFill/>
+                    </a:lnB>
+                  </a:tcPr>
+                </a:tc>
+                <a:tc>
+                  <a:txBody>
+                    <a:bodyPr/>
+                    <a:lstStyle/>
+                    <a:p>
+                      <a:pPr algn="l" fontAlgn="b"/>
+                      <a:r>
+                        <a:rPr lang="ru-RU" sz="1000" b="0" i="0" u="none" strike="noStrike">
+                          <a:solidFill>
+                            <a:srgbClr val="000000"/>
+                          </a:solidFill>
+                          <a:effectLst/>
+                          <a:latin typeface="Arial" panose="020B0604020202020204" pitchFamily="34" charset="0"/>
+                        </a:rPr>
+                        <a:t>                19 695 087 </a:t>
+                      </a:r>
+                    </a:p>
+                  </a:txBody>
+                  <a:tcPr marL="9257" marR="9257" marT="9257" marB="0" anchor="b">
+                    <a:lnL w="6350" cap="flat" cmpd="sng" algn="ctr">
+                      <a:solidFill>
+                        <a:srgbClr val="000000"/>
+                      </a:solidFill>
+                      <a:prstDash val="solid"/>
+                      <a:round/>
+                      <a:headEnd type="none" w="med" len="med"/>
+                      <a:tailEnd type="none" w="med" len="med"/>
+                    </a:lnL>
+                    <a:lnR>
+                      <a:noFill/>
+                    </a:lnR>
+                    <a:lnT>
+                      <a:noFill/>
+                    </a:lnT>
+                    <a:lnB>
+                      <a:noFill/>
+                    </a:lnB>
+                  </a:tcPr>
+                </a:tc>
+                <a:tc>
+                  <a:txBody>
+                    <a:bodyPr/>
+                    <a:lstStyle/>
+                    <a:p>
+                      <a:pPr algn="r" fontAlgn="b"/>
+                      <a:r>
+                        <a:rPr lang="ru-RU" sz="1000" b="0" i="0" u="none" strike="noStrike">
+                          <a:solidFill>
+                            <a:srgbClr val="000000"/>
+                          </a:solidFill>
+                          <a:effectLst/>
+                          <a:latin typeface="Arial" panose="020B0604020202020204" pitchFamily="34" charset="0"/>
+                        </a:rPr>
+                        <a:t>5,8%</a:t>
+                      </a:r>
+                    </a:p>
+                  </a:txBody>
+                  <a:tcPr marL="9257" marR="9257" marT="9257" marB="0" anchor="b">
+                    <a:lnL>
+                      <a:noFill/>
+                    </a:lnL>
+                    <a:lnR>
+                      <a:noFill/>
+                    </a:lnR>
+                    <a:lnT>
+                      <a:noFill/>
+                    </a:lnT>
+                    <a:lnB>
+                      <a:noFill/>
+                    </a:lnB>
+                  </a:tcPr>
+                </a:tc>
+                <a:tc>
+                  <a:txBody>
+                    <a:bodyPr/>
+                    <a:lstStyle/>
+                    <a:p>
+                      <a:pPr algn="l" fontAlgn="b"/>
+                      <a:r>
+                        <a:rPr lang="ru-RU" sz="1000" b="0" i="0" u="none" strike="noStrike">
+                          <a:solidFill>
+                            <a:srgbClr val="000000"/>
+                          </a:solidFill>
+                          <a:effectLst/>
+                          <a:latin typeface="Arial" panose="020B0604020202020204" pitchFamily="34" charset="0"/>
+                        </a:rPr>
+                        <a:t>          32 733 561 </a:t>
+                      </a:r>
+                    </a:p>
+                  </a:txBody>
+                  <a:tcPr marL="9257" marR="9257" marT="9257" marB="0" anchor="b">
+                    <a:lnL>
+                      <a:noFill/>
+                    </a:lnL>
+                    <a:lnR>
+                      <a:noFill/>
+                    </a:lnR>
+                    <a:lnT>
+                      <a:noFill/>
+                    </a:lnT>
+                    <a:lnB>
+                      <a:noFill/>
+                    </a:lnB>
+                  </a:tcPr>
+                </a:tc>
+                <a:tc>
+                  <a:txBody>
+                    <a:bodyPr/>
+                    <a:lstStyle/>
+                    <a:p>
+                      <a:pPr algn="l" fontAlgn="b"/>
+                      <a:r>
+                        <a:rPr lang="ru-RU" sz="1000" b="0" i="0" u="none" strike="noStrike">
+                          <a:solidFill>
+                            <a:srgbClr val="000000"/>
+                          </a:solidFill>
+                          <a:effectLst/>
+                          <a:latin typeface="Arial" panose="020B0604020202020204" pitchFamily="34" charset="0"/>
+                        </a:rPr>
+                        <a:t>      133 820 </a:t>
+                      </a:r>
+                    </a:p>
+                  </a:txBody>
+                  <a:tcPr marL="9257" marR="9257" marT="9257" marB="0" anchor="b">
+                    <a:lnL>
+                      <a:noFill/>
+                    </a:lnL>
+                    <a:lnR>
+                      <a:noFill/>
+                    </a:lnR>
+                    <a:lnT>
+                      <a:noFill/>
+                    </a:lnT>
+                    <a:lnB>
+                      <a:noFill/>
+                    </a:lnB>
+                  </a:tcPr>
+                </a:tc>
+                <a:tc>
+                  <a:txBody>
+                    <a:bodyPr/>
+                    <a:lstStyle/>
+                    <a:p>
+                      <a:pPr algn="l" fontAlgn="b"/>
+                      <a:r>
+                        <a:rPr lang="ru-RU" sz="1000" b="0" i="0" u="none" strike="noStrike">
+                          <a:solidFill>
+                            <a:srgbClr val="000000"/>
+                          </a:solidFill>
+                          <a:effectLst/>
+                          <a:latin typeface="Arial" panose="020B0604020202020204" pitchFamily="34" charset="0"/>
+                        </a:rPr>
+                        <a:t>          2 741 </a:t>
+                      </a:r>
+                    </a:p>
+                  </a:txBody>
+                  <a:tcPr marL="9257" marR="9257" marT="9257" marB="0" anchor="b">
+                    <a:lnL>
+                      <a:noFill/>
+                    </a:lnL>
+                    <a:lnR>
+                      <a:noFill/>
+                    </a:lnR>
+                    <a:lnT>
+                      <a:noFill/>
+                    </a:lnT>
+                    <a:lnB>
+                      <a:noFill/>
+                    </a:lnB>
+                  </a:tcPr>
+                </a:tc>
+                <a:tc>
+                  <a:txBody>
+                    <a:bodyPr/>
+                    <a:lstStyle/>
+                    <a:p>
+                      <a:pPr algn="r" fontAlgn="b"/>
+                      <a:r>
+                        <a:rPr lang="ru-RU" sz="1000" b="0" i="0" u="none" strike="noStrike">
+                          <a:solidFill>
+                            <a:srgbClr val="000000"/>
+                          </a:solidFill>
+                          <a:effectLst/>
+                          <a:latin typeface="Arial" panose="020B0604020202020204" pitchFamily="34" charset="0"/>
+                        </a:rPr>
+                        <a:t>3,5%</a:t>
+                      </a:r>
+                    </a:p>
+                  </a:txBody>
+                  <a:tcPr marL="9257" marR="9257" marT="9257" marB="0" anchor="b">
+                    <a:lnL>
+                      <a:noFill/>
+                    </a:lnL>
+                    <a:lnR w="6350" cap="flat" cmpd="sng" algn="ctr">
+                      <a:solidFill>
+                        <a:srgbClr val="000000"/>
+                      </a:solidFill>
+                      <a:prstDash val="solid"/>
+                      <a:round/>
+                      <a:headEnd type="none" w="med" len="med"/>
+                      <a:tailEnd type="none" w="med" len="med"/>
+                    </a:lnR>
+                    <a:lnT>
+                      <a:noFill/>
+                    </a:lnT>
+                    <a:lnB>
+                      <a:noFill/>
+                    </a:lnB>
+                  </a:tcPr>
+                </a:tc>
+                <a:tc>
+                  <a:txBody>
+                    <a:bodyPr/>
+                    <a:lstStyle/>
+                    <a:p>
+                      <a:pPr algn="r" fontAlgn="b"/>
+                      <a:r>
+                        <a:rPr lang="ru-RU" sz="1000" b="0" i="0" u="none" strike="noStrike">
+                          <a:solidFill>
+                            <a:srgbClr val="000000"/>
+                          </a:solidFill>
+                          <a:effectLst/>
+                          <a:latin typeface="Arial" panose="020B0604020202020204" pitchFamily="34" charset="0"/>
+                        </a:rPr>
+                        <a:t>0,41%</a:t>
+                      </a:r>
+                    </a:p>
+                  </a:txBody>
+                  <a:tcPr marL="9257" marR="9257" marT="9257" marB="0" anchor="b">
+                    <a:lnL w="6350" cap="flat" cmpd="sng" algn="ctr">
+                      <a:solidFill>
+                        <a:srgbClr val="000000"/>
+                      </a:solidFill>
+                      <a:prstDash val="solid"/>
+                      <a:round/>
+                      <a:headEnd type="none" w="med" len="med"/>
+                      <a:tailEnd type="none" w="med" len="med"/>
+                    </a:lnL>
+                    <a:lnR>
+                      <a:noFill/>
+                    </a:lnR>
+                    <a:lnT>
+                      <a:noFill/>
+                    </a:lnT>
+                    <a:lnB>
+                      <a:noFill/>
+                    </a:lnB>
+                  </a:tcPr>
+                </a:tc>
+                <a:tc>
+                  <a:txBody>
+                    <a:bodyPr/>
+                    <a:lstStyle/>
+                    <a:p>
+                      <a:pPr algn="r" fontAlgn="b"/>
+                      <a:r>
+                        <a:rPr lang="ru-RU" sz="1000" b="0" i="0" u="none" strike="noStrike">
+                          <a:solidFill>
+                            <a:srgbClr val="000000"/>
+                          </a:solidFill>
+                          <a:effectLst/>
+                          <a:latin typeface="Arial" panose="020B0604020202020204" pitchFamily="34" charset="0"/>
+                        </a:rPr>
+                        <a:t>2,05%</a:t>
+                      </a:r>
+                    </a:p>
+                  </a:txBody>
+                  <a:tcPr marL="9257" marR="9257" marT="9257" marB="0" anchor="b">
+                    <a:lnL>
+                      <a:noFill/>
+                    </a:lnL>
+                    <a:lnR w="6350" cap="flat" cmpd="sng" algn="ctr">
+                      <a:solidFill>
+                        <a:srgbClr val="000000"/>
+                      </a:solidFill>
+                      <a:prstDash val="solid"/>
+                      <a:round/>
+                      <a:headEnd type="none" w="med" len="med"/>
+                      <a:tailEnd type="none" w="med" len="med"/>
+                    </a:lnR>
+                    <a:lnT>
+                      <a:noFill/>
+                    </a:lnT>
+                    <a:lnB>
+                      <a:noFill/>
+                    </a:lnB>
+                  </a:tcPr>
+                </a:tc>
+                <a:tc>
+                  <a:txBody>
+                    <a:bodyPr/>
+                    <a:lstStyle/>
+                    <a:p>
+                      <a:pPr algn="l" fontAlgn="b"/>
+                      <a:r>
+                        <a:rPr lang="ru-RU" sz="1000" b="0" i="0" u="none" strike="noStrike">
+                          <a:solidFill>
+                            <a:srgbClr val="000000"/>
+                          </a:solidFill>
+                          <a:effectLst/>
+                          <a:latin typeface="Arial" panose="020B0604020202020204" pitchFamily="34" charset="0"/>
+                        </a:rPr>
+                        <a:t>         0,60 ₽ </a:t>
+                      </a:r>
+                    </a:p>
+                  </a:txBody>
+                  <a:tcPr marL="9257" marR="9257" marT="9257" marB="0" anchor="b">
+                    <a:lnL w="6350" cap="flat" cmpd="sng" algn="ctr">
+                      <a:solidFill>
+                        <a:srgbClr val="000000"/>
+                      </a:solidFill>
+                      <a:prstDash val="solid"/>
+                      <a:round/>
+                      <a:headEnd type="none" w="med" len="med"/>
+                      <a:tailEnd type="none" w="med" len="med"/>
+                    </a:lnL>
+                    <a:lnR>
+                      <a:noFill/>
+                    </a:lnR>
+                    <a:lnT>
+                      <a:noFill/>
+                    </a:lnT>
+                    <a:lnB>
+                      <a:noFill/>
+                    </a:lnB>
+                  </a:tcPr>
+                </a:tc>
+                <a:tc>
+                  <a:txBody>
+                    <a:bodyPr/>
+                    <a:lstStyle/>
+                    <a:p>
+                      <a:pPr algn="l" fontAlgn="b"/>
+                      <a:r>
+                        <a:rPr lang="ru-RU" sz="1000" b="0" i="0" u="none" strike="noStrike">
+                          <a:solidFill>
+                            <a:srgbClr val="000000"/>
+                          </a:solidFill>
+                          <a:effectLst/>
+                          <a:latin typeface="Arial" panose="020B0604020202020204" pitchFamily="34" charset="0"/>
+                        </a:rPr>
+                        <a:t>     147,18 ₽ </a:t>
+                      </a:r>
+                    </a:p>
+                  </a:txBody>
+                  <a:tcPr marL="9257" marR="9257" marT="9257" marB="0" anchor="b">
+                    <a:lnL>
+                      <a:noFill/>
+                    </a:lnL>
+                    <a:lnR>
+                      <a:noFill/>
+                    </a:lnR>
+                    <a:lnT>
+                      <a:noFill/>
+                    </a:lnT>
+                    <a:lnB>
+                      <a:noFill/>
+                    </a:lnB>
+                  </a:tcPr>
+                </a:tc>
+                <a:tc>
+                  <a:txBody>
+                    <a:bodyPr/>
+                    <a:lstStyle/>
+                    <a:p>
+                      <a:pPr algn="l" fontAlgn="b"/>
+                      <a:r>
+                        <a:rPr lang="ru-RU" sz="1000" b="0" i="0" u="none" strike="noStrike">
+                          <a:solidFill>
+                            <a:srgbClr val="000000"/>
+                          </a:solidFill>
+                          <a:effectLst/>
+                          <a:latin typeface="Arial" panose="020B0604020202020204" pitchFamily="34" charset="0"/>
+                        </a:rPr>
+                        <a:t>       7 185 ₽ </a:t>
+                      </a:r>
+                    </a:p>
+                  </a:txBody>
+                  <a:tcPr marL="9257" marR="9257" marT="9257" marB="0" anchor="b">
+                    <a:lnL>
+                      <a:noFill/>
+                    </a:lnL>
+                    <a:lnR w="6350" cap="flat" cmpd="sng" algn="ctr">
+                      <a:solidFill>
+                        <a:srgbClr val="000000"/>
+                      </a:solidFill>
+                      <a:prstDash val="solid"/>
+                      <a:round/>
+                      <a:headEnd type="none" w="med" len="med"/>
+                      <a:tailEnd type="none" w="med" len="med"/>
+                    </a:lnR>
+                    <a:lnT>
+                      <a:noFill/>
+                    </a:lnT>
+                    <a:lnB>
+                      <a:noFill/>
+                    </a:lnB>
+                  </a:tcPr>
+                </a:tc>
+                <a:extLst>
+                  <a:ext uri="{0D108BD9-81ED-4DB2-BD59-A6C34878D82A}">
+                    <a16:rowId xmlns:a16="http://schemas.microsoft.com/office/drawing/2014/main" val="1997316300"/>
+                  </a:ext>
+                </a:extLst>
+              </a:tr>
+              <a:tr h="244753">
+                <a:tc>
+                  <a:txBody>
+                    <a:bodyPr/>
+                    <a:lstStyle/>
+                    <a:p>
+                      <a:pPr algn="l" fontAlgn="b"/>
+                      <a:r>
+                        <a:rPr lang="ru-RU" sz="1000" b="0" i="0" u="none" strike="noStrike">
+                          <a:solidFill>
+                            <a:srgbClr val="000000"/>
+                          </a:solidFill>
+                          <a:effectLst/>
+                          <a:latin typeface="Arial" panose="020B0604020202020204" pitchFamily="34" charset="0"/>
+                        </a:rPr>
+                        <a:t>Псилон</a:t>
+                      </a:r>
+                    </a:p>
+                  </a:txBody>
+                  <a:tcPr marL="9257" marR="9257" marT="9257" marB="0" anchor="b">
+                    <a:lnL w="6350" cap="flat" cmpd="sng" algn="ctr">
+                      <a:solidFill>
+                        <a:srgbClr val="000000"/>
+                      </a:solidFill>
+                      <a:prstDash val="solid"/>
+                      <a:round/>
+                      <a:headEnd type="none" w="med" len="med"/>
+                      <a:tailEnd type="none" w="med" len="med"/>
+                    </a:lnL>
+                    <a:lnR w="6350" cap="flat" cmpd="sng" algn="ctr">
+                      <a:solidFill>
+                        <a:srgbClr val="000000"/>
+                      </a:solidFill>
+                      <a:prstDash val="solid"/>
+                      <a:round/>
+                      <a:headEnd type="none" w="med" len="med"/>
+                      <a:tailEnd type="none" w="med" len="med"/>
+                    </a:lnR>
+                    <a:lnT>
+                      <a:noFill/>
+                    </a:lnT>
+                    <a:lnB>
+                      <a:noFill/>
+                    </a:lnB>
+                  </a:tcPr>
+                </a:tc>
+                <a:tc>
+                  <a:txBody>
+                    <a:bodyPr/>
+                    <a:lstStyle/>
+                    <a:p>
+                      <a:pPr algn="l" fontAlgn="b"/>
+                      <a:r>
+                        <a:rPr lang="ru-RU" sz="1000" b="0" i="0" u="none" strike="noStrike">
+                          <a:solidFill>
+                            <a:srgbClr val="000000"/>
+                          </a:solidFill>
+                          <a:effectLst/>
+                          <a:latin typeface="Arial" panose="020B0604020202020204" pitchFamily="34" charset="0"/>
+                        </a:rPr>
+                        <a:t>                40 275 979 </a:t>
+                      </a:r>
+                    </a:p>
+                  </a:txBody>
+                  <a:tcPr marL="9257" marR="9257" marT="9257" marB="0" anchor="b">
+                    <a:lnL w="6350" cap="flat" cmpd="sng" algn="ctr">
+                      <a:solidFill>
+                        <a:srgbClr val="000000"/>
+                      </a:solidFill>
+                      <a:prstDash val="solid"/>
+                      <a:round/>
+                      <a:headEnd type="none" w="med" len="med"/>
+                      <a:tailEnd type="none" w="med" len="med"/>
+                    </a:lnL>
+                    <a:lnR>
+                      <a:noFill/>
+                    </a:lnR>
+                    <a:lnT>
+                      <a:noFill/>
+                    </a:lnT>
+                    <a:lnB>
+                      <a:noFill/>
+                    </a:lnB>
+                  </a:tcPr>
+                </a:tc>
+                <a:tc>
+                  <a:txBody>
+                    <a:bodyPr/>
+                    <a:lstStyle/>
+                    <a:p>
+                      <a:pPr algn="r" fontAlgn="b"/>
+                      <a:r>
+                        <a:rPr lang="ru-RU" sz="1000" b="0" i="0" u="none" strike="noStrike">
+                          <a:solidFill>
+                            <a:srgbClr val="000000"/>
+                          </a:solidFill>
+                          <a:effectLst/>
+                          <a:latin typeface="Arial" panose="020B0604020202020204" pitchFamily="34" charset="0"/>
+                        </a:rPr>
+                        <a:t>11,8%</a:t>
+                      </a:r>
+                    </a:p>
+                  </a:txBody>
+                  <a:tcPr marL="9257" marR="9257" marT="9257" marB="0" anchor="b">
+                    <a:lnL>
+                      <a:noFill/>
+                    </a:lnL>
+                    <a:lnR>
+                      <a:noFill/>
+                    </a:lnR>
+                    <a:lnT>
+                      <a:noFill/>
+                    </a:lnT>
+                    <a:lnB>
+                      <a:noFill/>
+                    </a:lnB>
+                  </a:tcPr>
+                </a:tc>
+                <a:tc>
+                  <a:txBody>
+                    <a:bodyPr/>
+                    <a:lstStyle/>
+                    <a:p>
+                      <a:pPr algn="l" fontAlgn="b"/>
+                      <a:r>
+                        <a:rPr lang="ru-RU" sz="1000" b="0" i="0" u="none" strike="noStrike">
+                          <a:solidFill>
+                            <a:srgbClr val="000000"/>
+                          </a:solidFill>
+                          <a:effectLst/>
+                          <a:latin typeface="Arial" panose="020B0604020202020204" pitchFamily="34" charset="0"/>
+                        </a:rPr>
+                        <a:t>          42 729 569 </a:t>
+                      </a:r>
+                    </a:p>
+                  </a:txBody>
+                  <a:tcPr marL="9257" marR="9257" marT="9257" marB="0" anchor="b">
+                    <a:lnL>
+                      <a:noFill/>
+                    </a:lnL>
+                    <a:lnR>
+                      <a:noFill/>
+                    </a:lnR>
+                    <a:lnT>
+                      <a:noFill/>
+                    </a:lnT>
+                    <a:lnB>
+                      <a:noFill/>
+                    </a:lnB>
+                  </a:tcPr>
+                </a:tc>
+                <a:tc>
+                  <a:txBody>
+                    <a:bodyPr/>
+                    <a:lstStyle/>
+                    <a:p>
+                      <a:pPr algn="l" fontAlgn="b"/>
+                      <a:r>
+                        <a:rPr lang="ru-RU" sz="1000" b="0" i="0" u="none" strike="noStrike">
+                          <a:solidFill>
+                            <a:srgbClr val="000000"/>
+                          </a:solidFill>
+                          <a:effectLst/>
+                          <a:latin typeface="Arial" panose="020B0604020202020204" pitchFamily="34" charset="0"/>
+                        </a:rPr>
+                        <a:t>      527 010 </a:t>
+                      </a:r>
+                    </a:p>
+                  </a:txBody>
+                  <a:tcPr marL="9257" marR="9257" marT="9257" marB="0" anchor="b">
+                    <a:lnL>
+                      <a:noFill/>
+                    </a:lnL>
+                    <a:lnR>
+                      <a:noFill/>
+                    </a:lnR>
+                    <a:lnT>
+                      <a:noFill/>
+                    </a:lnT>
+                    <a:lnB>
+                      <a:noFill/>
+                    </a:lnB>
+                  </a:tcPr>
+                </a:tc>
+                <a:tc>
+                  <a:txBody>
+                    <a:bodyPr/>
+                    <a:lstStyle/>
+                    <a:p>
+                      <a:pPr algn="l" fontAlgn="b"/>
+                      <a:r>
+                        <a:rPr lang="ru-RU" sz="1000" b="0" i="0" u="none" strike="noStrike">
+                          <a:solidFill>
+                            <a:srgbClr val="000000"/>
+                          </a:solidFill>
+                          <a:effectLst/>
+                          <a:latin typeface="Arial" panose="020B0604020202020204" pitchFamily="34" charset="0"/>
+                        </a:rPr>
+                        <a:t>        10 743 </a:t>
+                      </a:r>
+                    </a:p>
+                  </a:txBody>
+                  <a:tcPr marL="9257" marR="9257" marT="9257" marB="0" anchor="b">
+                    <a:lnL>
+                      <a:noFill/>
+                    </a:lnL>
+                    <a:lnR>
+                      <a:noFill/>
+                    </a:lnR>
+                    <a:lnT>
+                      <a:noFill/>
+                    </a:lnT>
+                    <a:lnB>
+                      <a:noFill/>
+                    </a:lnB>
+                  </a:tcPr>
+                </a:tc>
+                <a:tc>
+                  <a:txBody>
+                    <a:bodyPr/>
+                    <a:lstStyle/>
+                    <a:p>
+                      <a:pPr algn="r" fontAlgn="b"/>
+                      <a:r>
+                        <a:rPr lang="ru-RU" sz="1000" b="0" i="0" u="none" strike="noStrike">
+                          <a:solidFill>
+                            <a:srgbClr val="000000"/>
+                          </a:solidFill>
+                          <a:effectLst/>
+                          <a:latin typeface="Arial" panose="020B0604020202020204" pitchFamily="34" charset="0"/>
+                        </a:rPr>
+                        <a:t>13,5%</a:t>
+                      </a:r>
+                    </a:p>
+                  </a:txBody>
+                  <a:tcPr marL="9257" marR="9257" marT="9257" marB="0" anchor="b">
+                    <a:lnL>
+                      <a:noFill/>
+                    </a:lnL>
+                    <a:lnR w="6350" cap="flat" cmpd="sng" algn="ctr">
+                      <a:solidFill>
+                        <a:srgbClr val="000000"/>
+                      </a:solidFill>
+                      <a:prstDash val="solid"/>
+                      <a:round/>
+                      <a:headEnd type="none" w="med" len="med"/>
+                      <a:tailEnd type="none" w="med" len="med"/>
+                    </a:lnR>
+                    <a:lnT>
+                      <a:noFill/>
+                    </a:lnT>
+                    <a:lnB>
+                      <a:noFill/>
+                    </a:lnB>
+                  </a:tcPr>
+                </a:tc>
+                <a:tc>
+                  <a:txBody>
+                    <a:bodyPr/>
+                    <a:lstStyle/>
+                    <a:p>
+                      <a:pPr algn="r" fontAlgn="b"/>
+                      <a:r>
+                        <a:rPr lang="ru-RU" sz="1000" b="0" i="0" u="none" strike="noStrike">
+                          <a:solidFill>
+                            <a:srgbClr val="000000"/>
+                          </a:solidFill>
+                          <a:effectLst/>
+                          <a:latin typeface="Arial" panose="020B0604020202020204" pitchFamily="34" charset="0"/>
+                        </a:rPr>
+                        <a:t>1,23%</a:t>
+                      </a:r>
+                    </a:p>
+                  </a:txBody>
+                  <a:tcPr marL="9257" marR="9257" marT="9257" marB="0" anchor="b">
+                    <a:lnL w="6350" cap="flat" cmpd="sng" algn="ctr">
+                      <a:solidFill>
+                        <a:srgbClr val="000000"/>
+                      </a:solidFill>
+                      <a:prstDash val="solid"/>
+                      <a:round/>
+                      <a:headEnd type="none" w="med" len="med"/>
+                      <a:tailEnd type="none" w="med" len="med"/>
+                    </a:lnL>
+                    <a:lnR>
+                      <a:noFill/>
+                    </a:lnR>
+                    <a:lnT>
+                      <a:noFill/>
+                    </a:lnT>
+                    <a:lnB>
+                      <a:noFill/>
+                    </a:lnB>
+                  </a:tcPr>
+                </a:tc>
+                <a:tc>
+                  <a:txBody>
+                    <a:bodyPr/>
+                    <a:lstStyle/>
+                    <a:p>
+                      <a:pPr algn="r" fontAlgn="b"/>
+                      <a:r>
+                        <a:rPr lang="ru-RU" sz="1000" b="0" i="0" u="none" strike="noStrike">
+                          <a:solidFill>
+                            <a:srgbClr val="000000"/>
+                          </a:solidFill>
+                          <a:effectLst/>
+                          <a:latin typeface="Arial" panose="020B0604020202020204" pitchFamily="34" charset="0"/>
+                        </a:rPr>
+                        <a:t>2,04%</a:t>
+                      </a:r>
+                    </a:p>
+                  </a:txBody>
+                  <a:tcPr marL="9257" marR="9257" marT="9257" marB="0" anchor="b">
+                    <a:lnL>
+                      <a:noFill/>
+                    </a:lnL>
+                    <a:lnR w="6350" cap="flat" cmpd="sng" algn="ctr">
+                      <a:solidFill>
+                        <a:srgbClr val="000000"/>
+                      </a:solidFill>
+                      <a:prstDash val="solid"/>
+                      <a:round/>
+                      <a:headEnd type="none" w="med" len="med"/>
+                      <a:tailEnd type="none" w="med" len="med"/>
+                    </a:lnR>
+                    <a:lnT>
+                      <a:noFill/>
+                    </a:lnT>
+                    <a:lnB>
+                      <a:noFill/>
+                    </a:lnB>
+                  </a:tcPr>
+                </a:tc>
+                <a:tc>
+                  <a:txBody>
+                    <a:bodyPr/>
+                    <a:lstStyle/>
+                    <a:p>
+                      <a:pPr algn="l" fontAlgn="b"/>
+                      <a:r>
+                        <a:rPr lang="ru-RU" sz="1000" b="0" i="0" u="none" strike="noStrike">
+                          <a:solidFill>
+                            <a:srgbClr val="000000"/>
+                          </a:solidFill>
+                          <a:effectLst/>
+                          <a:latin typeface="Arial" panose="020B0604020202020204" pitchFamily="34" charset="0"/>
+                        </a:rPr>
+                        <a:t>         0,94 ₽ </a:t>
+                      </a:r>
+                    </a:p>
+                  </a:txBody>
+                  <a:tcPr marL="9257" marR="9257" marT="9257" marB="0" anchor="b">
+                    <a:lnL w="6350" cap="flat" cmpd="sng" algn="ctr">
+                      <a:solidFill>
+                        <a:srgbClr val="000000"/>
+                      </a:solidFill>
+                      <a:prstDash val="solid"/>
+                      <a:round/>
+                      <a:headEnd type="none" w="med" len="med"/>
+                      <a:tailEnd type="none" w="med" len="med"/>
+                    </a:lnL>
+                    <a:lnR>
+                      <a:noFill/>
+                    </a:lnR>
+                    <a:lnT>
+                      <a:noFill/>
+                    </a:lnT>
+                    <a:lnB>
+                      <a:noFill/>
+                    </a:lnB>
+                  </a:tcPr>
+                </a:tc>
+                <a:tc>
+                  <a:txBody>
+                    <a:bodyPr/>
+                    <a:lstStyle/>
+                    <a:p>
+                      <a:pPr algn="l" fontAlgn="b"/>
+                      <a:r>
+                        <a:rPr lang="ru-RU" sz="1000" b="0" i="0" u="none" strike="noStrike">
+                          <a:solidFill>
+                            <a:srgbClr val="000000"/>
+                          </a:solidFill>
+                          <a:effectLst/>
+                          <a:latin typeface="Arial" panose="020B0604020202020204" pitchFamily="34" charset="0"/>
+                        </a:rPr>
+                        <a:t>       76,42 ₽ </a:t>
+                      </a:r>
+                    </a:p>
+                  </a:txBody>
+                  <a:tcPr marL="9257" marR="9257" marT="9257" marB="0" anchor="b">
+                    <a:lnL>
+                      <a:noFill/>
+                    </a:lnL>
+                    <a:lnR>
+                      <a:noFill/>
+                    </a:lnR>
+                    <a:lnT>
+                      <a:noFill/>
+                    </a:lnT>
+                    <a:lnB>
+                      <a:noFill/>
+                    </a:lnB>
+                  </a:tcPr>
+                </a:tc>
+                <a:tc>
+                  <a:txBody>
+                    <a:bodyPr/>
+                    <a:lstStyle/>
+                    <a:p>
+                      <a:pPr algn="l" fontAlgn="b"/>
+                      <a:r>
+                        <a:rPr lang="ru-RU" sz="1000" b="0" i="0" u="none" strike="noStrike">
+                          <a:solidFill>
+                            <a:srgbClr val="000000"/>
+                          </a:solidFill>
+                          <a:effectLst/>
+                          <a:latin typeface="Arial" panose="020B0604020202020204" pitchFamily="34" charset="0"/>
+                        </a:rPr>
+                        <a:t>       3 749 ₽ </a:t>
+                      </a:r>
+                    </a:p>
+                  </a:txBody>
+                  <a:tcPr marL="9257" marR="9257" marT="9257" marB="0" anchor="b">
+                    <a:lnL>
+                      <a:noFill/>
+                    </a:lnL>
+                    <a:lnR w="6350" cap="flat" cmpd="sng" algn="ctr">
+                      <a:solidFill>
+                        <a:srgbClr val="000000"/>
+                      </a:solidFill>
+                      <a:prstDash val="solid"/>
+                      <a:round/>
+                      <a:headEnd type="none" w="med" len="med"/>
+                      <a:tailEnd type="none" w="med" len="med"/>
+                    </a:lnR>
+                    <a:lnT>
+                      <a:noFill/>
+                    </a:lnT>
+                    <a:lnB>
+                      <a:noFill/>
+                    </a:lnB>
+                  </a:tcPr>
+                </a:tc>
+                <a:extLst>
+                  <a:ext uri="{0D108BD9-81ED-4DB2-BD59-A6C34878D82A}">
+                    <a16:rowId xmlns:a16="http://schemas.microsoft.com/office/drawing/2014/main" val="1616670001"/>
+                  </a:ext>
+                </a:extLst>
+              </a:tr>
+              <a:tr h="244753">
+                <a:tc>
+                  <a:txBody>
+                    <a:bodyPr/>
+                    <a:lstStyle/>
+                    <a:p>
+                      <a:pPr algn="l" fontAlgn="b"/>
+                      <a:r>
+                        <a:rPr lang="ru-RU" sz="1000" b="0" i="0" u="none" strike="noStrike">
+                          <a:solidFill>
+                            <a:srgbClr val="000000"/>
+                          </a:solidFill>
+                          <a:effectLst/>
+                          <a:latin typeface="Arial" panose="020B0604020202020204" pitchFamily="34" charset="0"/>
+                        </a:rPr>
+                        <a:t>Сигма</a:t>
+                      </a:r>
+                    </a:p>
+                  </a:txBody>
+                  <a:tcPr marL="9257" marR="9257" marT="9257" marB="0" anchor="b">
+                    <a:lnL w="6350" cap="flat" cmpd="sng" algn="ctr">
+                      <a:solidFill>
+                        <a:srgbClr val="000000"/>
+                      </a:solidFill>
+                      <a:prstDash val="solid"/>
+                      <a:round/>
+                      <a:headEnd type="none" w="med" len="med"/>
+                      <a:tailEnd type="none" w="med" len="med"/>
+                    </a:lnL>
+                    <a:lnR w="6350" cap="flat" cmpd="sng" algn="ctr">
+                      <a:solidFill>
+                        <a:srgbClr val="000000"/>
+                      </a:solidFill>
+                      <a:prstDash val="solid"/>
+                      <a:round/>
+                      <a:headEnd type="none" w="med" len="med"/>
+                      <a:tailEnd type="none" w="med" len="med"/>
+                    </a:lnR>
+                    <a:lnT>
+                      <a:noFill/>
+                    </a:lnT>
+                    <a:lnB w="6350" cap="flat" cmpd="sng" algn="ctr">
+                      <a:solidFill>
+                        <a:srgbClr val="000000"/>
+                      </a:solidFill>
+                      <a:prstDash val="solid"/>
+                      <a:round/>
+                      <a:headEnd type="none" w="med" len="med"/>
+                      <a:tailEnd type="none" w="med" len="med"/>
+                    </a:lnB>
+                  </a:tcPr>
+                </a:tc>
+                <a:tc>
+                  <a:txBody>
+                    <a:bodyPr/>
+                    <a:lstStyle/>
+                    <a:p>
+                      <a:pPr algn="l" fontAlgn="b"/>
+                      <a:r>
+                        <a:rPr lang="ru-RU" sz="1000" b="0" i="0" u="none" strike="noStrike">
+                          <a:solidFill>
+                            <a:srgbClr val="000000"/>
+                          </a:solidFill>
+                          <a:effectLst/>
+                          <a:latin typeface="Arial" panose="020B0604020202020204" pitchFamily="34" charset="0"/>
+                        </a:rPr>
+                        <a:t>                55 569 492 </a:t>
+                      </a:r>
+                    </a:p>
+                  </a:txBody>
+                  <a:tcPr marL="9257" marR="9257" marT="9257" marB="0" anchor="b">
+                    <a:lnL w="6350" cap="flat" cmpd="sng" algn="ctr">
+                      <a:solidFill>
+                        <a:srgbClr val="000000"/>
+                      </a:solidFill>
+                      <a:prstDash val="solid"/>
+                      <a:round/>
+                      <a:headEnd type="none" w="med" len="med"/>
+                      <a:tailEnd type="none" w="med" len="med"/>
+                    </a:lnL>
+                    <a:lnR>
+                      <a:noFill/>
+                    </a:lnR>
+                    <a:lnT>
+                      <a:noFill/>
+                    </a:lnT>
+                    <a:lnB w="6350" cap="flat" cmpd="sng" algn="ctr">
+                      <a:solidFill>
+                        <a:srgbClr val="000000"/>
+                      </a:solidFill>
+                      <a:prstDash val="solid"/>
+                      <a:round/>
+                      <a:headEnd type="none" w="med" len="med"/>
+                      <a:tailEnd type="none" w="med" len="med"/>
+                    </a:lnB>
+                  </a:tcPr>
+                </a:tc>
+                <a:tc>
+                  <a:txBody>
+                    <a:bodyPr/>
+                    <a:lstStyle/>
+                    <a:p>
+                      <a:pPr algn="r" fontAlgn="b"/>
+                      <a:r>
+                        <a:rPr lang="ru-RU" sz="1000" b="0" i="0" u="none" strike="noStrike">
+                          <a:solidFill>
+                            <a:srgbClr val="000000"/>
+                          </a:solidFill>
+                          <a:effectLst/>
+                          <a:latin typeface="Arial" panose="020B0604020202020204" pitchFamily="34" charset="0"/>
+                        </a:rPr>
+                        <a:t>16,3%</a:t>
+                      </a:r>
+                    </a:p>
+                  </a:txBody>
+                  <a:tcPr marL="9257" marR="9257" marT="9257" marB="0" anchor="b">
+                    <a:lnL>
+                      <a:noFill/>
+                    </a:lnL>
+                    <a:lnR>
+                      <a:noFill/>
+                    </a:lnR>
+                    <a:lnT>
+                      <a:noFill/>
+                    </a:lnT>
+                    <a:lnB w="6350" cap="flat" cmpd="sng" algn="ctr">
+                      <a:solidFill>
+                        <a:srgbClr val="000000"/>
+                      </a:solidFill>
+                      <a:prstDash val="solid"/>
+                      <a:round/>
+                      <a:headEnd type="none" w="med" len="med"/>
+                      <a:tailEnd type="none" w="med" len="med"/>
+                    </a:lnB>
+                  </a:tcPr>
+                </a:tc>
+                <a:tc>
+                  <a:txBody>
+                    <a:bodyPr/>
+                    <a:lstStyle/>
+                    <a:p>
+                      <a:pPr algn="l" fontAlgn="b"/>
+                      <a:r>
+                        <a:rPr lang="ru-RU" sz="1000" b="0" i="0" u="none" strike="noStrike">
+                          <a:solidFill>
+                            <a:srgbClr val="000000"/>
+                          </a:solidFill>
+                          <a:effectLst/>
+                          <a:latin typeface="Arial" panose="020B0604020202020204" pitchFamily="34" charset="0"/>
+                        </a:rPr>
+                        <a:t>        497 282 114 </a:t>
+                      </a:r>
+                    </a:p>
+                  </a:txBody>
+                  <a:tcPr marL="9257" marR="9257" marT="9257" marB="0" anchor="b">
+                    <a:lnL>
+                      <a:noFill/>
+                    </a:lnL>
+                    <a:lnR>
+                      <a:noFill/>
+                    </a:lnR>
+                    <a:lnT>
+                      <a:noFill/>
+                    </a:lnT>
+                    <a:lnB w="6350" cap="flat" cmpd="sng" algn="ctr">
+                      <a:solidFill>
+                        <a:srgbClr val="000000"/>
+                      </a:solidFill>
+                      <a:prstDash val="solid"/>
+                      <a:round/>
+                      <a:headEnd type="none" w="med" len="med"/>
+                      <a:tailEnd type="none" w="med" len="med"/>
+                    </a:lnB>
+                  </a:tcPr>
+                </a:tc>
+                <a:tc>
+                  <a:txBody>
+                    <a:bodyPr/>
+                    <a:lstStyle/>
+                    <a:p>
+                      <a:pPr algn="l" fontAlgn="b"/>
+                      <a:r>
+                        <a:rPr lang="ru-RU" sz="1000" b="0" i="0" u="none" strike="noStrike">
+                          <a:solidFill>
+                            <a:srgbClr val="000000"/>
+                          </a:solidFill>
+                          <a:effectLst/>
+                          <a:latin typeface="Arial" panose="020B0604020202020204" pitchFamily="34" charset="0"/>
+                        </a:rPr>
+                        <a:t>   1 847 473 </a:t>
+                      </a:r>
+                    </a:p>
+                  </a:txBody>
+                  <a:tcPr marL="9257" marR="9257" marT="9257" marB="0" anchor="b">
+                    <a:lnL>
+                      <a:noFill/>
+                    </a:lnL>
+                    <a:lnR>
+                      <a:noFill/>
+                    </a:lnR>
+                    <a:lnT>
+                      <a:noFill/>
+                    </a:lnT>
+                    <a:lnB w="6350" cap="flat" cmpd="sng" algn="ctr">
+                      <a:solidFill>
+                        <a:srgbClr val="000000"/>
+                      </a:solidFill>
+                      <a:prstDash val="solid"/>
+                      <a:round/>
+                      <a:headEnd type="none" w="med" len="med"/>
+                      <a:tailEnd type="none" w="med" len="med"/>
+                    </a:lnB>
+                  </a:tcPr>
+                </a:tc>
+                <a:tc>
+                  <a:txBody>
+                    <a:bodyPr/>
+                    <a:lstStyle/>
+                    <a:p>
+                      <a:pPr algn="l" fontAlgn="b"/>
+                      <a:r>
+                        <a:rPr lang="ru-RU" sz="1000" b="0" i="0" u="none" strike="noStrike">
+                          <a:solidFill>
+                            <a:srgbClr val="000000"/>
+                          </a:solidFill>
+                          <a:effectLst/>
+                          <a:latin typeface="Arial" panose="020B0604020202020204" pitchFamily="34" charset="0"/>
+                        </a:rPr>
+                        <a:t>        10 962 </a:t>
+                      </a:r>
+                    </a:p>
+                  </a:txBody>
+                  <a:tcPr marL="9257" marR="9257" marT="9257" marB="0" anchor="b">
+                    <a:lnL>
+                      <a:noFill/>
+                    </a:lnL>
+                    <a:lnR>
+                      <a:noFill/>
+                    </a:lnR>
+                    <a:lnT>
+                      <a:noFill/>
+                    </a:lnT>
+                    <a:lnB w="6350" cap="flat" cmpd="sng" algn="ctr">
+                      <a:solidFill>
+                        <a:srgbClr val="000000"/>
+                      </a:solidFill>
+                      <a:prstDash val="solid"/>
+                      <a:round/>
+                      <a:headEnd type="none" w="med" len="med"/>
+                      <a:tailEnd type="none" w="med" len="med"/>
+                    </a:lnB>
+                  </a:tcPr>
+                </a:tc>
+                <a:tc>
+                  <a:txBody>
+                    <a:bodyPr/>
+                    <a:lstStyle/>
+                    <a:p>
+                      <a:pPr algn="r" fontAlgn="b"/>
+                      <a:r>
+                        <a:rPr lang="ru-RU" sz="1000" b="0" i="0" u="none" strike="noStrike">
+                          <a:solidFill>
+                            <a:srgbClr val="000000"/>
+                          </a:solidFill>
+                          <a:effectLst/>
+                          <a:latin typeface="Arial" panose="020B0604020202020204" pitchFamily="34" charset="0"/>
+                        </a:rPr>
+                        <a:t>13,8%</a:t>
+                      </a:r>
+                    </a:p>
+                  </a:txBody>
+                  <a:tcPr marL="9257" marR="9257" marT="9257" marB="0" anchor="b">
+                    <a:lnL>
+                      <a:noFill/>
+                    </a:lnL>
+                    <a:lnR w="6350" cap="flat" cmpd="sng" algn="ctr">
+                      <a:solidFill>
+                        <a:srgbClr val="000000"/>
+                      </a:solidFill>
+                      <a:prstDash val="solid"/>
+                      <a:round/>
+                      <a:headEnd type="none" w="med" len="med"/>
+                      <a:tailEnd type="none" w="med" len="med"/>
+                    </a:lnR>
+                    <a:lnT>
+                      <a:noFill/>
+                    </a:lnT>
+                    <a:lnB w="6350" cap="flat" cmpd="sng" algn="ctr">
+                      <a:solidFill>
+                        <a:srgbClr val="000000"/>
+                      </a:solidFill>
+                      <a:prstDash val="solid"/>
+                      <a:round/>
+                      <a:headEnd type="none" w="med" len="med"/>
+                      <a:tailEnd type="none" w="med" len="med"/>
+                    </a:lnB>
+                  </a:tcPr>
+                </a:tc>
+                <a:tc>
+                  <a:txBody>
+                    <a:bodyPr/>
+                    <a:lstStyle/>
+                    <a:p>
+                      <a:pPr algn="r" fontAlgn="b"/>
+                      <a:r>
+                        <a:rPr lang="ru-RU" sz="1000" b="0" i="0" u="none" strike="noStrike">
+                          <a:solidFill>
+                            <a:srgbClr val="000000"/>
+                          </a:solidFill>
+                          <a:effectLst/>
+                          <a:latin typeface="Arial" panose="020B0604020202020204" pitchFamily="34" charset="0"/>
+                        </a:rPr>
+                        <a:t>0,37%</a:t>
+                      </a:r>
+                    </a:p>
+                  </a:txBody>
+                  <a:tcPr marL="9257" marR="9257" marT="9257" marB="0" anchor="b">
+                    <a:lnL w="6350" cap="flat" cmpd="sng" algn="ctr">
+                      <a:solidFill>
+                        <a:srgbClr val="000000"/>
+                      </a:solidFill>
+                      <a:prstDash val="solid"/>
+                      <a:round/>
+                      <a:headEnd type="none" w="med" len="med"/>
+                      <a:tailEnd type="none" w="med" len="med"/>
+                    </a:lnL>
+                    <a:lnR>
+                      <a:noFill/>
+                    </a:lnR>
+                    <a:lnT>
+                      <a:noFill/>
+                    </a:lnT>
+                    <a:lnB w="6350" cap="flat" cmpd="sng" algn="ctr">
+                      <a:solidFill>
+                        <a:srgbClr val="000000"/>
+                      </a:solidFill>
+                      <a:prstDash val="solid"/>
+                      <a:round/>
+                      <a:headEnd type="none" w="med" len="med"/>
+                      <a:tailEnd type="none" w="med" len="med"/>
+                    </a:lnB>
+                  </a:tcPr>
+                </a:tc>
+                <a:tc>
+                  <a:txBody>
+                    <a:bodyPr/>
+                    <a:lstStyle/>
+                    <a:p>
+                      <a:pPr algn="r" fontAlgn="b"/>
+                      <a:r>
+                        <a:rPr lang="ru-RU" sz="1000" b="0" i="0" u="none" strike="noStrike">
+                          <a:solidFill>
+                            <a:srgbClr val="000000"/>
+                          </a:solidFill>
+                          <a:effectLst/>
+                          <a:latin typeface="Arial" panose="020B0604020202020204" pitchFamily="34" charset="0"/>
+                        </a:rPr>
+                        <a:t>0,59%</a:t>
+                      </a:r>
+                    </a:p>
+                  </a:txBody>
+                  <a:tcPr marL="9257" marR="9257" marT="9257" marB="0" anchor="b">
+                    <a:lnL>
+                      <a:noFill/>
+                    </a:lnL>
+                    <a:lnR w="6350" cap="flat" cmpd="sng" algn="ctr">
+                      <a:solidFill>
+                        <a:srgbClr val="000000"/>
+                      </a:solidFill>
+                      <a:prstDash val="solid"/>
+                      <a:round/>
+                      <a:headEnd type="none" w="med" len="med"/>
+                      <a:tailEnd type="none" w="med" len="med"/>
+                    </a:lnR>
+                    <a:lnT>
+                      <a:noFill/>
+                    </a:lnT>
+                    <a:lnB w="6350" cap="flat" cmpd="sng" algn="ctr">
+                      <a:solidFill>
+                        <a:srgbClr val="000000"/>
+                      </a:solidFill>
+                      <a:prstDash val="solid"/>
+                      <a:round/>
+                      <a:headEnd type="none" w="med" len="med"/>
+                      <a:tailEnd type="none" w="med" len="med"/>
+                    </a:lnB>
+                  </a:tcPr>
+                </a:tc>
+                <a:tc>
+                  <a:txBody>
+                    <a:bodyPr/>
+                    <a:lstStyle/>
+                    <a:p>
+                      <a:pPr algn="l" fontAlgn="b"/>
+                      <a:r>
+                        <a:rPr lang="ru-RU" sz="1000" b="0" i="0" u="none" strike="noStrike">
+                          <a:solidFill>
+                            <a:srgbClr val="000000"/>
+                          </a:solidFill>
+                          <a:effectLst/>
+                          <a:latin typeface="Arial" panose="020B0604020202020204" pitchFamily="34" charset="0"/>
+                        </a:rPr>
+                        <a:t>         0,11 ₽ </a:t>
+                      </a:r>
+                    </a:p>
+                  </a:txBody>
+                  <a:tcPr marL="9257" marR="9257" marT="9257" marB="0" anchor="b">
+                    <a:lnL w="6350" cap="flat" cmpd="sng" algn="ctr">
+                      <a:solidFill>
+                        <a:srgbClr val="000000"/>
+                      </a:solidFill>
+                      <a:prstDash val="solid"/>
+                      <a:round/>
+                      <a:headEnd type="none" w="med" len="med"/>
+                      <a:tailEnd type="none" w="med" len="med"/>
+                    </a:lnL>
+                    <a:lnR>
+                      <a:noFill/>
+                    </a:lnR>
+                    <a:lnT>
+                      <a:noFill/>
+                    </a:lnT>
+                    <a:lnB w="6350" cap="flat" cmpd="sng" algn="ctr">
+                      <a:solidFill>
+                        <a:srgbClr val="000000"/>
+                      </a:solidFill>
+                      <a:prstDash val="solid"/>
+                      <a:round/>
+                      <a:headEnd type="none" w="med" len="med"/>
+                      <a:tailEnd type="none" w="med" len="med"/>
+                    </a:lnB>
+                  </a:tcPr>
+                </a:tc>
+                <a:tc>
+                  <a:txBody>
+                    <a:bodyPr/>
+                    <a:lstStyle/>
+                    <a:p>
+                      <a:pPr algn="l" fontAlgn="b"/>
+                      <a:r>
+                        <a:rPr lang="ru-RU" sz="1000" b="0" i="0" u="none" strike="noStrike">
+                          <a:solidFill>
+                            <a:srgbClr val="000000"/>
+                          </a:solidFill>
+                          <a:effectLst/>
+                          <a:latin typeface="Arial" panose="020B0604020202020204" pitchFamily="34" charset="0"/>
+                        </a:rPr>
+                        <a:t>       30,08 ₽ </a:t>
+                      </a:r>
+                    </a:p>
+                  </a:txBody>
+                  <a:tcPr marL="9257" marR="9257" marT="9257" marB="0" anchor="b">
+                    <a:lnL>
+                      <a:noFill/>
+                    </a:lnL>
+                    <a:lnR>
+                      <a:noFill/>
+                    </a:lnR>
+                    <a:lnT>
+                      <a:noFill/>
+                    </a:lnT>
+                    <a:lnB w="6350" cap="flat" cmpd="sng" algn="ctr">
+                      <a:solidFill>
+                        <a:srgbClr val="000000"/>
+                      </a:solidFill>
+                      <a:prstDash val="solid"/>
+                      <a:round/>
+                      <a:headEnd type="none" w="med" len="med"/>
+                      <a:tailEnd type="none" w="med" len="med"/>
+                    </a:lnB>
+                  </a:tcPr>
+                </a:tc>
+                <a:tc>
+                  <a:txBody>
+                    <a:bodyPr/>
+                    <a:lstStyle/>
+                    <a:p>
+                      <a:pPr algn="l" fontAlgn="b"/>
+                      <a:r>
+                        <a:rPr lang="ru-RU" sz="1000" b="0" i="0" u="none" strike="noStrike">
+                          <a:solidFill>
+                            <a:srgbClr val="000000"/>
+                          </a:solidFill>
+                          <a:effectLst/>
+                          <a:latin typeface="Arial" panose="020B0604020202020204" pitchFamily="34" charset="0"/>
+                        </a:rPr>
+                        <a:t>       5 069 ₽ </a:t>
+                      </a:r>
+                    </a:p>
+                  </a:txBody>
+                  <a:tcPr marL="9257" marR="9257" marT="9257" marB="0" anchor="b">
+                    <a:lnL>
+                      <a:noFill/>
+                    </a:lnL>
+                    <a:lnR w="6350" cap="flat" cmpd="sng" algn="ctr">
+                      <a:solidFill>
+                        <a:srgbClr val="000000"/>
+                      </a:solidFill>
+                      <a:prstDash val="solid"/>
+                      <a:round/>
+                      <a:headEnd type="none" w="med" len="med"/>
+                      <a:tailEnd type="none" w="med" len="med"/>
+                    </a:lnR>
+                    <a:lnT>
+                      <a:noFill/>
+                    </a:lnT>
+                    <a:lnB w="6350" cap="flat" cmpd="sng" algn="ctr">
+                      <a:solidFill>
+                        <a:srgbClr val="000000"/>
+                      </a:solidFill>
+                      <a:prstDash val="solid"/>
+                      <a:round/>
+                      <a:headEnd type="none" w="med" len="med"/>
+                      <a:tailEnd type="none" w="med" len="med"/>
+                    </a:lnB>
+                  </a:tcPr>
+                </a:tc>
+                <a:extLst>
+                  <a:ext uri="{0D108BD9-81ED-4DB2-BD59-A6C34878D82A}">
+                    <a16:rowId xmlns:a16="http://schemas.microsoft.com/office/drawing/2014/main" val="3873155591"/>
+                  </a:ext>
+                </a:extLst>
+              </a:tr>
+              <a:tr h="244753">
+                <a:tc>
+                  <a:txBody>
+                    <a:bodyPr/>
+                    <a:lstStyle/>
+                    <a:p>
+                      <a:pPr algn="l" fontAlgn="b"/>
+                      <a:r>
+                        <a:rPr lang="en" sz="1000" b="1" i="0" u="none" strike="noStrike">
+                          <a:solidFill>
+                            <a:srgbClr val="000000"/>
+                          </a:solidFill>
+                          <a:effectLst/>
+                          <a:latin typeface="Arial" panose="020B0604020202020204" pitchFamily="34" charset="0"/>
+                        </a:rPr>
+                        <a:t>TTL</a:t>
+                      </a:r>
+                    </a:p>
+                  </a:txBody>
+                  <a:tcPr marL="9257" marR="9257" marT="9257" marB="0" anchor="b">
+                    <a:lnL>
+                      <a:noFill/>
+                    </a:lnL>
+                    <a:lnR w="6350" cap="flat" cmpd="sng" algn="ctr">
+                      <a:solidFill>
+                        <a:srgbClr val="000000"/>
+                      </a:solidFill>
+                      <a:prstDash val="solid"/>
+                      <a:round/>
+                      <a:headEnd type="none" w="med" len="med"/>
+                      <a:tailEnd type="none" w="med" len="med"/>
+                    </a:lnR>
+                    <a:lnT w="6350" cap="flat" cmpd="sng" algn="ctr">
+                      <a:solidFill>
+                        <a:srgbClr val="000000"/>
+                      </a:solidFill>
+                      <a:prstDash val="solid"/>
+                      <a:round/>
+                      <a:headEnd type="none" w="med" len="med"/>
+                      <a:tailEnd type="none" w="med" len="med"/>
+                    </a:lnT>
+                    <a:lnB>
+                      <a:noFill/>
+                    </a:lnB>
+                  </a:tcPr>
+                </a:tc>
+                <a:tc>
+                  <a:txBody>
+                    <a:bodyPr/>
+                    <a:lstStyle/>
+                    <a:p>
+                      <a:pPr algn="l" fontAlgn="b"/>
+                      <a:r>
+                        <a:rPr lang="ru-RU" sz="1000" b="1" i="0" u="none" strike="noStrike">
+                          <a:solidFill>
+                            <a:srgbClr val="000000"/>
+                          </a:solidFill>
+                          <a:effectLst/>
+                          <a:latin typeface="Arial" panose="020B0604020202020204" pitchFamily="34" charset="0"/>
+                        </a:rPr>
+                        <a:t>              340 865 079 </a:t>
+                      </a:r>
+                    </a:p>
+                  </a:txBody>
+                  <a:tcPr marL="9257" marR="9257" marT="9257" marB="0" anchor="b">
+                    <a:lnL w="6350" cap="flat" cmpd="sng" algn="ctr">
+                      <a:solidFill>
+                        <a:srgbClr val="000000"/>
+                      </a:solidFill>
+                      <a:prstDash val="solid"/>
+                      <a:round/>
+                      <a:headEnd type="none" w="med" len="med"/>
+                      <a:tailEnd type="none" w="med" len="med"/>
+                    </a:lnL>
+                    <a:lnR>
+                      <a:noFill/>
+                    </a:lnR>
+                    <a:lnT w="6350" cap="flat" cmpd="sng" algn="ctr">
+                      <a:solidFill>
+                        <a:srgbClr val="000000"/>
+                      </a:solidFill>
+                      <a:prstDash val="solid"/>
+                      <a:round/>
+                      <a:headEnd type="none" w="med" len="med"/>
+                      <a:tailEnd type="none" w="med" len="med"/>
+                    </a:lnT>
+                    <a:lnB w="6350" cap="flat" cmpd="sng" algn="ctr">
+                      <a:solidFill>
+                        <a:srgbClr val="000000"/>
+                      </a:solidFill>
+                      <a:prstDash val="solid"/>
+                      <a:round/>
+                      <a:headEnd type="none" w="med" len="med"/>
+                      <a:tailEnd type="none" w="med" len="med"/>
+                    </a:lnB>
+                  </a:tcPr>
+                </a:tc>
+                <a:tc>
+                  <a:txBody>
+                    <a:bodyPr/>
+                    <a:lstStyle/>
+                    <a:p>
+                      <a:pPr algn="r" fontAlgn="b"/>
+                      <a:r>
+                        <a:rPr lang="ru-RU" sz="1000" b="1" i="0" u="none" strike="noStrike">
+                          <a:solidFill>
+                            <a:srgbClr val="000000"/>
+                          </a:solidFill>
+                          <a:effectLst/>
+                          <a:latin typeface="Arial" panose="020B0604020202020204" pitchFamily="34" charset="0"/>
+                        </a:rPr>
+                        <a:t>100,0%</a:t>
+                      </a:r>
+                    </a:p>
+                  </a:txBody>
+                  <a:tcPr marL="9257" marR="9257" marT="9257" marB="0" anchor="b">
+                    <a:lnL>
+                      <a:noFill/>
+                    </a:lnL>
+                    <a:lnR>
+                      <a:noFill/>
+                    </a:lnR>
+                    <a:lnT w="6350" cap="flat" cmpd="sng" algn="ctr">
+                      <a:solidFill>
+                        <a:srgbClr val="000000"/>
+                      </a:solidFill>
+                      <a:prstDash val="solid"/>
+                      <a:round/>
+                      <a:headEnd type="none" w="med" len="med"/>
+                      <a:tailEnd type="none" w="med" len="med"/>
+                    </a:lnT>
+                    <a:lnB w="6350" cap="flat" cmpd="sng" algn="ctr">
+                      <a:solidFill>
+                        <a:srgbClr val="000000"/>
+                      </a:solidFill>
+                      <a:prstDash val="solid"/>
+                      <a:round/>
+                      <a:headEnd type="none" w="med" len="med"/>
+                      <a:tailEnd type="none" w="med" len="med"/>
+                    </a:lnB>
+                  </a:tcPr>
+                </a:tc>
+                <a:tc>
+                  <a:txBody>
+                    <a:bodyPr/>
+                    <a:lstStyle/>
+                    <a:p>
+                      <a:pPr algn="l" fontAlgn="b"/>
+                      <a:r>
+                        <a:rPr lang="ru-RU" sz="1000" b="1" i="0" u="none" strike="noStrike">
+                          <a:solidFill>
+                            <a:srgbClr val="000000"/>
+                          </a:solidFill>
+                          <a:effectLst/>
+                          <a:latin typeface="Arial" panose="020B0604020202020204" pitchFamily="34" charset="0"/>
+                        </a:rPr>
+                        <a:t>     1 180 500 675 </a:t>
+                      </a:r>
+                    </a:p>
+                  </a:txBody>
+                  <a:tcPr marL="9257" marR="9257" marT="9257" marB="0" anchor="b">
+                    <a:lnL>
+                      <a:noFill/>
+                    </a:lnL>
+                    <a:lnR>
+                      <a:noFill/>
+                    </a:lnR>
+                    <a:lnT w="6350" cap="flat" cmpd="sng" algn="ctr">
+                      <a:solidFill>
+                        <a:srgbClr val="000000"/>
+                      </a:solidFill>
+                      <a:prstDash val="solid"/>
+                      <a:round/>
+                      <a:headEnd type="none" w="med" len="med"/>
+                      <a:tailEnd type="none" w="med" len="med"/>
+                    </a:lnT>
+                    <a:lnB w="6350" cap="flat" cmpd="sng" algn="ctr">
+                      <a:solidFill>
+                        <a:srgbClr val="000000"/>
+                      </a:solidFill>
+                      <a:prstDash val="solid"/>
+                      <a:round/>
+                      <a:headEnd type="none" w="med" len="med"/>
+                      <a:tailEnd type="none" w="med" len="med"/>
+                    </a:lnB>
+                  </a:tcPr>
+                </a:tc>
+                <a:tc>
+                  <a:txBody>
+                    <a:bodyPr/>
+                    <a:lstStyle/>
+                    <a:p>
+                      <a:pPr algn="l" fontAlgn="b"/>
+                      <a:r>
+                        <a:rPr lang="ru-RU" sz="1000" b="1" i="0" u="none" strike="noStrike">
+                          <a:solidFill>
+                            <a:srgbClr val="000000"/>
+                          </a:solidFill>
+                          <a:effectLst/>
+                          <a:latin typeface="Arial" panose="020B0604020202020204" pitchFamily="34" charset="0"/>
+                        </a:rPr>
+                        <a:t>   4 635 648 </a:t>
+                      </a:r>
+                    </a:p>
+                  </a:txBody>
+                  <a:tcPr marL="9257" marR="9257" marT="9257" marB="0" anchor="b">
+                    <a:lnL>
+                      <a:noFill/>
+                    </a:lnL>
+                    <a:lnR>
+                      <a:noFill/>
+                    </a:lnR>
+                    <a:lnT w="6350" cap="flat" cmpd="sng" algn="ctr">
+                      <a:solidFill>
+                        <a:srgbClr val="000000"/>
+                      </a:solidFill>
+                      <a:prstDash val="solid"/>
+                      <a:round/>
+                      <a:headEnd type="none" w="med" len="med"/>
+                      <a:tailEnd type="none" w="med" len="med"/>
+                    </a:lnT>
+                    <a:lnB w="6350" cap="flat" cmpd="sng" algn="ctr">
+                      <a:solidFill>
+                        <a:srgbClr val="000000"/>
+                      </a:solidFill>
+                      <a:prstDash val="solid"/>
+                      <a:round/>
+                      <a:headEnd type="none" w="med" len="med"/>
+                      <a:tailEnd type="none" w="med" len="med"/>
+                    </a:lnB>
+                  </a:tcPr>
+                </a:tc>
+                <a:tc>
+                  <a:txBody>
+                    <a:bodyPr/>
+                    <a:lstStyle/>
+                    <a:p>
+                      <a:pPr algn="l" fontAlgn="b"/>
+                      <a:r>
+                        <a:rPr lang="ru-RU" sz="1000" b="1" i="0" u="none" strike="noStrike">
+                          <a:solidFill>
+                            <a:srgbClr val="000000"/>
+                          </a:solidFill>
+                          <a:effectLst/>
+                          <a:latin typeface="Arial" panose="020B0604020202020204" pitchFamily="34" charset="0"/>
+                        </a:rPr>
+                        <a:t>        79 423 </a:t>
+                      </a:r>
+                    </a:p>
+                  </a:txBody>
+                  <a:tcPr marL="9257" marR="9257" marT="9257" marB="0" anchor="b">
+                    <a:lnL>
+                      <a:noFill/>
+                    </a:lnL>
+                    <a:lnR>
+                      <a:noFill/>
+                    </a:lnR>
+                    <a:lnT w="6350" cap="flat" cmpd="sng" algn="ctr">
+                      <a:solidFill>
+                        <a:srgbClr val="000000"/>
+                      </a:solidFill>
+                      <a:prstDash val="solid"/>
+                      <a:round/>
+                      <a:headEnd type="none" w="med" len="med"/>
+                      <a:tailEnd type="none" w="med" len="med"/>
+                    </a:lnT>
+                    <a:lnB w="6350" cap="flat" cmpd="sng" algn="ctr">
+                      <a:solidFill>
+                        <a:srgbClr val="000000"/>
+                      </a:solidFill>
+                      <a:prstDash val="solid"/>
+                      <a:round/>
+                      <a:headEnd type="none" w="med" len="med"/>
+                      <a:tailEnd type="none" w="med" len="med"/>
+                    </a:lnB>
+                  </a:tcPr>
+                </a:tc>
+                <a:tc>
+                  <a:txBody>
+                    <a:bodyPr/>
+                    <a:lstStyle/>
+                    <a:p>
+                      <a:pPr algn="r" fontAlgn="b"/>
+                      <a:r>
+                        <a:rPr lang="ru-RU" sz="1000" b="1" i="0" u="none" strike="noStrike">
+                          <a:solidFill>
+                            <a:srgbClr val="000000"/>
+                          </a:solidFill>
+                          <a:effectLst/>
+                          <a:latin typeface="Arial" panose="020B0604020202020204" pitchFamily="34" charset="0"/>
+                        </a:rPr>
+                        <a:t>100,0%</a:t>
+                      </a:r>
+                    </a:p>
+                  </a:txBody>
+                  <a:tcPr marL="9257" marR="9257" marT="9257" marB="0" anchor="b">
+                    <a:lnL>
+                      <a:noFill/>
+                    </a:lnL>
+                    <a:lnR w="6350" cap="flat" cmpd="sng" algn="ctr">
+                      <a:solidFill>
+                        <a:srgbClr val="000000"/>
+                      </a:solidFill>
+                      <a:prstDash val="solid"/>
+                      <a:round/>
+                      <a:headEnd type="none" w="med" len="med"/>
+                      <a:tailEnd type="none" w="med" len="med"/>
+                    </a:lnR>
+                    <a:lnT w="6350" cap="flat" cmpd="sng" algn="ctr">
+                      <a:solidFill>
+                        <a:srgbClr val="000000"/>
+                      </a:solidFill>
+                      <a:prstDash val="solid"/>
+                      <a:round/>
+                      <a:headEnd type="none" w="med" len="med"/>
+                      <a:tailEnd type="none" w="med" len="med"/>
+                    </a:lnT>
+                    <a:lnB w="6350" cap="flat" cmpd="sng" algn="ctr">
+                      <a:solidFill>
+                        <a:srgbClr val="000000"/>
+                      </a:solidFill>
+                      <a:prstDash val="solid"/>
+                      <a:round/>
+                      <a:headEnd type="none" w="med" len="med"/>
+                      <a:tailEnd type="none" w="med" len="med"/>
+                    </a:lnB>
+                  </a:tcPr>
+                </a:tc>
+                <a:tc>
+                  <a:txBody>
+                    <a:bodyPr/>
+                    <a:lstStyle/>
+                    <a:p>
+                      <a:pPr algn="r" fontAlgn="b"/>
+                      <a:r>
+                        <a:rPr lang="ru-RU" sz="1000" b="1" i="0" u="none" strike="noStrike">
+                          <a:solidFill>
+                            <a:srgbClr val="000000"/>
+                          </a:solidFill>
+                          <a:effectLst/>
+                          <a:latin typeface="Arial" panose="020B0604020202020204" pitchFamily="34" charset="0"/>
+                        </a:rPr>
+                        <a:t>0,39%</a:t>
+                      </a:r>
+                    </a:p>
+                  </a:txBody>
+                  <a:tcPr marL="9257" marR="9257" marT="9257" marB="0" anchor="b">
+                    <a:lnL w="6350" cap="flat" cmpd="sng" algn="ctr">
+                      <a:solidFill>
+                        <a:srgbClr val="000000"/>
+                      </a:solidFill>
+                      <a:prstDash val="solid"/>
+                      <a:round/>
+                      <a:headEnd type="none" w="med" len="med"/>
+                      <a:tailEnd type="none" w="med" len="med"/>
+                    </a:lnL>
+                    <a:lnR>
+                      <a:noFill/>
+                    </a:lnR>
+                    <a:lnT w="6350" cap="flat" cmpd="sng" algn="ctr">
+                      <a:solidFill>
+                        <a:srgbClr val="000000"/>
+                      </a:solidFill>
+                      <a:prstDash val="solid"/>
+                      <a:round/>
+                      <a:headEnd type="none" w="med" len="med"/>
+                      <a:tailEnd type="none" w="med" len="med"/>
+                    </a:lnT>
+                    <a:lnB w="6350" cap="flat" cmpd="sng" algn="ctr">
+                      <a:solidFill>
+                        <a:srgbClr val="000000"/>
+                      </a:solidFill>
+                      <a:prstDash val="solid"/>
+                      <a:round/>
+                      <a:headEnd type="none" w="med" len="med"/>
+                      <a:tailEnd type="none" w="med" len="med"/>
+                    </a:lnB>
+                  </a:tcPr>
+                </a:tc>
+                <a:tc>
+                  <a:txBody>
+                    <a:bodyPr/>
+                    <a:lstStyle/>
+                    <a:p>
+                      <a:pPr algn="r" fontAlgn="b"/>
+                      <a:r>
+                        <a:rPr lang="ru-RU" sz="1000" b="1" i="0" u="none" strike="noStrike">
+                          <a:solidFill>
+                            <a:srgbClr val="000000"/>
+                          </a:solidFill>
+                          <a:effectLst/>
+                          <a:latin typeface="Arial" panose="020B0604020202020204" pitchFamily="34" charset="0"/>
+                        </a:rPr>
+                        <a:t>1,71%</a:t>
+                      </a:r>
+                    </a:p>
+                  </a:txBody>
+                  <a:tcPr marL="9257" marR="9257" marT="9257" marB="0" anchor="b">
+                    <a:lnL>
+                      <a:noFill/>
+                    </a:lnL>
+                    <a:lnR w="6350" cap="flat" cmpd="sng" algn="ctr">
+                      <a:solidFill>
+                        <a:srgbClr val="000000"/>
+                      </a:solidFill>
+                      <a:prstDash val="solid"/>
+                      <a:round/>
+                      <a:headEnd type="none" w="med" len="med"/>
+                      <a:tailEnd type="none" w="med" len="med"/>
+                    </a:lnR>
+                    <a:lnT w="6350" cap="flat" cmpd="sng" algn="ctr">
+                      <a:solidFill>
+                        <a:srgbClr val="000000"/>
+                      </a:solidFill>
+                      <a:prstDash val="solid"/>
+                      <a:round/>
+                      <a:headEnd type="none" w="med" len="med"/>
+                      <a:tailEnd type="none" w="med" len="med"/>
+                    </a:lnT>
+                    <a:lnB w="6350" cap="flat" cmpd="sng" algn="ctr">
+                      <a:solidFill>
+                        <a:srgbClr val="000000"/>
+                      </a:solidFill>
+                      <a:prstDash val="solid"/>
+                      <a:round/>
+                      <a:headEnd type="none" w="med" len="med"/>
+                      <a:tailEnd type="none" w="med" len="med"/>
+                    </a:lnB>
+                  </a:tcPr>
+                </a:tc>
+                <a:tc>
+                  <a:txBody>
+                    <a:bodyPr/>
+                    <a:lstStyle/>
+                    <a:p>
+                      <a:pPr algn="l" fontAlgn="b"/>
+                      <a:r>
+                        <a:rPr lang="ru-RU" sz="1000" b="1" i="0" u="none" strike="noStrike">
+                          <a:solidFill>
+                            <a:srgbClr val="000000"/>
+                          </a:solidFill>
+                          <a:effectLst/>
+                          <a:latin typeface="Arial" panose="020B0604020202020204" pitchFamily="34" charset="0"/>
+                        </a:rPr>
+                        <a:t>         0,29 ₽ </a:t>
+                      </a:r>
+                    </a:p>
+                  </a:txBody>
+                  <a:tcPr marL="9257" marR="9257" marT="9257" marB="0" anchor="b">
+                    <a:lnL w="6350" cap="flat" cmpd="sng" algn="ctr">
+                      <a:solidFill>
+                        <a:srgbClr val="000000"/>
+                      </a:solidFill>
+                      <a:prstDash val="solid"/>
+                      <a:round/>
+                      <a:headEnd type="none" w="med" len="med"/>
+                      <a:tailEnd type="none" w="med" len="med"/>
+                    </a:lnL>
+                    <a:lnR>
+                      <a:noFill/>
+                    </a:lnR>
+                    <a:lnT w="6350" cap="flat" cmpd="sng" algn="ctr">
+                      <a:solidFill>
+                        <a:srgbClr val="000000"/>
+                      </a:solidFill>
+                      <a:prstDash val="solid"/>
+                      <a:round/>
+                      <a:headEnd type="none" w="med" len="med"/>
+                      <a:tailEnd type="none" w="med" len="med"/>
+                    </a:lnT>
+                    <a:lnB w="6350" cap="flat" cmpd="sng" algn="ctr">
+                      <a:solidFill>
+                        <a:srgbClr val="000000"/>
+                      </a:solidFill>
+                      <a:prstDash val="solid"/>
+                      <a:round/>
+                      <a:headEnd type="none" w="med" len="med"/>
+                      <a:tailEnd type="none" w="med" len="med"/>
+                    </a:lnB>
+                  </a:tcPr>
+                </a:tc>
+                <a:tc>
+                  <a:txBody>
+                    <a:bodyPr/>
+                    <a:lstStyle/>
+                    <a:p>
+                      <a:pPr algn="l" fontAlgn="b"/>
+                      <a:r>
+                        <a:rPr lang="ru-RU" sz="1000" b="1" i="0" u="none" strike="noStrike">
+                          <a:solidFill>
+                            <a:srgbClr val="000000"/>
+                          </a:solidFill>
+                          <a:effectLst/>
+                          <a:latin typeface="Arial" panose="020B0604020202020204" pitchFamily="34" charset="0"/>
+                        </a:rPr>
+                        <a:t>       73,53 ₽ </a:t>
+                      </a:r>
+                    </a:p>
+                  </a:txBody>
+                  <a:tcPr marL="9257" marR="9257" marT="9257" marB="0" anchor="b">
+                    <a:lnL>
+                      <a:noFill/>
+                    </a:lnL>
+                    <a:lnR>
+                      <a:noFill/>
+                    </a:lnR>
+                    <a:lnT w="6350" cap="flat" cmpd="sng" algn="ctr">
+                      <a:solidFill>
+                        <a:srgbClr val="000000"/>
+                      </a:solidFill>
+                      <a:prstDash val="solid"/>
+                      <a:round/>
+                      <a:headEnd type="none" w="med" len="med"/>
+                      <a:tailEnd type="none" w="med" len="med"/>
+                    </a:lnT>
+                    <a:lnB w="6350" cap="flat" cmpd="sng" algn="ctr">
+                      <a:solidFill>
+                        <a:srgbClr val="000000"/>
+                      </a:solidFill>
+                      <a:prstDash val="solid"/>
+                      <a:round/>
+                      <a:headEnd type="none" w="med" len="med"/>
+                      <a:tailEnd type="none" w="med" len="med"/>
+                    </a:lnB>
+                  </a:tcPr>
+                </a:tc>
+                <a:tc>
+                  <a:txBody>
+                    <a:bodyPr/>
+                    <a:lstStyle/>
+                    <a:p>
+                      <a:pPr algn="l" fontAlgn="b"/>
+                      <a:r>
+                        <a:rPr lang="ru-RU" sz="1000" b="1" i="0" u="none" strike="noStrike" dirty="0">
+                          <a:solidFill>
+                            <a:srgbClr val="000000"/>
+                          </a:solidFill>
+                          <a:effectLst/>
+                          <a:latin typeface="Arial" panose="020B0604020202020204" pitchFamily="34" charset="0"/>
+                        </a:rPr>
+                        <a:t>       4 292 ₽ </a:t>
+                      </a:r>
+                    </a:p>
+                  </a:txBody>
+                  <a:tcPr marL="9257" marR="9257" marT="9257" marB="0" anchor="b">
+                    <a:lnL>
+                      <a:noFill/>
+                    </a:lnL>
+                    <a:lnR w="6350" cap="flat" cmpd="sng" algn="ctr">
+                      <a:solidFill>
+                        <a:srgbClr val="000000"/>
+                      </a:solidFill>
+                      <a:prstDash val="solid"/>
+                      <a:round/>
+                      <a:headEnd type="none" w="med" len="med"/>
+                      <a:tailEnd type="none" w="med" len="med"/>
+                    </a:lnR>
+                    <a:lnT w="6350" cap="flat" cmpd="sng" algn="ctr">
+                      <a:solidFill>
+                        <a:srgbClr val="000000"/>
+                      </a:solidFill>
+                      <a:prstDash val="solid"/>
+                      <a:round/>
+                      <a:headEnd type="none" w="med" len="med"/>
+                      <a:tailEnd type="none" w="med" len="med"/>
+                    </a:lnT>
+                    <a:lnB w="6350" cap="flat" cmpd="sng" algn="ctr">
+                      <a:solidFill>
+                        <a:srgbClr val="000000"/>
+                      </a:solidFill>
+                      <a:prstDash val="solid"/>
+                      <a:round/>
+                      <a:headEnd type="none" w="med" len="med"/>
+                      <a:tailEnd type="none" w="med" len="med"/>
+                    </a:lnB>
+                  </a:tcPr>
+                </a:tc>
+                <a:extLst>
+                  <a:ext uri="{0D108BD9-81ED-4DB2-BD59-A6C34878D82A}">
+                    <a16:rowId xmlns:a16="http://schemas.microsoft.com/office/drawing/2014/main" val="222505323"/>
+                  </a:ext>
+                </a:extLst>
+              </a:tr>
+            </a:tbl>
+          </a:graphicData>
+        </a:graphic>
+      </p:graphicFrame>
+    </p:spTree>
+    <p:extLst>
+      <p:ext uri="{BB962C8B-B14F-4D97-AF65-F5344CB8AC3E}">
+        <p14:creationId xmlns:p14="http://schemas.microsoft.com/office/powerpoint/2010/main" val="3331490444"/>
+      </p:ext>
+    </p:extLst>
+  </p:cSld>
+  <p:clrMapOvr>
+    <a:masterClrMapping/>
+  </p:clrMapOvr>
+</p:sld>
+</file>
+
+<file path=ppt/slides/slide8.xml><?xml version="1.0" encoding="utf-8"?>
+<p:sld xmlns:a="http://schemas.openxmlformats.org/drawingml/2006/main" xmlns:r="http://schemas.openxmlformats.org/officeDocument/2006/relationships" xmlns:p="http://schemas.openxmlformats.org/presentationml/2006/main">
+  <p:cSld>
+    <p:spTree>
+      <p:nvGrpSpPr>
+        <p:cNvPr id="1" name=""/>
+        <p:cNvGrpSpPr/>
+        <p:nvPr/>
+      </p:nvGrpSpPr>
+      <p:grpSpPr>
+        <a:xfrm>
+          <a:off x="0" y="0"/>
+          <a:ext cx="0" cy="0"/>
+          <a:chOff x="0" y="0"/>
+          <a:chExt cx="0" cy="0"/>
+        </a:xfrm>
+      </p:grpSpPr>
+      <p:sp>
+        <p:nvSpPr>
+          <p:cNvPr id="2" name="Заголовок 1">
+            <a:extLst>
+              <a:ext uri="{FF2B5EF4-FFF2-40B4-BE49-F238E27FC236}">
+                <a16:creationId xmlns:a16="http://schemas.microsoft.com/office/drawing/2014/main" id="{99AD7E5F-01C6-694A-A0AE-881C1AD5BE85}"/>
+              </a:ext>
+            </a:extLst>
+          </p:cNvPr>
+          <p:cNvSpPr>
+            <a:spLocks noGrp="1"/>
+          </p:cNvSpPr>
+          <p:nvPr>
+            <p:ph type="title"/>
+          </p:nvPr>
+        </p:nvSpPr>
+        <p:spPr>
+          <a:xfrm>
+            <a:off x="838200" y="18255"/>
+            <a:ext cx="10515600" cy="1325563"/>
+          </a:xfrm>
+        </p:spPr>
+        <p:txBody>
+          <a:bodyPr/>
+          <a:lstStyle/>
+          <a:p>
+            <a:r>
+              <a:rPr lang="ru-RU" dirty="0" err="1"/>
+              <a:t>Хайлайты</a:t>
+            </a:r>
+            <a:r>
+              <a:rPr lang="ru-RU" dirty="0"/>
+              <a:t> и предложения</a:t>
+            </a:r>
+          </a:p>
+        </p:txBody>
+      </p:sp>
+      <p:sp>
+        <p:nvSpPr>
+          <p:cNvPr id="3" name="Объект 2">
+            <a:extLst>
+              <a:ext uri="{FF2B5EF4-FFF2-40B4-BE49-F238E27FC236}">
+                <a16:creationId xmlns:a16="http://schemas.microsoft.com/office/drawing/2014/main" id="{D7035435-1CDF-9C45-A2FE-4B034A517B41}"/>
+              </a:ext>
+            </a:extLst>
+          </p:cNvPr>
+          <p:cNvSpPr>
+            <a:spLocks noGrp="1"/>
+          </p:cNvSpPr>
+          <p:nvPr>
+            <p:ph idx="1"/>
+          </p:nvPr>
+        </p:nvSpPr>
+        <p:spPr>
+          <a:xfrm>
+            <a:off x="263950" y="1178351"/>
+            <a:ext cx="11792931" cy="5401558"/>
+          </a:xfrm>
+        </p:spPr>
+        <p:txBody>
+          <a:bodyPr>
+            <a:normAutofit fontScale="62500" lnSpcReduction="20000"/>
+          </a:bodyPr>
+          <a:lstStyle/>
+          <a:p>
+            <a:r>
+              <a:rPr lang="ru-RU" dirty="0"/>
+              <a:t>В июле по сравнению с другими месяцами </a:t>
+            </a:r>
+            <a:r>
+              <a:rPr lang="en" dirty="0"/>
+              <a:t>CR </a:t>
+            </a:r>
+            <a:r>
+              <a:rPr lang="ru-RU" dirty="0"/>
+              <a:t>из клика в целевое действие вырос вдвое (3,3% </a:t>
+            </a:r>
+            <a:r>
+              <a:rPr lang="en" dirty="0"/>
+              <a:t>vs. 1,7%) – </a:t>
+            </a:r>
+            <a:r>
+              <a:rPr lang="ru-RU" dirty="0"/>
+              <a:t>надо разобраться в чем была причина.</a:t>
+            </a:r>
+          </a:p>
+          <a:p>
+            <a:endParaRPr lang="ru-RU" dirty="0"/>
+          </a:p>
+          <a:p>
+            <a:r>
+              <a:rPr lang="ru-RU" dirty="0"/>
+              <a:t>Конверсия из показа в клик у Омеги на десктопе в 4 раза хуже, чем на </a:t>
+            </a:r>
+            <a:r>
+              <a:rPr lang="ru-RU" dirty="0" err="1"/>
+              <a:t>мобайле</a:t>
+            </a:r>
+            <a:r>
+              <a:rPr lang="ru-RU" dirty="0"/>
+              <a:t>. Надо подсмотреть у Зеты и Гаммы – там хорошая конверсия в десктопе. Вероятно, дело в креативах, </a:t>
+            </a:r>
+            <a:r>
+              <a:rPr lang="en" dirty="0"/>
+              <a:t>call-to-action’</a:t>
+            </a:r>
+            <a:r>
+              <a:rPr lang="ru-RU" dirty="0"/>
+              <a:t>ах или </a:t>
+            </a:r>
+            <a:r>
+              <a:rPr lang="ru-RU" dirty="0" err="1"/>
+              <a:t>офере</a:t>
+            </a:r>
+            <a:r>
+              <a:rPr lang="ru-RU" dirty="0"/>
+              <a:t>.</a:t>
+            </a:r>
+          </a:p>
+          <a:p>
+            <a:endParaRPr lang="ru-RU" dirty="0"/>
+          </a:p>
+          <a:p>
+            <a:r>
+              <a:rPr lang="ru-RU" dirty="0"/>
+              <a:t>На </a:t>
+            </a:r>
+            <a:r>
+              <a:rPr lang="ru-RU" dirty="0" err="1"/>
+              <a:t>мобайле</a:t>
+            </a:r>
+            <a:r>
+              <a:rPr lang="ru-RU" dirty="0"/>
+              <a:t> у Омеги хуже конверсия из клика в целевое действие, чем на десктопе – возможно есть проблемы с мобильной версией, или юзеры не находят на сайте того, что им обещают в объявлении.</a:t>
+            </a:r>
+          </a:p>
+          <a:p>
+            <a:endParaRPr lang="ru-RU" dirty="0"/>
+          </a:p>
+          <a:p>
+            <a:r>
+              <a:rPr lang="ru-RU" dirty="0"/>
+              <a:t>У всех поиск работает значительно лучше, чем сети. У Омеги очень дорогой </a:t>
+            </a:r>
+            <a:r>
+              <a:rPr lang="en" dirty="0"/>
+              <a:t>CPA </a:t>
+            </a:r>
+            <a:r>
+              <a:rPr lang="ru-RU" dirty="0"/>
+              <a:t>по конкурентам, в то время как у большинства других клиентов он значительно дешевле. Надо понять в чем дело и дать рекомендации для Омеги. То же самое для </a:t>
+            </a:r>
+            <a:r>
+              <a:rPr lang="en" dirty="0"/>
+              <a:t>other.</a:t>
+            </a:r>
+          </a:p>
+          <a:p>
+            <a:endParaRPr lang="en" dirty="0"/>
+          </a:p>
+          <a:p>
+            <a:r>
+              <a:rPr lang="ru-RU" dirty="0"/>
+              <a:t>Надо попробовать увеличить брендовые запросы, например, добавить </a:t>
+            </a:r>
+            <a:r>
+              <a:rPr lang="ru-RU" dirty="0" err="1"/>
+              <a:t>автотаргетинг</a:t>
+            </a:r>
+            <a:r>
+              <a:rPr lang="ru-RU" dirty="0"/>
+              <a:t>.</a:t>
+            </a:r>
+          </a:p>
+          <a:p>
+            <a:endParaRPr lang="ru-RU" dirty="0"/>
+          </a:p>
+          <a:p>
+            <a:pPr marL="0" indent="0">
+              <a:buNone/>
+            </a:pPr>
+            <a:r>
+              <a:rPr lang="en-US" dirty="0"/>
+              <a:t>____________________________________________</a:t>
+            </a:r>
+            <a:endParaRPr lang="ru-RU" dirty="0"/>
+          </a:p>
+          <a:p>
+            <a:pPr marL="0" indent="0">
+              <a:buNone/>
+            </a:pPr>
+            <a:r>
+              <a:rPr lang="en-US" dirty="0"/>
+              <a:t>*</a:t>
+            </a:r>
+            <a:r>
+              <a:rPr lang="ru-RU" dirty="0"/>
+              <a:t>для анализа использовал данные, полученные </a:t>
+            </a:r>
+            <a:r>
+              <a:rPr lang="en-US" dirty="0" err="1"/>
+              <a:t>sql</a:t>
+            </a:r>
+            <a:r>
+              <a:rPr lang="en-US" dirty="0"/>
+              <a:t>-</a:t>
+            </a:r>
+            <a:r>
+              <a:rPr lang="ru-RU" dirty="0"/>
+              <a:t>запросом для </a:t>
+            </a:r>
+            <a:r>
+              <a:rPr lang="ru-RU" dirty="0" err="1"/>
+              <a:t>директа</a:t>
+            </a:r>
+            <a:r>
+              <a:rPr lang="ru-RU" dirty="0"/>
+              <a:t> и делал сводные в файле </a:t>
+            </a:r>
+            <a:r>
+              <a:rPr lang="en-US" dirty="0" err="1"/>
+              <a:t>direct_data</a:t>
+            </a:r>
+            <a:endParaRPr lang="en-US" dirty="0"/>
+          </a:p>
+          <a:p>
+            <a:pPr marL="0" indent="0">
+              <a:buNone/>
+            </a:pPr>
+            <a:r>
+              <a:rPr lang="en" dirty="0">
+                <a:hlinkClick r:id="rId2"/>
+              </a:rPr>
+              <a:t>https://github.com/Srg-K/netology_pyda/raw/master/yandex_homework/direct_data.xlsx</a:t>
+            </a:r>
+            <a:endParaRPr lang="en" dirty="0"/>
+          </a:p>
+        </p:txBody>
+      </p:sp>
+    </p:spTree>
+    <p:extLst>
+      <p:ext uri="{BB962C8B-B14F-4D97-AF65-F5344CB8AC3E}">
+        <p14:creationId xmlns:p14="http://schemas.microsoft.com/office/powerpoint/2010/main" val="529441224"/>
+      </p:ext>
+    </p:extLst>
+  </p:cSld>
+  <p:clrMapOvr>
+    <a:masterClrMapping/>
+  </p:clrMapOvr>
+</p:sld>
+</file>
+
+<file path=ppt/slides/slide9.xml><?xml version="1.0" encoding="utf-8"?>
+<p:sld xmlns:a="http://schemas.openxmlformats.org/drawingml/2006/main" xmlns:r="http://schemas.openxmlformats.org/officeDocument/2006/relationships" xmlns:p="http://schemas.openxmlformats.org/presentationml/2006/main">
+  <p:cSld>
+    <p:spTree>
+      <p:nvGrpSpPr>
+        <p:cNvPr id="1" name=""/>
+        <p:cNvGrpSpPr/>
+        <p:nvPr/>
+      </p:nvGrpSpPr>
+      <p:grpSpPr>
+        <a:xfrm>
+          <a:off x="0" y="0"/>
+          <a:ext cx="0" cy="0"/>
+          <a:chOff x="0" y="0"/>
+          <a:chExt cx="0" cy="0"/>
+        </a:xfrm>
+      </p:grpSpPr>
+      <p:sp>
+        <p:nvSpPr>
+          <p:cNvPr id="2" name="Заголовок 1">
+            <a:extLst>
+              <a:ext uri="{FF2B5EF4-FFF2-40B4-BE49-F238E27FC236}">
+                <a16:creationId xmlns:a16="http://schemas.microsoft.com/office/drawing/2014/main" id="{B49334F7-4126-7F41-904D-0B2C2E8CEC52}"/>
+              </a:ext>
+            </a:extLst>
+          </p:cNvPr>
+          <p:cNvSpPr>
+            <a:spLocks noGrp="1"/>
+          </p:cNvSpPr>
+          <p:nvPr>
+            <p:ph type="ctrTitle"/>
+          </p:nvPr>
+        </p:nvSpPr>
+        <p:spPr/>
+        <p:txBody>
+          <a:bodyPr/>
+          <a:lstStyle/>
+          <a:p>
+            <a:r>
+              <a:rPr lang="ru-RU" dirty="0"/>
+              <a:t>Потребительское кредитование</a:t>
+            </a:r>
+          </a:p>
+        </p:txBody>
+      </p:sp>
+      <p:sp>
+        <p:nvSpPr>
+          <p:cNvPr id="3" name="Подзаголовок 2">
+            <a:extLst>
+              <a:ext uri="{FF2B5EF4-FFF2-40B4-BE49-F238E27FC236}">
+                <a16:creationId xmlns:a16="http://schemas.microsoft.com/office/drawing/2014/main" id="{4242A920-9FFD-A447-8115-B3C4B01AFF09}"/>
+              </a:ext>
+            </a:extLst>
+          </p:cNvPr>
+          <p:cNvSpPr>
+            <a:spLocks noGrp="1"/>
+          </p:cNvSpPr>
+          <p:nvPr>
+            <p:ph type="subTitle" idx="1"/>
+          </p:nvPr>
+        </p:nvSpPr>
+        <p:spPr/>
+        <p:txBody>
+          <a:bodyPr/>
+          <a:lstStyle/>
+          <a:p>
+            <a:r>
+              <a:rPr lang="ru-RU" dirty="0"/>
+              <a:t>Дисплей, клиент Омега</a:t>
+            </a:r>
+          </a:p>
+        </p:txBody>
+      </p:sp>
+    </p:spTree>
+    <p:extLst>
+      <p:ext uri="{BB962C8B-B14F-4D97-AF65-F5344CB8AC3E}">
+        <p14:creationId xmlns:p14="http://schemas.microsoft.com/office/powerpoint/2010/main" val="3920080831"/>
       </p:ext>
     </p:extLst>
   </p:cSld>
